--- a/mestermunka/orai/Dokumentacio/mestermunka_ppt.pptx
+++ b/mestermunka/orai/Dokumentacio/mestermunka_ppt.pptx
@@ -4,6 +4,9 @@
   <p:sldMasterIdLst>
     <p:sldMasterId id="2147483660" r:id="rId4"/>
   </p:sldMasterIdLst>
+  <p:notesMasterIdLst>
+    <p:notesMasterId r:id="rId27"/>
+  </p:notesMasterIdLst>
   <p:sldIdLst>
     <p:sldId id="256" r:id="rId5"/>
     <p:sldId id="259" r:id="rId6"/>
@@ -11,23 +14,22 @@
     <p:sldId id="257" r:id="rId8"/>
     <p:sldId id="260" r:id="rId9"/>
     <p:sldId id="263" r:id="rId10"/>
-    <p:sldId id="261" r:id="rId11"/>
-    <p:sldId id="262" r:id="rId12"/>
-    <p:sldId id="264" r:id="rId13"/>
-    <p:sldId id="265" r:id="rId14"/>
-    <p:sldId id="272" r:id="rId15"/>
-    <p:sldId id="266" r:id="rId16"/>
-    <p:sldId id="267" r:id="rId17"/>
-    <p:sldId id="268" r:id="rId18"/>
-    <p:sldId id="270" r:id="rId19"/>
-    <p:sldId id="269" r:id="rId20"/>
-    <p:sldId id="273" r:id="rId21"/>
-    <p:sldId id="271" r:id="rId22"/>
-    <p:sldId id="274" r:id="rId23"/>
-    <p:sldId id="275" r:id="rId24"/>
-    <p:sldId id="276" r:id="rId25"/>
-    <p:sldId id="277" r:id="rId26"/>
-    <p:sldId id="278" r:id="rId27"/>
+    <p:sldId id="262" r:id="rId11"/>
+    <p:sldId id="264" r:id="rId12"/>
+    <p:sldId id="265" r:id="rId13"/>
+    <p:sldId id="272" r:id="rId14"/>
+    <p:sldId id="266" r:id="rId15"/>
+    <p:sldId id="267" r:id="rId16"/>
+    <p:sldId id="268" r:id="rId17"/>
+    <p:sldId id="270" r:id="rId18"/>
+    <p:sldId id="269" r:id="rId19"/>
+    <p:sldId id="273" r:id="rId20"/>
+    <p:sldId id="271" r:id="rId21"/>
+    <p:sldId id="274" r:id="rId22"/>
+    <p:sldId id="275" r:id="rId23"/>
+    <p:sldId id="276" r:id="rId24"/>
+    <p:sldId id="277" r:id="rId25"/>
+    <p:sldId id="278" r:id="rId26"/>
   </p:sldIdLst>
   <p:sldSz cx="12192000" cy="6858000"/>
   <p:notesSz cx="6858000" cy="9144000"/>
@@ -142,6 +144,1027 @@
 </p1510:revInfo>
 </file>
 
+<file path=ppt/notesMasters/notesMaster1.xml><?xml version="1.0" encoding="utf-8"?>
+<p:notesMaster xmlns:a="http://schemas.openxmlformats.org/drawingml/2006/main" xmlns:r="http://schemas.openxmlformats.org/officeDocument/2006/relationships" xmlns:p="http://schemas.openxmlformats.org/presentationml/2006/main">
+  <p:cSld>
+    <p:bg>
+      <p:bgRef idx="1001">
+        <a:schemeClr val="bg1"/>
+      </p:bgRef>
+    </p:bg>
+    <p:spTree>
+      <p:nvGrpSpPr>
+        <p:cNvPr id="1" name=""/>
+        <p:cNvGrpSpPr/>
+        <p:nvPr/>
+      </p:nvGrpSpPr>
+      <p:grpSpPr>
+        <a:xfrm>
+          <a:off x="0" y="0"/>
+          <a:ext cx="0" cy="0"/>
+          <a:chOff x="0" y="0"/>
+          <a:chExt cx="0" cy="0"/>
+        </a:xfrm>
+      </p:grpSpPr>
+      <p:sp>
+        <p:nvSpPr>
+          <p:cNvPr id="2" name="Élőfej helye 1"/>
+          <p:cNvSpPr>
+            <a:spLocks noGrp="1"/>
+          </p:cNvSpPr>
+          <p:nvPr>
+            <p:ph type="hdr" sz="quarter"/>
+          </p:nvPr>
+        </p:nvSpPr>
+        <p:spPr>
+          <a:xfrm>
+            <a:off x="0" y="0"/>
+            <a:ext cx="2971800" cy="458788"/>
+          </a:xfrm>
+          <a:prstGeom prst="rect">
+            <a:avLst/>
+          </a:prstGeom>
+        </p:spPr>
+        <p:txBody>
+          <a:bodyPr vert="horz" lIns="91440" tIns="45720" rIns="91440" bIns="45720" rtlCol="0"/>
+          <a:lstStyle>
+            <a:lvl1pPr algn="l">
+              <a:defRPr sz="1200"/>
+            </a:lvl1pPr>
+          </a:lstStyle>
+          <a:p>
+            <a:endParaRPr lang="hu-HU"/>
+          </a:p>
+        </p:txBody>
+      </p:sp>
+      <p:sp>
+        <p:nvSpPr>
+          <p:cNvPr id="3" name="Dátum helye 2"/>
+          <p:cNvSpPr>
+            <a:spLocks noGrp="1"/>
+          </p:cNvSpPr>
+          <p:nvPr>
+            <p:ph type="dt" idx="1"/>
+          </p:nvPr>
+        </p:nvSpPr>
+        <p:spPr>
+          <a:xfrm>
+            <a:off x="3884613" y="0"/>
+            <a:ext cx="2971800" cy="458788"/>
+          </a:xfrm>
+          <a:prstGeom prst="rect">
+            <a:avLst/>
+          </a:prstGeom>
+        </p:spPr>
+        <p:txBody>
+          <a:bodyPr vert="horz" lIns="91440" tIns="45720" rIns="91440" bIns="45720" rtlCol="0"/>
+          <a:lstStyle>
+            <a:lvl1pPr algn="r">
+              <a:defRPr sz="1200"/>
+            </a:lvl1pPr>
+          </a:lstStyle>
+          <a:p>
+            <a:fld id="{A38B292F-B067-4868-A3A8-21D0FA923CF3}" type="datetimeFigureOut">
+              <a:rPr lang="hu-HU" smtClean="0"/>
+              <a:t>2025. 04. 15.</a:t>
+            </a:fld>
+            <a:endParaRPr lang="hu-HU"/>
+          </a:p>
+        </p:txBody>
+      </p:sp>
+      <p:sp>
+        <p:nvSpPr>
+          <p:cNvPr id="4" name="Diakép helye 3"/>
+          <p:cNvSpPr>
+            <a:spLocks noGrp="1" noRot="1" noChangeAspect="1"/>
+          </p:cNvSpPr>
+          <p:nvPr>
+            <p:ph type="sldImg" idx="2"/>
+          </p:nvPr>
+        </p:nvSpPr>
+        <p:spPr>
+          <a:xfrm>
+            <a:off x="685800" y="1143000"/>
+            <a:ext cx="5486400" cy="3086100"/>
+          </a:xfrm>
+          <a:prstGeom prst="rect">
+            <a:avLst/>
+          </a:prstGeom>
+          <a:noFill/>
+          <a:ln w="12700">
+            <a:solidFill>
+              <a:prstClr val="black"/>
+            </a:solidFill>
+          </a:ln>
+        </p:spPr>
+        <p:txBody>
+          <a:bodyPr vert="horz" lIns="91440" tIns="45720" rIns="91440" bIns="45720" rtlCol="0" anchor="ctr"/>
+          <a:lstStyle/>
+          <a:p>
+            <a:endParaRPr lang="hu-HU"/>
+          </a:p>
+        </p:txBody>
+      </p:sp>
+      <p:sp>
+        <p:nvSpPr>
+          <p:cNvPr id="5" name="Jegyzetek helye 4"/>
+          <p:cNvSpPr>
+            <a:spLocks noGrp="1"/>
+          </p:cNvSpPr>
+          <p:nvPr>
+            <p:ph type="body" sz="quarter" idx="3"/>
+          </p:nvPr>
+        </p:nvSpPr>
+        <p:spPr>
+          <a:xfrm>
+            <a:off x="685800" y="4400550"/>
+            <a:ext cx="5486400" cy="3600450"/>
+          </a:xfrm>
+          <a:prstGeom prst="rect">
+            <a:avLst/>
+          </a:prstGeom>
+        </p:spPr>
+        <p:txBody>
+          <a:bodyPr vert="horz" lIns="91440" tIns="45720" rIns="91440" bIns="45720" rtlCol="0"/>
+          <a:lstStyle/>
+          <a:p>
+            <a:pPr lvl="0"/>
+            <a:r>
+              <a:rPr lang="hu-HU"/>
+              <a:t>Mintaszöveg szerkesztése</a:t>
+            </a:r>
+          </a:p>
+          <a:p>
+            <a:pPr lvl="1"/>
+            <a:r>
+              <a:rPr lang="hu-HU"/>
+              <a:t>Második szint</a:t>
+            </a:r>
+          </a:p>
+          <a:p>
+            <a:pPr lvl="2"/>
+            <a:r>
+              <a:rPr lang="hu-HU"/>
+              <a:t>Harmadik szint</a:t>
+            </a:r>
+          </a:p>
+          <a:p>
+            <a:pPr lvl="3"/>
+            <a:r>
+              <a:rPr lang="hu-HU"/>
+              <a:t>Negyedik szint</a:t>
+            </a:r>
+          </a:p>
+          <a:p>
+            <a:pPr lvl="4"/>
+            <a:r>
+              <a:rPr lang="hu-HU"/>
+              <a:t>Ötödik szint</a:t>
+            </a:r>
+          </a:p>
+        </p:txBody>
+      </p:sp>
+      <p:sp>
+        <p:nvSpPr>
+          <p:cNvPr id="6" name="Élőláb helye 5"/>
+          <p:cNvSpPr>
+            <a:spLocks noGrp="1"/>
+          </p:cNvSpPr>
+          <p:nvPr>
+            <p:ph type="ftr" sz="quarter" idx="4"/>
+          </p:nvPr>
+        </p:nvSpPr>
+        <p:spPr>
+          <a:xfrm>
+            <a:off x="0" y="8685213"/>
+            <a:ext cx="2971800" cy="458787"/>
+          </a:xfrm>
+          <a:prstGeom prst="rect">
+            <a:avLst/>
+          </a:prstGeom>
+        </p:spPr>
+        <p:txBody>
+          <a:bodyPr vert="horz" lIns="91440" tIns="45720" rIns="91440" bIns="45720" rtlCol="0" anchor="b"/>
+          <a:lstStyle>
+            <a:lvl1pPr algn="l">
+              <a:defRPr sz="1200"/>
+            </a:lvl1pPr>
+          </a:lstStyle>
+          <a:p>
+            <a:endParaRPr lang="hu-HU"/>
+          </a:p>
+        </p:txBody>
+      </p:sp>
+      <p:sp>
+        <p:nvSpPr>
+          <p:cNvPr id="7" name="Dia számának helye 6"/>
+          <p:cNvSpPr>
+            <a:spLocks noGrp="1"/>
+          </p:cNvSpPr>
+          <p:nvPr>
+            <p:ph type="sldNum" sz="quarter" idx="5"/>
+          </p:nvPr>
+        </p:nvSpPr>
+        <p:spPr>
+          <a:xfrm>
+            <a:off x="3884613" y="8685213"/>
+            <a:ext cx="2971800" cy="458787"/>
+          </a:xfrm>
+          <a:prstGeom prst="rect">
+            <a:avLst/>
+          </a:prstGeom>
+        </p:spPr>
+        <p:txBody>
+          <a:bodyPr vert="horz" lIns="91440" tIns="45720" rIns="91440" bIns="45720" rtlCol="0" anchor="b"/>
+          <a:lstStyle>
+            <a:lvl1pPr algn="r">
+              <a:defRPr sz="1200"/>
+            </a:lvl1pPr>
+          </a:lstStyle>
+          <a:p>
+            <a:fld id="{2EEF7A15-0025-40CF-92E3-A818782F416C}" type="slidenum">
+              <a:rPr lang="hu-HU" smtClean="0"/>
+              <a:t>‹#›</a:t>
+            </a:fld>
+            <a:endParaRPr lang="hu-HU"/>
+          </a:p>
+        </p:txBody>
+      </p:sp>
+    </p:spTree>
+    <p:extLst>
+      <p:ext uri="{BB962C8B-B14F-4D97-AF65-F5344CB8AC3E}">
+        <p14:creationId xmlns:p14="http://schemas.microsoft.com/office/powerpoint/2010/main" val="212362971"/>
+      </p:ext>
+    </p:extLst>
+  </p:cSld>
+  <p:clrMap bg1="lt1" tx1="dk1" bg2="lt2" tx2="dk2" accent1="accent1" accent2="accent2" accent3="accent3" accent4="accent4" accent5="accent5" accent6="accent6" hlink="hlink" folHlink="folHlink"/>
+  <p:notesStyle>
+    <a:lvl1pPr marL="0" algn="l" defTabSz="914400" rtl="0" eaLnBrk="1" latinLnBrk="0" hangingPunct="1">
+      <a:defRPr sz="1200" kern="1200">
+        <a:solidFill>
+          <a:schemeClr val="tx1"/>
+        </a:solidFill>
+        <a:latin typeface="+mn-lt"/>
+        <a:ea typeface="+mn-ea"/>
+        <a:cs typeface="+mn-cs"/>
+      </a:defRPr>
+    </a:lvl1pPr>
+    <a:lvl2pPr marL="457200" algn="l" defTabSz="914400" rtl="0" eaLnBrk="1" latinLnBrk="0" hangingPunct="1">
+      <a:defRPr sz="1200" kern="1200">
+        <a:solidFill>
+          <a:schemeClr val="tx1"/>
+        </a:solidFill>
+        <a:latin typeface="+mn-lt"/>
+        <a:ea typeface="+mn-ea"/>
+        <a:cs typeface="+mn-cs"/>
+      </a:defRPr>
+    </a:lvl2pPr>
+    <a:lvl3pPr marL="914400" algn="l" defTabSz="914400" rtl="0" eaLnBrk="1" latinLnBrk="0" hangingPunct="1">
+      <a:defRPr sz="1200" kern="1200">
+        <a:solidFill>
+          <a:schemeClr val="tx1"/>
+        </a:solidFill>
+        <a:latin typeface="+mn-lt"/>
+        <a:ea typeface="+mn-ea"/>
+        <a:cs typeface="+mn-cs"/>
+      </a:defRPr>
+    </a:lvl3pPr>
+    <a:lvl4pPr marL="1371600" algn="l" defTabSz="914400" rtl="0" eaLnBrk="1" latinLnBrk="0" hangingPunct="1">
+      <a:defRPr sz="1200" kern="1200">
+        <a:solidFill>
+          <a:schemeClr val="tx1"/>
+        </a:solidFill>
+        <a:latin typeface="+mn-lt"/>
+        <a:ea typeface="+mn-ea"/>
+        <a:cs typeface="+mn-cs"/>
+      </a:defRPr>
+    </a:lvl4pPr>
+    <a:lvl5pPr marL="1828800" algn="l" defTabSz="914400" rtl="0" eaLnBrk="1" latinLnBrk="0" hangingPunct="1">
+      <a:defRPr sz="1200" kern="1200">
+        <a:solidFill>
+          <a:schemeClr val="tx1"/>
+        </a:solidFill>
+        <a:latin typeface="+mn-lt"/>
+        <a:ea typeface="+mn-ea"/>
+        <a:cs typeface="+mn-cs"/>
+      </a:defRPr>
+    </a:lvl5pPr>
+    <a:lvl6pPr marL="2286000" algn="l" defTabSz="914400" rtl="0" eaLnBrk="1" latinLnBrk="0" hangingPunct="1">
+      <a:defRPr sz="1200" kern="1200">
+        <a:solidFill>
+          <a:schemeClr val="tx1"/>
+        </a:solidFill>
+        <a:latin typeface="+mn-lt"/>
+        <a:ea typeface="+mn-ea"/>
+        <a:cs typeface="+mn-cs"/>
+      </a:defRPr>
+    </a:lvl6pPr>
+    <a:lvl7pPr marL="2743200" algn="l" defTabSz="914400" rtl="0" eaLnBrk="1" latinLnBrk="0" hangingPunct="1">
+      <a:defRPr sz="1200" kern="1200">
+        <a:solidFill>
+          <a:schemeClr val="tx1"/>
+        </a:solidFill>
+        <a:latin typeface="+mn-lt"/>
+        <a:ea typeface="+mn-ea"/>
+        <a:cs typeface="+mn-cs"/>
+      </a:defRPr>
+    </a:lvl7pPr>
+    <a:lvl8pPr marL="3200400" algn="l" defTabSz="914400" rtl="0" eaLnBrk="1" latinLnBrk="0" hangingPunct="1">
+      <a:defRPr sz="1200" kern="1200">
+        <a:solidFill>
+          <a:schemeClr val="tx1"/>
+        </a:solidFill>
+        <a:latin typeface="+mn-lt"/>
+        <a:ea typeface="+mn-ea"/>
+        <a:cs typeface="+mn-cs"/>
+      </a:defRPr>
+    </a:lvl8pPr>
+    <a:lvl9pPr marL="3657600" algn="l" defTabSz="914400" rtl="0" eaLnBrk="1" latinLnBrk="0" hangingPunct="1">
+      <a:defRPr sz="1200" kern="1200">
+        <a:solidFill>
+          <a:schemeClr val="tx1"/>
+        </a:solidFill>
+        <a:latin typeface="+mn-lt"/>
+        <a:ea typeface="+mn-ea"/>
+        <a:cs typeface="+mn-cs"/>
+      </a:defRPr>
+    </a:lvl9pPr>
+  </p:notesStyle>
+</p:notesMaster>
+</file>
+
+<file path=ppt/notesSlides/notesSlide1.xml><?xml version="1.0" encoding="utf-8"?>
+<p:notes xmlns:a="http://schemas.openxmlformats.org/drawingml/2006/main" xmlns:r="http://schemas.openxmlformats.org/officeDocument/2006/relationships" xmlns:p="http://schemas.openxmlformats.org/presentationml/2006/main">
+  <p:cSld>
+    <p:spTree>
+      <p:nvGrpSpPr>
+        <p:cNvPr id="1" name=""/>
+        <p:cNvGrpSpPr/>
+        <p:nvPr/>
+      </p:nvGrpSpPr>
+      <p:grpSpPr>
+        <a:xfrm>
+          <a:off x="0" y="0"/>
+          <a:ext cx="0" cy="0"/>
+          <a:chOff x="0" y="0"/>
+          <a:chExt cx="0" cy="0"/>
+        </a:xfrm>
+      </p:grpSpPr>
+      <p:sp>
+        <p:nvSpPr>
+          <p:cNvPr id="2" name="Diakép helye 1"/>
+          <p:cNvSpPr>
+            <a:spLocks noGrp="1" noRot="1" noChangeAspect="1"/>
+          </p:cNvSpPr>
+          <p:nvPr>
+            <p:ph type="sldImg"/>
+          </p:nvPr>
+        </p:nvSpPr>
+        <p:spPr/>
+      </p:sp>
+      <p:sp>
+        <p:nvSpPr>
+          <p:cNvPr id="3" name="Jegyzetek helye 2"/>
+          <p:cNvSpPr>
+            <a:spLocks noGrp="1"/>
+          </p:cNvSpPr>
+          <p:nvPr>
+            <p:ph type="body" idx="1"/>
+          </p:nvPr>
+        </p:nvSpPr>
+        <p:spPr/>
+        <p:txBody>
+          <a:bodyPr/>
+          <a:lstStyle/>
+          <a:p>
+            <a:endParaRPr lang="hu-HU" dirty="0"/>
+          </a:p>
+        </p:txBody>
+      </p:sp>
+      <p:sp>
+        <p:nvSpPr>
+          <p:cNvPr id="4" name="Dia számának helye 3"/>
+          <p:cNvSpPr>
+            <a:spLocks noGrp="1"/>
+          </p:cNvSpPr>
+          <p:nvPr>
+            <p:ph type="sldNum" sz="quarter" idx="5"/>
+          </p:nvPr>
+        </p:nvSpPr>
+        <p:spPr/>
+        <p:txBody>
+          <a:bodyPr/>
+          <a:lstStyle/>
+          <a:p>
+            <a:fld id="{2EEF7A15-0025-40CF-92E3-A818782F416C}" type="slidenum">
+              <a:rPr lang="hu-HU" smtClean="0"/>
+              <a:t>2</a:t>
+            </a:fld>
+            <a:endParaRPr lang="hu-HU"/>
+          </a:p>
+        </p:txBody>
+      </p:sp>
+    </p:spTree>
+    <p:extLst>
+      <p:ext uri="{BB962C8B-B14F-4D97-AF65-F5344CB8AC3E}">
+        <p14:creationId xmlns:p14="http://schemas.microsoft.com/office/powerpoint/2010/main" val="26838030"/>
+      </p:ext>
+    </p:extLst>
+  </p:cSld>
+  <p:clrMapOvr>
+    <a:masterClrMapping/>
+  </p:clrMapOvr>
+</p:notes>
+</file>
+
+<file path=ppt/notesSlides/notesSlide2.xml><?xml version="1.0" encoding="utf-8"?>
+<p:notes xmlns:a="http://schemas.openxmlformats.org/drawingml/2006/main" xmlns:r="http://schemas.openxmlformats.org/officeDocument/2006/relationships" xmlns:p="http://schemas.openxmlformats.org/presentationml/2006/main">
+  <p:cSld>
+    <p:spTree>
+      <p:nvGrpSpPr>
+        <p:cNvPr id="1" name=""/>
+        <p:cNvGrpSpPr/>
+        <p:nvPr/>
+      </p:nvGrpSpPr>
+      <p:grpSpPr>
+        <a:xfrm>
+          <a:off x="0" y="0"/>
+          <a:ext cx="0" cy="0"/>
+          <a:chOff x="0" y="0"/>
+          <a:chExt cx="0" cy="0"/>
+        </a:xfrm>
+      </p:grpSpPr>
+      <p:sp>
+        <p:nvSpPr>
+          <p:cNvPr id="2" name="Diakép helye 1"/>
+          <p:cNvSpPr>
+            <a:spLocks noGrp="1" noRot="1" noChangeAspect="1"/>
+          </p:cNvSpPr>
+          <p:nvPr>
+            <p:ph type="sldImg"/>
+          </p:nvPr>
+        </p:nvSpPr>
+        <p:spPr/>
+      </p:sp>
+      <p:sp>
+        <p:nvSpPr>
+          <p:cNvPr id="3" name="Jegyzetek helye 2"/>
+          <p:cNvSpPr>
+            <a:spLocks noGrp="1"/>
+          </p:cNvSpPr>
+          <p:nvPr>
+            <p:ph type="body" idx="1"/>
+          </p:nvPr>
+        </p:nvSpPr>
+        <p:spPr/>
+        <p:txBody>
+          <a:bodyPr/>
+          <a:lstStyle/>
+          <a:p>
+            <a:r>
+              <a:rPr lang="hu-HU" dirty="0"/>
+              <a:t>A Weboldal tartalmaz Regisztrációs és Bejelentkezős funkciókat valamint Olvasni, Tanulni és Letölteni is lehet!</a:t>
+            </a:r>
+          </a:p>
+        </p:txBody>
+      </p:sp>
+      <p:sp>
+        <p:nvSpPr>
+          <p:cNvPr id="4" name="Dia számának helye 3"/>
+          <p:cNvSpPr>
+            <a:spLocks noGrp="1"/>
+          </p:cNvSpPr>
+          <p:nvPr>
+            <p:ph type="sldNum" sz="quarter" idx="5"/>
+          </p:nvPr>
+        </p:nvSpPr>
+        <p:spPr/>
+        <p:txBody>
+          <a:bodyPr/>
+          <a:lstStyle/>
+          <a:p>
+            <a:fld id="{2EEF7A15-0025-40CF-92E3-A818782F416C}" type="slidenum">
+              <a:rPr lang="hu-HU" smtClean="0"/>
+              <a:t>3</a:t>
+            </a:fld>
+            <a:endParaRPr lang="hu-HU"/>
+          </a:p>
+        </p:txBody>
+      </p:sp>
+    </p:spTree>
+    <p:extLst>
+      <p:ext uri="{BB962C8B-B14F-4D97-AF65-F5344CB8AC3E}">
+        <p14:creationId xmlns:p14="http://schemas.microsoft.com/office/powerpoint/2010/main" val="3026134179"/>
+      </p:ext>
+    </p:extLst>
+  </p:cSld>
+  <p:clrMapOvr>
+    <a:masterClrMapping/>
+  </p:clrMapOvr>
+</p:notes>
+</file>
+
+<file path=ppt/notesSlides/notesSlide3.xml><?xml version="1.0" encoding="utf-8"?>
+<p:notes xmlns:a="http://schemas.openxmlformats.org/drawingml/2006/main" xmlns:r="http://schemas.openxmlformats.org/officeDocument/2006/relationships" xmlns:p="http://schemas.openxmlformats.org/presentationml/2006/main">
+  <p:cSld>
+    <p:spTree>
+      <p:nvGrpSpPr>
+        <p:cNvPr id="1" name=""/>
+        <p:cNvGrpSpPr/>
+        <p:nvPr/>
+      </p:nvGrpSpPr>
+      <p:grpSpPr>
+        <a:xfrm>
+          <a:off x="0" y="0"/>
+          <a:ext cx="0" cy="0"/>
+          <a:chOff x="0" y="0"/>
+          <a:chExt cx="0" cy="0"/>
+        </a:xfrm>
+      </p:grpSpPr>
+      <p:sp>
+        <p:nvSpPr>
+          <p:cNvPr id="2" name="Diakép helye 1"/>
+          <p:cNvSpPr>
+            <a:spLocks noGrp="1" noRot="1" noChangeAspect="1"/>
+          </p:cNvSpPr>
+          <p:nvPr>
+            <p:ph type="sldImg"/>
+          </p:nvPr>
+        </p:nvSpPr>
+        <p:spPr/>
+      </p:sp>
+      <p:sp>
+        <p:nvSpPr>
+          <p:cNvPr id="3" name="Jegyzetek helye 2"/>
+          <p:cNvSpPr>
+            <a:spLocks noGrp="1"/>
+          </p:cNvSpPr>
+          <p:nvPr>
+            <p:ph type="body" idx="1"/>
+          </p:nvPr>
+        </p:nvSpPr>
+        <p:spPr/>
+        <p:txBody>
+          <a:bodyPr/>
+          <a:lstStyle/>
+          <a:p>
+            <a:r>
+              <a:rPr lang="hu-HU" dirty="0"/>
+              <a:t>A háttérrendszert a </a:t>
+            </a:r>
+            <a:r>
+              <a:rPr lang="hu-HU" b="1" dirty="0"/>
+              <a:t>Node.js</a:t>
+            </a:r>
+            <a:r>
+              <a:rPr lang="hu-HU" dirty="0"/>
+              <a:t> és az </a:t>
+            </a:r>
+            <a:r>
+              <a:rPr lang="hu-HU" b="1" dirty="0"/>
+              <a:t>Express</a:t>
+            </a:r>
+            <a:r>
+              <a:rPr lang="hu-HU" dirty="0"/>
+              <a:t> keretrendszer kezeli. Az </a:t>
+            </a:r>
+            <a:r>
+              <a:rPr lang="hu-HU" b="1" dirty="0"/>
+              <a:t>CORS</a:t>
+            </a:r>
+            <a:r>
+              <a:rPr lang="hu-HU" dirty="0"/>
+              <a:t> és a </a:t>
+            </a:r>
+            <a:r>
+              <a:rPr lang="hu-HU" b="1" dirty="0"/>
+              <a:t>body-parser</a:t>
+            </a:r>
+            <a:r>
+              <a:rPr lang="hu-HU" dirty="0"/>
+              <a:t> csomagok biztosítják a kliens és a szerver közti kommunikációt. A </a:t>
+            </a:r>
+            <a:r>
+              <a:rPr lang="hu-HU" b="1" dirty="0"/>
+              <a:t>MySQL2</a:t>
+            </a:r>
+            <a:r>
+              <a:rPr lang="hu-HU" dirty="0"/>
+              <a:t> csomag segítségével történik a kapcsolat az adatbázissal. A </a:t>
+            </a:r>
+            <a:r>
+              <a:rPr lang="hu-HU" b="1" dirty="0" err="1"/>
+              <a:t>bcrypt</a:t>
+            </a:r>
+            <a:r>
+              <a:rPr lang="hu-HU" dirty="0"/>
+              <a:t> algoritmus gondoskodik a jelszavak biztonságos </a:t>
+            </a:r>
+            <a:r>
+              <a:rPr lang="hu-HU" dirty="0" err="1"/>
+              <a:t>hash-eléséről</a:t>
+            </a:r>
+            <a:r>
+              <a:rPr lang="hu-HU" dirty="0"/>
+              <a:t> regisztráció és bejelentkezés során.</a:t>
+            </a:r>
+          </a:p>
+        </p:txBody>
+      </p:sp>
+      <p:sp>
+        <p:nvSpPr>
+          <p:cNvPr id="4" name="Dia számának helye 3"/>
+          <p:cNvSpPr>
+            <a:spLocks noGrp="1"/>
+          </p:cNvSpPr>
+          <p:nvPr>
+            <p:ph type="sldNum" sz="quarter" idx="5"/>
+          </p:nvPr>
+        </p:nvSpPr>
+        <p:spPr/>
+        <p:txBody>
+          <a:bodyPr/>
+          <a:lstStyle/>
+          <a:p>
+            <a:fld id="{2EEF7A15-0025-40CF-92E3-A818782F416C}" type="slidenum">
+              <a:rPr lang="hu-HU" smtClean="0"/>
+              <a:t>5</a:t>
+            </a:fld>
+            <a:endParaRPr lang="hu-HU"/>
+          </a:p>
+        </p:txBody>
+      </p:sp>
+    </p:spTree>
+    <p:extLst>
+      <p:ext uri="{BB962C8B-B14F-4D97-AF65-F5344CB8AC3E}">
+        <p14:creationId xmlns:p14="http://schemas.microsoft.com/office/powerpoint/2010/main" val="2929080901"/>
+      </p:ext>
+    </p:extLst>
+  </p:cSld>
+  <p:clrMapOvr>
+    <a:masterClrMapping/>
+  </p:clrMapOvr>
+</p:notes>
+</file>
+
+<file path=ppt/notesSlides/notesSlide4.xml><?xml version="1.0" encoding="utf-8"?>
+<p:notes xmlns:a="http://schemas.openxmlformats.org/drawingml/2006/main" xmlns:r="http://schemas.openxmlformats.org/officeDocument/2006/relationships" xmlns:p="http://schemas.openxmlformats.org/presentationml/2006/main">
+  <p:cSld>
+    <p:spTree>
+      <p:nvGrpSpPr>
+        <p:cNvPr id="1" name=""/>
+        <p:cNvGrpSpPr/>
+        <p:nvPr/>
+      </p:nvGrpSpPr>
+      <p:grpSpPr>
+        <a:xfrm>
+          <a:off x="0" y="0"/>
+          <a:ext cx="0" cy="0"/>
+          <a:chOff x="0" y="0"/>
+          <a:chExt cx="0" cy="0"/>
+        </a:xfrm>
+      </p:grpSpPr>
+      <p:sp>
+        <p:nvSpPr>
+          <p:cNvPr id="2" name="Diakép helye 1"/>
+          <p:cNvSpPr>
+            <a:spLocks noGrp="1" noRot="1" noChangeAspect="1"/>
+          </p:cNvSpPr>
+          <p:nvPr>
+            <p:ph type="sldImg"/>
+          </p:nvPr>
+        </p:nvSpPr>
+        <p:spPr/>
+      </p:sp>
+      <p:sp>
+        <p:nvSpPr>
+          <p:cNvPr id="3" name="Jegyzetek helye 2"/>
+          <p:cNvSpPr>
+            <a:spLocks noGrp="1"/>
+          </p:cNvSpPr>
+          <p:nvPr>
+            <p:ph type="body" idx="1"/>
+          </p:nvPr>
+        </p:nvSpPr>
+        <p:spPr/>
+        <p:txBody>
+          <a:bodyPr/>
+          <a:lstStyle/>
+          <a:p>
+            <a:r>
+              <a:rPr lang="hu-HU" dirty="0"/>
+              <a:t>Maga a frontend egy kezdőoldallal kezdődik, ami Ámon kollégám csinált. Jobb felső sarkában lehet bejelentkezni ha már van fiókunk. Ha nincs akkor egy fiókot kell készítenünk. </a:t>
+            </a:r>
+          </a:p>
+        </p:txBody>
+      </p:sp>
+      <p:sp>
+        <p:nvSpPr>
+          <p:cNvPr id="4" name="Dia számának helye 3"/>
+          <p:cNvSpPr>
+            <a:spLocks noGrp="1"/>
+          </p:cNvSpPr>
+          <p:nvPr>
+            <p:ph type="sldNum" sz="quarter" idx="5"/>
+          </p:nvPr>
+        </p:nvSpPr>
+        <p:spPr/>
+        <p:txBody>
+          <a:bodyPr/>
+          <a:lstStyle/>
+          <a:p>
+            <a:fld id="{2EEF7A15-0025-40CF-92E3-A818782F416C}" type="slidenum">
+              <a:rPr lang="hu-HU" smtClean="0"/>
+              <a:t>6</a:t>
+            </a:fld>
+            <a:endParaRPr lang="hu-HU"/>
+          </a:p>
+        </p:txBody>
+      </p:sp>
+    </p:spTree>
+    <p:extLst>
+      <p:ext uri="{BB962C8B-B14F-4D97-AF65-F5344CB8AC3E}">
+        <p14:creationId xmlns:p14="http://schemas.microsoft.com/office/powerpoint/2010/main" val="762069967"/>
+      </p:ext>
+    </p:extLst>
+  </p:cSld>
+  <p:clrMapOvr>
+    <a:masterClrMapping/>
+  </p:clrMapOvr>
+</p:notes>
+</file>
+
+<file path=ppt/notesSlides/notesSlide5.xml><?xml version="1.0" encoding="utf-8"?>
+<p:notes xmlns:a="http://schemas.openxmlformats.org/drawingml/2006/main" xmlns:r="http://schemas.openxmlformats.org/officeDocument/2006/relationships" xmlns:p="http://schemas.openxmlformats.org/presentationml/2006/main">
+  <p:cSld>
+    <p:spTree>
+      <p:nvGrpSpPr>
+        <p:cNvPr id="1" name=""/>
+        <p:cNvGrpSpPr/>
+        <p:nvPr/>
+      </p:nvGrpSpPr>
+      <p:grpSpPr>
+        <a:xfrm>
+          <a:off x="0" y="0"/>
+          <a:ext cx="0" cy="0"/>
+          <a:chOff x="0" y="0"/>
+          <a:chExt cx="0" cy="0"/>
+        </a:xfrm>
+      </p:grpSpPr>
+      <p:sp>
+        <p:nvSpPr>
+          <p:cNvPr id="2" name="Diakép helye 1"/>
+          <p:cNvSpPr>
+            <a:spLocks noGrp="1" noRot="1" noChangeAspect="1"/>
+          </p:cNvSpPr>
+          <p:nvPr>
+            <p:ph type="sldImg"/>
+          </p:nvPr>
+        </p:nvSpPr>
+        <p:spPr/>
+      </p:sp>
+      <p:sp>
+        <p:nvSpPr>
+          <p:cNvPr id="3" name="Jegyzetek helye 2"/>
+          <p:cNvSpPr>
+            <a:spLocks noGrp="1"/>
+          </p:cNvSpPr>
+          <p:nvPr>
+            <p:ph type="body" idx="1"/>
+          </p:nvPr>
+        </p:nvSpPr>
+        <p:spPr/>
+        <p:txBody>
+          <a:bodyPr/>
+          <a:lstStyle/>
+          <a:p>
+            <a:r>
+              <a:rPr lang="hu-HU" dirty="0"/>
+              <a:t>Azokat akik regisztráltak azokat lekérdezem a GET </a:t>
+            </a:r>
+            <a:r>
+              <a:rPr lang="hu-HU" dirty="0" err="1"/>
+              <a:t>függvénynel</a:t>
+            </a:r>
+            <a:r>
+              <a:rPr lang="hu-HU" dirty="0"/>
+              <a:t>, illetve a POST segítségével felteszem az adatbázisba. Használtam még </a:t>
+            </a:r>
+            <a:r>
+              <a:rPr lang="hu-HU" dirty="0" err="1"/>
+              <a:t>bcrypt</a:t>
+            </a:r>
+            <a:r>
+              <a:rPr lang="hu-HU" dirty="0"/>
+              <a:t> hogy aki regisztrált sokkal több védelme legyen, és ne tudják könnyen feltörni a jelszavát.</a:t>
+            </a:r>
+          </a:p>
+        </p:txBody>
+      </p:sp>
+      <p:sp>
+        <p:nvSpPr>
+          <p:cNvPr id="4" name="Dia számának helye 3"/>
+          <p:cNvSpPr>
+            <a:spLocks noGrp="1"/>
+          </p:cNvSpPr>
+          <p:nvPr>
+            <p:ph type="sldNum" sz="quarter" idx="5"/>
+          </p:nvPr>
+        </p:nvSpPr>
+        <p:spPr/>
+        <p:txBody>
+          <a:bodyPr/>
+          <a:lstStyle/>
+          <a:p>
+            <a:fld id="{2EEF7A15-0025-40CF-92E3-A818782F416C}" type="slidenum">
+              <a:rPr lang="hu-HU" smtClean="0"/>
+              <a:t>7</a:t>
+            </a:fld>
+            <a:endParaRPr lang="hu-HU"/>
+          </a:p>
+        </p:txBody>
+      </p:sp>
+    </p:spTree>
+    <p:extLst>
+      <p:ext uri="{BB962C8B-B14F-4D97-AF65-F5344CB8AC3E}">
+        <p14:creationId xmlns:p14="http://schemas.microsoft.com/office/powerpoint/2010/main" val="1455697716"/>
+      </p:ext>
+    </p:extLst>
+  </p:cSld>
+  <p:clrMapOvr>
+    <a:masterClrMapping/>
+  </p:clrMapOvr>
+</p:notes>
+</file>
+
+<file path=ppt/notesSlides/notesSlide6.xml><?xml version="1.0" encoding="utf-8"?>
+<p:notes xmlns:a="http://schemas.openxmlformats.org/drawingml/2006/main" xmlns:r="http://schemas.openxmlformats.org/officeDocument/2006/relationships" xmlns:p="http://schemas.openxmlformats.org/presentationml/2006/main">
+  <p:cSld>
+    <p:spTree>
+      <p:nvGrpSpPr>
+        <p:cNvPr id="1" name=""/>
+        <p:cNvGrpSpPr/>
+        <p:nvPr/>
+      </p:nvGrpSpPr>
+      <p:grpSpPr>
+        <a:xfrm>
+          <a:off x="0" y="0"/>
+          <a:ext cx="0" cy="0"/>
+          <a:chOff x="0" y="0"/>
+          <a:chExt cx="0" cy="0"/>
+        </a:xfrm>
+      </p:grpSpPr>
+      <p:sp>
+        <p:nvSpPr>
+          <p:cNvPr id="2" name="Diakép helye 1"/>
+          <p:cNvSpPr>
+            <a:spLocks noGrp="1" noRot="1" noChangeAspect="1"/>
+          </p:cNvSpPr>
+          <p:nvPr>
+            <p:ph type="sldImg"/>
+          </p:nvPr>
+        </p:nvSpPr>
+        <p:spPr/>
+      </p:sp>
+      <p:sp>
+        <p:nvSpPr>
+          <p:cNvPr id="3" name="Jegyzetek helye 2"/>
+          <p:cNvSpPr>
+            <a:spLocks noGrp="1"/>
+          </p:cNvSpPr>
+          <p:nvPr>
+            <p:ph type="body" idx="1"/>
+          </p:nvPr>
+        </p:nvSpPr>
+        <p:spPr/>
+        <p:txBody>
+          <a:bodyPr/>
+          <a:lstStyle/>
+          <a:p>
+            <a:endParaRPr lang="hu-HU" dirty="0"/>
+          </a:p>
+        </p:txBody>
+      </p:sp>
+      <p:sp>
+        <p:nvSpPr>
+          <p:cNvPr id="4" name="Dia számának helye 3"/>
+          <p:cNvSpPr>
+            <a:spLocks noGrp="1"/>
+          </p:cNvSpPr>
+          <p:nvPr>
+            <p:ph type="sldNum" sz="quarter" idx="5"/>
+          </p:nvPr>
+        </p:nvSpPr>
+        <p:spPr/>
+        <p:txBody>
+          <a:bodyPr/>
+          <a:lstStyle/>
+          <a:p>
+            <a:fld id="{2EEF7A15-0025-40CF-92E3-A818782F416C}" type="slidenum">
+              <a:rPr lang="hu-HU" smtClean="0"/>
+              <a:t>9</a:t>
+            </a:fld>
+            <a:endParaRPr lang="hu-HU"/>
+          </a:p>
+        </p:txBody>
+      </p:sp>
+    </p:spTree>
+    <p:extLst>
+      <p:ext uri="{BB962C8B-B14F-4D97-AF65-F5344CB8AC3E}">
+        <p14:creationId xmlns:p14="http://schemas.microsoft.com/office/powerpoint/2010/main" val="861100590"/>
+      </p:ext>
+    </p:extLst>
+  </p:cSld>
+  <p:clrMapOvr>
+    <a:masterClrMapping/>
+  </p:clrMapOvr>
+</p:notes>
+</file>
+
+<file path=ppt/notesSlides/notesSlide7.xml><?xml version="1.0" encoding="utf-8"?>
+<p:notes xmlns:a="http://schemas.openxmlformats.org/drawingml/2006/main" xmlns:r="http://schemas.openxmlformats.org/officeDocument/2006/relationships" xmlns:p="http://schemas.openxmlformats.org/presentationml/2006/main">
+  <p:cSld>
+    <p:spTree>
+      <p:nvGrpSpPr>
+        <p:cNvPr id="1" name=""/>
+        <p:cNvGrpSpPr/>
+        <p:nvPr/>
+      </p:nvGrpSpPr>
+      <p:grpSpPr>
+        <a:xfrm>
+          <a:off x="0" y="0"/>
+          <a:ext cx="0" cy="0"/>
+          <a:chOff x="0" y="0"/>
+          <a:chExt cx="0" cy="0"/>
+        </a:xfrm>
+      </p:grpSpPr>
+      <p:sp>
+        <p:nvSpPr>
+          <p:cNvPr id="2" name="Diakép helye 1"/>
+          <p:cNvSpPr>
+            <a:spLocks noGrp="1" noRot="1" noChangeAspect="1"/>
+          </p:cNvSpPr>
+          <p:nvPr>
+            <p:ph type="sldImg"/>
+          </p:nvPr>
+        </p:nvSpPr>
+        <p:spPr/>
+      </p:sp>
+      <p:sp>
+        <p:nvSpPr>
+          <p:cNvPr id="3" name="Jegyzetek helye 2"/>
+          <p:cNvSpPr>
+            <a:spLocks noGrp="1"/>
+          </p:cNvSpPr>
+          <p:nvPr>
+            <p:ph type="body" idx="1"/>
+          </p:nvPr>
+        </p:nvSpPr>
+        <p:spPr/>
+        <p:txBody>
+          <a:bodyPr/>
+          <a:lstStyle/>
+          <a:p>
+            <a:endParaRPr lang="hu-HU" dirty="0"/>
+          </a:p>
+        </p:txBody>
+      </p:sp>
+      <p:sp>
+        <p:nvSpPr>
+          <p:cNvPr id="4" name="Dia számának helye 3"/>
+          <p:cNvSpPr>
+            <a:spLocks noGrp="1"/>
+          </p:cNvSpPr>
+          <p:nvPr>
+            <p:ph type="sldNum" sz="quarter" idx="5"/>
+          </p:nvPr>
+        </p:nvSpPr>
+        <p:spPr/>
+        <p:txBody>
+          <a:bodyPr/>
+          <a:lstStyle/>
+          <a:p>
+            <a:fld id="{2EEF7A15-0025-40CF-92E3-A818782F416C}" type="slidenum">
+              <a:rPr lang="hu-HU" smtClean="0"/>
+              <a:t>11</a:t>
+            </a:fld>
+            <a:endParaRPr lang="hu-HU"/>
+          </a:p>
+        </p:txBody>
+      </p:sp>
+    </p:spTree>
+    <p:extLst>
+      <p:ext uri="{BB962C8B-B14F-4D97-AF65-F5344CB8AC3E}">
+        <p14:creationId xmlns:p14="http://schemas.microsoft.com/office/powerpoint/2010/main" val="3761164055"/>
+      </p:ext>
+    </p:extLst>
+  </p:cSld>
+  <p:clrMapOvr>
+    <a:masterClrMapping/>
+  </p:clrMapOvr>
+</p:notes>
+</file>
+
 <file path=ppt/slideLayouts/slideLayout1.xml><?xml version="1.0" encoding="utf-8"?>
 <p:sldLayout xmlns:a="http://schemas.openxmlformats.org/drawingml/2006/main" xmlns:r="http://schemas.openxmlformats.org/officeDocument/2006/relationships" xmlns:p="http://schemas.openxmlformats.org/presentationml/2006/main" type="title" preserve="1">
   <p:cSld name="Title Slide">
@@ -357,7 +1380,7 @@
           <a:p>
             <a:fld id="{9AB3A824-1A51-4B26-AD58-A6D8E14F6C04}" type="datetimeFigureOut">
               <a:rPr lang="en-US" dirty="0"/>
-              <a:t>4/13/2025</a:t>
+              <a:t>4/15/2025</a:t>
             </a:fld>
             <a:endParaRPr lang="en-US"/>
           </a:p>
@@ -694,7 +1717,7 @@
           <a:p>
             <a:fld id="{D857E33E-8B18-4087-B112-809917729534}" type="datetimeFigureOut">
               <a:rPr lang="en-US" dirty="0"/>
-              <a:t>4/13/2025</a:t>
+              <a:t>4/15/2025</a:t>
             </a:fld>
             <a:endParaRPr lang="en-US"/>
           </a:p>
@@ -999,7 +2022,7 @@
           <a:p>
             <a:fld id="{D3FFE419-2371-464F-8239-3959401C3561}" type="datetimeFigureOut">
               <a:rPr lang="en-US" dirty="0"/>
-              <a:t>4/13/2025</a:t>
+              <a:t>4/15/2025</a:t>
             </a:fld>
             <a:endParaRPr lang="en-US"/>
           </a:p>
@@ -1249,7 +2272,7 @@
           <a:p>
             <a:fld id="{97D162C4-EDD9-4389-A98B-B87ECEA2A816}" type="datetimeFigureOut">
               <a:rPr lang="en-US" dirty="0"/>
-              <a:t>4/13/2025</a:t>
+              <a:t>4/15/2025</a:t>
             </a:fld>
             <a:endParaRPr lang="en-US"/>
           </a:p>
@@ -1660,7 +2683,7 @@
           <a:p>
             <a:fld id="{3E5059C3-6A89-4494-99FF-5A4D6FFD50EB}" type="datetimeFigureOut">
               <a:rPr lang="en-US" dirty="0"/>
-              <a:t>4/13/2025</a:t>
+              <a:t>4/15/2025</a:t>
             </a:fld>
             <a:endParaRPr lang="en-US"/>
           </a:p>
@@ -1976,7 +2999,7 @@
           <a:p>
             <a:fld id="{CA954B2F-12DE-47F5-8894-472B206D2E1E}" type="datetimeFigureOut">
               <a:rPr lang="en-US" dirty="0"/>
-              <a:t>4/13/2025</a:t>
+              <a:t>4/15/2025</a:t>
             </a:fld>
             <a:endParaRPr lang="en-US"/>
           </a:p>
@@ -2522,7 +3545,7 @@
           <a:p>
             <a:fld id="{3F30E46F-7819-4ACF-B48B-48222C2ACC88}" type="datetimeFigureOut">
               <a:rPr lang="en-US" dirty="0"/>
-              <a:t>4/13/2025</a:t>
+              <a:t>4/15/2025</a:t>
             </a:fld>
             <a:endParaRPr lang="en-US"/>
           </a:p>
@@ -2721,7 +3744,7 @@
           <a:p>
             <a:fld id="{1FAF3416-4057-4DAA-829D-4CA07428D088}" type="datetimeFigureOut">
               <a:rPr lang="en-US" dirty="0"/>
-              <a:t>4/13/2025</a:t>
+              <a:t>4/15/2025</a:t>
             </a:fld>
             <a:endParaRPr lang="en-US"/>
           </a:p>
@@ -2939,7 +3962,7 @@
           <a:p>
             <a:fld id="{921D9284-D300-4297-87F7-E791DCC15DB1}" type="datetimeFigureOut">
               <a:rPr lang="en-US" dirty="0"/>
-              <a:t>4/13/2025</a:t>
+              <a:t>4/15/2025</a:t>
             </a:fld>
             <a:endParaRPr lang="en-US"/>
           </a:p>
@@ -3311,7 +4334,7 @@
           <a:p>
             <a:fld id="{37D525BB-DA17-4BA0-B3C8-3AC3ABC827E6}" type="datetimeFigureOut">
               <a:rPr lang="en-US" dirty="0"/>
-              <a:t>4/13/2025</a:t>
+              <a:t>4/15/2025</a:t>
             </a:fld>
             <a:endParaRPr lang="en-US"/>
           </a:p>
@@ -3714,7 +4737,7 @@
           <a:p>
             <a:fld id="{B16C4C9A-3960-41CF-A4E9-2A8FB932454B}" type="datetimeFigureOut">
               <a:rPr lang="en-US" dirty="0"/>
-              <a:t>4/13/2025</a:t>
+              <a:t>4/15/2025</a:t>
             </a:fld>
             <a:endParaRPr lang="en-US"/>
           </a:p>
@@ -4056,7 +5079,7 @@
           <a:p>
             <a:fld id="{3CBC1C18-307B-4F68-A007-B5B542270E8D}" type="datetimeFigureOut">
               <a:rPr lang="en-US" dirty="0"/>
-              <a:t>4/13/2025</a:t>
+              <a:t>4/15/2025</a:t>
             </a:fld>
             <a:endParaRPr lang="en-US"/>
           </a:p>
@@ -4660,65 +5683,6 @@
           <a:chExt cx="0" cy="0"/>
         </a:xfrm>
       </p:grpSpPr>
-      <p:pic>
-        <p:nvPicPr>
-          <p:cNvPr id="5" name="Content Placeholder 4">
-            <a:extLst>
-              <a:ext uri="{FF2B5EF4-FFF2-40B4-BE49-F238E27FC236}">
-                <a16:creationId xmlns:a16="http://schemas.microsoft.com/office/drawing/2014/main" id="{5419D3A8-00C4-602E-0292-0BCC755B8776}"/>
-              </a:ext>
-            </a:extLst>
-          </p:cNvPr>
-          <p:cNvPicPr>
-            <a:picLocks noGrp="1" noChangeAspect="1"/>
-          </p:cNvPicPr>
-          <p:nvPr>
-            <p:ph idx="1"/>
-          </p:nvPr>
-        </p:nvPicPr>
-        <p:blipFill>
-          <a:blip r:embed="rId2"/>
-          <a:stretch>
-            <a:fillRect/>
-          </a:stretch>
-        </p:blipFill>
-        <p:spPr>
-          <a:xfrm>
-            <a:off x="4257" y="3624"/>
-            <a:ext cx="12187276" cy="6857800"/>
-          </a:xfrm>
-        </p:spPr>
-      </p:pic>
-    </p:spTree>
-    <p:extLst>
-      <p:ext uri="{BB962C8B-B14F-4D97-AF65-F5344CB8AC3E}">
-        <p14:creationId xmlns:p14="http://schemas.microsoft.com/office/powerpoint/2010/main" val="2430248368"/>
-      </p:ext>
-    </p:extLst>
-  </p:cSld>
-  <p:clrMapOvr>
-    <a:masterClrMapping/>
-  </p:clrMapOvr>
-</p:sld>
-</file>
-
-<file path=ppt/slides/slide11.xml><?xml version="1.0" encoding="utf-8"?>
-<p:sld xmlns:a="http://schemas.openxmlformats.org/drawingml/2006/main" xmlns:r="http://schemas.openxmlformats.org/officeDocument/2006/relationships" xmlns:p="http://schemas.openxmlformats.org/presentationml/2006/main">
-  <p:cSld>
-    <p:spTree>
-      <p:nvGrpSpPr>
-        <p:cNvPr id="1" name=""/>
-        <p:cNvGrpSpPr/>
-        <p:nvPr/>
-      </p:nvGrpSpPr>
-      <p:grpSpPr>
-        <a:xfrm>
-          <a:off x="0" y="0"/>
-          <a:ext cx="0" cy="0"/>
-          <a:chOff x="0" y="0"/>
-          <a:chExt cx="0" cy="0"/>
-        </a:xfrm>
-      </p:grpSpPr>
       <p:sp>
         <p:nvSpPr>
           <p:cNvPr id="2" name="Title 1">
@@ -4858,13 +5822,13 @@
 </p:sld>
 </file>
 
-<file path=ppt/slides/slide12.xml><?xml version="1.0" encoding="utf-8"?>
+<file path=ppt/slides/slide11.xml><?xml version="1.0" encoding="utf-8"?>
 <p:sld xmlns:a="http://schemas.openxmlformats.org/drawingml/2006/main" xmlns:r="http://schemas.openxmlformats.org/officeDocument/2006/relationships" xmlns:p="http://schemas.openxmlformats.org/presentationml/2006/main">
   <p:cSld>
     <p:bg>
       <p:bgPr>
         <a:blipFill rotWithShape="1">
-          <a:blip r:embed="rId2"/>
+          <a:blip r:embed="rId3"/>
           <a:stretch/>
         </a:blipFill>
         <a:effectLst/>
@@ -4968,7 +5932,7 @@
           </p:nvPr>
         </p:nvPicPr>
         <p:blipFill>
-          <a:blip r:embed="rId3">
+          <a:blip r:embed="rId4">
             <a:extLst>
               <a:ext uri="{28A0092B-C50C-407E-A947-70E740481C1C}">
                 <a14:useLocalDpi xmlns:a14="http://schemas.microsoft.com/office/drawing/2010/main" val="0"/>
@@ -5013,7 +5977,7 @@
           </p:nvPr>
         </p:nvPicPr>
         <p:blipFill>
-          <a:blip r:embed="rId4">
+          <a:blip r:embed="rId5">
             <a:alphaModFix/>
             <a:extLst>
               <a:ext uri="{28A0092B-C50C-407E-A947-70E740481C1C}">
@@ -5358,7 +6322,7 @@
           <p:nvPr/>
         </p:nvPicPr>
         <p:blipFill>
-          <a:blip r:embed="rId5"/>
+          <a:blip r:embed="rId6"/>
           <a:srcRect t="33482" r="2" b="18188"/>
           <a:stretch/>
         </p:blipFill>
@@ -5392,7 +6356,7 @@
           <p:nvPr/>
         </p:nvPicPr>
         <p:blipFill>
-          <a:blip r:embed="rId6"/>
+          <a:blip r:embed="rId7"/>
           <a:srcRect t="17254" r="-2" b="34702"/>
           <a:stretch/>
         </p:blipFill>
@@ -5487,7 +6451,7 @@
 </p:sld>
 </file>
 
-<file path=ppt/slides/slide13.xml><?xml version="1.0" encoding="utf-8"?>
+<file path=ppt/slides/slide12.xml><?xml version="1.0" encoding="utf-8"?>
 <p:sld xmlns:a="http://schemas.openxmlformats.org/drawingml/2006/main" xmlns:r="http://schemas.openxmlformats.org/officeDocument/2006/relationships" xmlns:p="http://schemas.openxmlformats.org/presentationml/2006/main">
   <p:cSld>
     <p:spTree>
@@ -6030,7 +6994,7 @@
 </p:sld>
 </file>
 
-<file path=ppt/slides/slide14.xml><?xml version="1.0" encoding="utf-8"?>
+<file path=ppt/slides/slide13.xml><?xml version="1.0" encoding="utf-8"?>
 <p:sld xmlns:a="http://schemas.openxmlformats.org/drawingml/2006/main" xmlns:r="http://schemas.openxmlformats.org/officeDocument/2006/relationships" xmlns:p="http://schemas.openxmlformats.org/presentationml/2006/main">
   <p:cSld>
     <p:spTree>
@@ -6225,7 +7189,7 @@
 </p:sld>
 </file>
 
-<file path=ppt/slides/slide15.xml><?xml version="1.0" encoding="utf-8"?>
+<file path=ppt/slides/slide14.xml><?xml version="1.0" encoding="utf-8"?>
 <p:sld xmlns:a="http://schemas.openxmlformats.org/drawingml/2006/main" xmlns:r="http://schemas.openxmlformats.org/officeDocument/2006/relationships" xmlns:p="http://schemas.openxmlformats.org/presentationml/2006/main">
   <p:cSld>
     <p:spTree>
@@ -6727,7 +7691,7 @@
 </p:sld>
 </file>
 
-<file path=ppt/slides/slide16.xml><?xml version="1.0" encoding="utf-8"?>
+<file path=ppt/slides/slide15.xml><?xml version="1.0" encoding="utf-8"?>
 <p:sld xmlns:a="http://schemas.openxmlformats.org/drawingml/2006/main" xmlns:r="http://schemas.openxmlformats.org/officeDocument/2006/relationships" xmlns:p="http://schemas.openxmlformats.org/presentationml/2006/main">
   <p:cSld>
     <p:spTree>
@@ -7250,7 +8214,7 @@
 </p:sld>
 </file>
 
-<file path=ppt/slides/slide17.xml><?xml version="1.0" encoding="utf-8"?>
+<file path=ppt/slides/slide16.xml><?xml version="1.0" encoding="utf-8"?>
 <p:sld xmlns:a="http://schemas.openxmlformats.org/drawingml/2006/main" xmlns:r="http://schemas.openxmlformats.org/officeDocument/2006/relationships" xmlns:p="http://schemas.openxmlformats.org/presentationml/2006/main">
   <p:cSld>
     <p:spTree>
@@ -7680,7 +8644,7 @@
 </p:sld>
 </file>
 
-<file path=ppt/slides/slide18.xml><?xml version="1.0" encoding="utf-8"?>
+<file path=ppt/slides/slide17.xml><?xml version="1.0" encoding="utf-8"?>
 <p:sld xmlns:a="http://schemas.openxmlformats.org/drawingml/2006/main" xmlns:r="http://schemas.openxmlformats.org/officeDocument/2006/relationships" xmlns:p="http://schemas.openxmlformats.org/presentationml/2006/main">
   <p:cSld>
     <p:spTree>
@@ -8578,6 +9542,176 @@
 </p:sld>
 </file>
 
+<file path=ppt/slides/slide18.xml><?xml version="1.0" encoding="utf-8"?>
+<p:sld xmlns:a="http://schemas.openxmlformats.org/drawingml/2006/main" xmlns:r="http://schemas.openxmlformats.org/officeDocument/2006/relationships" xmlns:p="http://schemas.openxmlformats.org/presentationml/2006/main">
+  <p:cSld>
+    <p:spTree>
+      <p:nvGrpSpPr>
+        <p:cNvPr id="1" name=""/>
+        <p:cNvGrpSpPr/>
+        <p:nvPr/>
+      </p:nvGrpSpPr>
+      <p:grpSpPr>
+        <a:xfrm>
+          <a:off x="0" y="0"/>
+          <a:ext cx="0" cy="0"/>
+          <a:chOff x="0" y="0"/>
+          <a:chExt cx="0" cy="0"/>
+        </a:xfrm>
+      </p:grpSpPr>
+      <p:sp>
+        <p:nvSpPr>
+          <p:cNvPr id="2" name="Title 1">
+            <a:extLst>
+              <a:ext uri="{FF2B5EF4-FFF2-40B4-BE49-F238E27FC236}">
+                <a16:creationId xmlns:a16="http://schemas.microsoft.com/office/drawing/2014/main" id="{55E49EA6-356A-E050-B828-8923B9A9D75D}"/>
+              </a:ext>
+            </a:extLst>
+          </p:cNvPr>
+          <p:cNvSpPr>
+            <a:spLocks noGrp="1"/>
+          </p:cNvSpPr>
+          <p:nvPr>
+            <p:ph type="title"/>
+          </p:nvPr>
+        </p:nvSpPr>
+        <p:spPr/>
+        <p:txBody>
+          <a:bodyPr/>
+          <a:lstStyle/>
+          <a:p>
+            <a:pPr algn="l"/>
+            <a:r>
+              <a:rPr lang="en-US" sz="2400">
+                <a:latin typeface="Roboto"/>
+                <a:ea typeface="Roboto"/>
+                <a:cs typeface="Roboto"/>
+              </a:rPr>
+              <a:t>Details of team members' tasks: Patrik</a:t>
+            </a:r>
+          </a:p>
+          <a:p>
+            <a:endParaRPr lang="en-US">
+              <a:cs typeface="Arial"/>
+            </a:endParaRPr>
+          </a:p>
+        </p:txBody>
+      </p:sp>
+      <p:sp>
+        <p:nvSpPr>
+          <p:cNvPr id="3" name="Content Placeholder 2">
+            <a:extLst>
+              <a:ext uri="{FF2B5EF4-FFF2-40B4-BE49-F238E27FC236}">
+                <a16:creationId xmlns:a16="http://schemas.microsoft.com/office/drawing/2014/main" id="{04970CC2-2C61-7F69-165D-E9FC623AAA45}"/>
+              </a:ext>
+            </a:extLst>
+          </p:cNvPr>
+          <p:cNvSpPr>
+            <a:spLocks noGrp="1"/>
+          </p:cNvSpPr>
+          <p:nvPr>
+            <p:ph idx="1"/>
+          </p:nvPr>
+        </p:nvSpPr>
+        <p:spPr/>
+        <p:txBody>
+          <a:bodyPr/>
+          <a:lstStyle/>
+          <a:p>
+            <a:pPr marL="344170" indent="-344170">
+              <a:lnSpc>
+                <a:spcPct val="90000"/>
+              </a:lnSpc>
+              <a:spcAft>
+                <a:spcPts val="0"/>
+              </a:spcAft>
+            </a:pPr>
+            <a:r>
+              <a:rPr lang="en-US" sz="2800">
+                <a:latin typeface="Aptos"/>
+              </a:rPr>
+              <a:t>I came up with the general ideas for our project from the very beginning.</a:t>
+            </a:r>
+          </a:p>
+          <a:p>
+            <a:pPr marL="344170" indent="-344170">
+              <a:lnSpc>
+                <a:spcPct val="90000"/>
+              </a:lnSpc>
+              <a:spcAft>
+                <a:spcPts val="0"/>
+              </a:spcAft>
+            </a:pPr>
+            <a:endParaRPr lang="en-US" sz="2800">
+              <a:latin typeface="Aptos"/>
+            </a:endParaRPr>
+          </a:p>
+          <a:p>
+            <a:pPr marL="344170" indent="-344170">
+              <a:lnSpc>
+                <a:spcPct val="90000"/>
+              </a:lnSpc>
+              <a:spcAft>
+                <a:spcPts val="0"/>
+              </a:spcAft>
+            </a:pPr>
+            <a:r>
+              <a:rPr lang="en-US" sz="2800">
+                <a:latin typeface="Aptos"/>
+              </a:rPr>
+              <a:t>I am also responsible for the database and the desktop game.</a:t>
+            </a:r>
+          </a:p>
+          <a:p>
+            <a:pPr marL="344170" indent="-344170">
+              <a:lnSpc>
+                <a:spcPct val="90000"/>
+              </a:lnSpc>
+              <a:spcAft>
+                <a:spcPts val="0"/>
+              </a:spcAft>
+            </a:pPr>
+            <a:endParaRPr lang="en-US" sz="2800">
+              <a:latin typeface="Aptos"/>
+            </a:endParaRPr>
+          </a:p>
+          <a:p>
+            <a:pPr marL="344170" indent="-344170">
+              <a:lnSpc>
+                <a:spcPct val="90000"/>
+              </a:lnSpc>
+              <a:spcAft>
+                <a:spcPts val="0"/>
+              </a:spcAft>
+            </a:pPr>
+            <a:r>
+              <a:rPr lang="en-US" sz="2800">
+                <a:latin typeface="Aptos"/>
+              </a:rPr>
+              <a:t>I am also the one who started the first half of the original documentation.</a:t>
+            </a:r>
+          </a:p>
+          <a:p>
+            <a:pPr marL="344170" indent="-344170"/>
+            <a:endParaRPr lang="en-US">
+              <a:cs typeface="Arial"/>
+            </a:endParaRPr>
+          </a:p>
+        </p:txBody>
+      </p:sp>
+    </p:spTree>
+    <p:extLst>
+      <p:ext uri="{BB962C8B-B14F-4D97-AF65-F5344CB8AC3E}">
+        <p14:creationId xmlns:p14="http://schemas.microsoft.com/office/powerpoint/2010/main" val="2312196168"/>
+      </p:ext>
+    </p:extLst>
+  </p:cSld>
+  <p:clrMapOvr>
+    <a:masterClrMapping/>
+  </p:clrMapOvr>
+</p:sld>
+</file>
+
 <file path=ppt/slides/slide19.xml><?xml version="1.0" encoding="utf-8"?>
 <p:sld xmlns:a="http://schemas.openxmlformats.org/drawingml/2006/main" xmlns:r="http://schemas.openxmlformats.org/officeDocument/2006/relationships" xmlns:p="http://schemas.openxmlformats.org/presentationml/2006/main">
   <p:cSld>
@@ -8600,7 +9734,7 @@
           <p:cNvPr id="2" name="Title 1">
             <a:extLst>
               <a:ext uri="{FF2B5EF4-FFF2-40B4-BE49-F238E27FC236}">
-                <a16:creationId xmlns:a16="http://schemas.microsoft.com/office/drawing/2014/main" id="{55E49EA6-356A-E050-B828-8923B9A9D75D}"/>
+                <a16:creationId xmlns:a16="http://schemas.microsoft.com/office/drawing/2014/main" id="{74EDB9E6-7D79-28C6-6E5D-D6C3726A78CE}"/>
               </a:ext>
             </a:extLst>
           </p:cNvPr>
@@ -8623,7 +9757,13 @@
                 <a:ea typeface="Roboto"/>
                 <a:cs typeface="Roboto"/>
               </a:rPr>
-              <a:t>Details of team members' tasks: Patrik</a:t>
+              <a:t>Details of team members' tasks: </a:t>
+            </a:r>
+            <a:r>
+              <a:rPr lang="en-US" sz="2400">
+                <a:latin typeface="Aptos"/>
+              </a:rPr>
+              <a:t>Ámon</a:t>
             </a:r>
           </a:p>
           <a:p>
@@ -8638,7 +9778,7 @@
           <p:cNvPr id="3" name="Content Placeholder 2">
             <a:extLst>
               <a:ext uri="{FF2B5EF4-FFF2-40B4-BE49-F238E27FC236}">
-                <a16:creationId xmlns:a16="http://schemas.microsoft.com/office/drawing/2014/main" id="{04970CC2-2C61-7F69-165D-E9FC623AAA45}"/>
+                <a16:creationId xmlns:a16="http://schemas.microsoft.com/office/drawing/2014/main" id="{587C027E-F56C-0AB5-8483-9AD9F13CAF22}"/>
               </a:ext>
             </a:extLst>
           </p:cNvPr>
@@ -8663,10 +9803,10 @@
               </a:spcAft>
             </a:pPr>
             <a:r>
-              <a:rPr lang="en-US" sz="2800">
+              <a:rPr lang="en-US" sz="2400">
                 <a:latin typeface="Aptos"/>
               </a:rPr>
-              <a:t>I came up with the general ideas for our project from the very beginning.</a:t>
+              <a:t>My responsibilities included working on the frontend development of the main website, as well as the design of the Dungeon Book and the book's content and the Start website. </a:t>
             </a:r>
           </a:p>
           <a:p>
@@ -8678,57 +9818,12 @@
                 <a:spcPts val="0"/>
               </a:spcAft>
             </a:pPr>
-            <a:endParaRPr lang="en-US" sz="2800">
-              <a:latin typeface="Aptos"/>
-            </a:endParaRPr>
-          </a:p>
-          <a:p>
-            <a:pPr marL="344170" indent="-344170">
-              <a:lnSpc>
-                <a:spcPct val="90000"/>
-              </a:lnSpc>
-              <a:spcAft>
-                <a:spcPts val="0"/>
-              </a:spcAft>
-            </a:pPr>
-            <a:r>
-              <a:rPr lang="en-US" sz="2800">
+            <a:r>
+              <a:rPr lang="en-US" sz="2400">
                 <a:latin typeface="Aptos"/>
               </a:rPr>
-              <a:t>I am also responsible for the database and the desktop game.</a:t>
-            </a:r>
-          </a:p>
-          <a:p>
-            <a:pPr marL="344170" indent="-344170">
-              <a:lnSpc>
-                <a:spcPct val="90000"/>
-              </a:lnSpc>
-              <a:spcAft>
-                <a:spcPts val="0"/>
-              </a:spcAft>
-            </a:pPr>
-            <a:endParaRPr lang="en-US" sz="2800">
-              <a:latin typeface="Aptos"/>
-            </a:endParaRPr>
-          </a:p>
-          <a:p>
-            <a:pPr marL="344170" indent="-344170">
-              <a:lnSpc>
-                <a:spcPct val="90000"/>
-              </a:lnSpc>
-              <a:spcAft>
-                <a:spcPts val="0"/>
-              </a:spcAft>
-            </a:pPr>
-            <a:r>
-              <a:rPr lang="en-US" sz="2800">
-                <a:latin typeface="Aptos"/>
-              </a:rPr>
-              <a:t>I am also the one who started the first half of the original documentation.</a:t>
-            </a:r>
-          </a:p>
-          <a:p>
-            <a:pPr marL="344170" indent="-344170"/>
+              <a:t>Additionally, I contributed to the second half of the project documentation, ensuring that all details were clearly outlined and accessible.</a:t>
+            </a:r>
             <a:endParaRPr lang="en-US">
               <a:cs typeface="Arial"/>
             </a:endParaRPr>
@@ -8738,7 +9833,7 @@
     </p:spTree>
     <p:extLst>
       <p:ext uri="{BB962C8B-B14F-4D97-AF65-F5344CB8AC3E}">
-        <p14:creationId xmlns:p14="http://schemas.microsoft.com/office/powerpoint/2010/main" val="2312196168"/>
+        <p14:creationId xmlns:p14="http://schemas.microsoft.com/office/powerpoint/2010/main" val="3594547065"/>
       </p:ext>
     </p:extLst>
   </p:cSld>
@@ -9173,7 +10268,7 @@
           <p:cNvPr id="2" name="Title 1">
             <a:extLst>
               <a:ext uri="{FF2B5EF4-FFF2-40B4-BE49-F238E27FC236}">
-                <a16:creationId xmlns:a16="http://schemas.microsoft.com/office/drawing/2014/main" id="{74EDB9E6-7D79-28C6-6E5D-D6C3726A78CE}"/>
+                <a16:creationId xmlns:a16="http://schemas.microsoft.com/office/drawing/2014/main" id="{E9F36E7C-2557-BBA7-3808-1E9BF5BBA899}"/>
               </a:ext>
             </a:extLst>
           </p:cNvPr>
@@ -9196,13 +10291,7 @@
                 <a:ea typeface="Roboto"/>
                 <a:cs typeface="Roboto"/>
               </a:rPr>
-              <a:t>Details of team members' tasks: </a:t>
-            </a:r>
-            <a:r>
-              <a:rPr lang="en-US" sz="2400">
-                <a:latin typeface="Aptos"/>
-              </a:rPr>
-              <a:t>Ámon</a:t>
+              <a:t>Details of team members' tasks; -Tamás</a:t>
             </a:r>
           </a:p>
           <a:p>
@@ -9217,7 +10306,7 @@
           <p:cNvPr id="3" name="Content Placeholder 2">
             <a:extLst>
               <a:ext uri="{FF2B5EF4-FFF2-40B4-BE49-F238E27FC236}">
-                <a16:creationId xmlns:a16="http://schemas.microsoft.com/office/drawing/2014/main" id="{587C027E-F56C-0AB5-8483-9AD9F13CAF22}"/>
+                <a16:creationId xmlns:a16="http://schemas.microsoft.com/office/drawing/2014/main" id="{C5ACD3B3-D1A5-26AB-C313-468F261673D5}"/>
               </a:ext>
             </a:extLst>
           </p:cNvPr>
@@ -9245,7 +10334,7 @@
               <a:rPr lang="en-US" sz="2400">
                 <a:latin typeface="Aptos"/>
               </a:rPr>
-              <a:t>My responsibilities included working on the frontend development of the main website, as well as the design of the Dungeon Book and the book's content and the Start website. </a:t>
+              <a:t>I built a comprehensive login and registration system, ensuring seam less user authentication and security. </a:t>
             </a:r>
           </a:p>
           <a:p>
@@ -9261,7 +10350,7 @@
               <a:rPr lang="en-US" sz="2400">
                 <a:latin typeface="Aptos"/>
               </a:rPr>
-              <a:t>Additionally, I contributed to the second half of the project documentation, ensuring that all details were clearly outlined and accessible.</a:t>
+              <a:t>Additionally, I successfully established a robust connection between the frontend and the database, enabling smooth data management and user verification.</a:t>
             </a:r>
             <a:endParaRPr lang="en-US">
               <a:cs typeface="Arial"/>
@@ -9272,7 +10361,7 @@
     </p:spTree>
     <p:extLst>
       <p:ext uri="{BB962C8B-B14F-4D97-AF65-F5344CB8AC3E}">
-        <p14:creationId xmlns:p14="http://schemas.microsoft.com/office/powerpoint/2010/main" val="3594547065"/>
+        <p14:creationId xmlns:p14="http://schemas.microsoft.com/office/powerpoint/2010/main" val="3555477790"/>
       </p:ext>
     </p:extLst>
   </p:cSld>
@@ -9304,7 +10393,7 @@
           <p:cNvPr id="2" name="Title 1">
             <a:extLst>
               <a:ext uri="{FF2B5EF4-FFF2-40B4-BE49-F238E27FC236}">
-                <a16:creationId xmlns:a16="http://schemas.microsoft.com/office/drawing/2014/main" id="{E9F36E7C-2557-BBA7-3808-1E9BF5BBA899}"/>
+                <a16:creationId xmlns:a16="http://schemas.microsoft.com/office/drawing/2014/main" id="{FD729DD1-C965-D581-3A44-D53F75E4D790}"/>
               </a:ext>
             </a:extLst>
           </p:cNvPr>
@@ -9320,15 +10409,14 @@
           <a:bodyPr/>
           <a:lstStyle/>
           <a:p>
-            <a:pPr algn="l"/>
-            <a:r>
-              <a:rPr lang="en-US" sz="2400">
-                <a:latin typeface="Roboto"/>
-                <a:ea typeface="Roboto"/>
-                <a:cs typeface="Roboto"/>
-              </a:rPr>
-              <a:t>Details of team members' tasks; -Tamás</a:t>
-            </a:r>
+            <a:pPr algn="ctr"/>
+            <a:r>
+              <a:rPr lang="en-US" sz="4400">
+                <a:latin typeface="Aptos Display"/>
+              </a:rPr>
+              <a:t>Frontend</a:t>
+            </a:r>
+            <a:endParaRPr lang="en-US"/>
           </a:p>
           <a:p>
             <a:endParaRPr lang="en-US">
@@ -9342,7 +10430,7 @@
           <p:cNvPr id="3" name="Content Placeholder 2">
             <a:extLst>
               <a:ext uri="{FF2B5EF4-FFF2-40B4-BE49-F238E27FC236}">
-                <a16:creationId xmlns:a16="http://schemas.microsoft.com/office/drawing/2014/main" id="{C5ACD3B3-D1A5-26AB-C313-468F261673D5}"/>
+                <a16:creationId xmlns:a16="http://schemas.microsoft.com/office/drawing/2014/main" id="{09ACC435-7D9E-0F01-543C-8F346C74A1E8}"/>
               </a:ext>
             </a:extLst>
           </p:cNvPr>
@@ -9353,9 +10441,16 @@
             <p:ph idx="1"/>
           </p:nvPr>
         </p:nvSpPr>
-        <p:spPr/>
-        <p:txBody>
-          <a:bodyPr/>
+        <p:spPr>
+          <a:xfrm>
+            <a:off x="2773599" y="2072436"/>
+            <a:ext cx="7796540" cy="3977508"/>
+          </a:xfrm>
+        </p:spPr>
+        <p:txBody>
+          <a:bodyPr>
+            <a:normAutofit fontScale="92500" lnSpcReduction="20000"/>
+          </a:bodyPr>
           <a:lstStyle/>
           <a:p>
             <a:pPr marL="344170" indent="-344170">
@@ -9367,10 +10462,34 @@
               </a:spcAft>
             </a:pPr>
             <a:r>
-              <a:rPr lang="en-US" sz="2400">
+              <a:rPr lang="en-US" sz="2800">
                 <a:latin typeface="Aptos"/>
               </a:rPr>
-              <a:t>I built a comprehensive login and registration system, ensuring seam less user authentication and security. </a:t>
+              <a:t>On the landing page, visitors will find a brief introduction along with an overview of what we offer. There will be </a:t>
+            </a:r>
+            <a:r>
+              <a:rPr lang="en-US" sz="2800" b="1">
+                <a:latin typeface="Aptos"/>
+              </a:rPr>
+              <a:t>Sign Up</a:t>
+            </a:r>
+            <a:r>
+              <a:rPr lang="en-US" sz="2800">
+                <a:latin typeface="Aptos"/>
+              </a:rPr>
+              <a:t> and </a:t>
+            </a:r>
+            <a:r>
+              <a:rPr lang="en-US" sz="2800" b="1">
+                <a:latin typeface="Aptos"/>
+              </a:rPr>
+              <a:t>Login</a:t>
+            </a:r>
+            <a:r>
+              <a:rPr lang="en-US" sz="2800">
+                <a:latin typeface="Aptos"/>
+              </a:rPr>
+              <a:t> buttons available.</a:t>
             </a:r>
           </a:p>
           <a:p>
@@ -9383,11 +10502,102 @@
               </a:spcAft>
             </a:pPr>
             <a:r>
-              <a:rPr lang="en-US" sz="2400">
+              <a:rPr lang="en-US" sz="2800">
                 <a:latin typeface="Aptos"/>
               </a:rPr>
-              <a:t>Additionally, I successfully established a robust connection between the frontend and the database, enabling smooth data management and user verification.</a:t>
-            </a:r>
+              <a:t>When users click on these buttons, they will be directed to the respective </a:t>
+            </a:r>
+            <a:r>
+              <a:rPr lang="en-US" sz="2800" b="1">
+                <a:latin typeface="Aptos"/>
+              </a:rPr>
+              <a:t>Sign Up</a:t>
+            </a:r>
+            <a:r>
+              <a:rPr lang="en-US" sz="2800">
+                <a:latin typeface="Aptos"/>
+              </a:rPr>
+              <a:t> or </a:t>
+            </a:r>
+            <a:r>
+              <a:rPr lang="en-US" sz="2800" b="1">
+                <a:latin typeface="Aptos"/>
+              </a:rPr>
+              <a:t>Login</a:t>
+            </a:r>
+            <a:r>
+              <a:rPr lang="en-US" sz="2800">
+                <a:latin typeface="Aptos"/>
+              </a:rPr>
+              <a:t> forms.</a:t>
+            </a:r>
+          </a:p>
+          <a:p>
+            <a:pPr marL="344170" indent="-344170">
+              <a:lnSpc>
+                <a:spcPct val="90000"/>
+              </a:lnSpc>
+              <a:spcAft>
+                <a:spcPts val="0"/>
+              </a:spcAft>
+            </a:pPr>
+            <a:r>
+              <a:rPr lang="en-US" sz="2800">
+                <a:latin typeface="Aptos"/>
+              </a:rPr>
+              <a:t>Upon successful registration, they will receive a welcome message:</a:t>
+            </a:r>
+            <a:br>
+              <a:rPr lang="en-US" sz="2800">
+                <a:latin typeface="Aptos"/>
+              </a:rPr>
+            </a:br>
+            <a:r>
+              <a:rPr lang="en-US" sz="2800">
+                <a:latin typeface="Aptos"/>
+              </a:rPr>
+              <a:t> </a:t>
+            </a:r>
+            <a:r>
+              <a:rPr lang="en-US" sz="2800" b="1">
+                <a:latin typeface="Aptos"/>
+              </a:rPr>
+              <a:t>"</a:t>
+            </a:r>
+            <a:r>
+              <a:rPr lang="en-US" sz="2800">
+                <a:latin typeface="Aptos"/>
+              </a:rPr>
+              <a:t>Dear (user,) thank you for registering! We're excited to have you on board.</a:t>
+            </a:r>
+            <a:r>
+              <a:rPr lang="en-US" sz="2800" b="1">
+                <a:latin typeface="Aptos"/>
+              </a:rPr>
+              <a:t>"</a:t>
+            </a:r>
+            <a:endParaRPr lang="en-US" sz="2800">
+              <a:latin typeface="Aptos"/>
+            </a:endParaRPr>
+          </a:p>
+          <a:p>
+            <a:pPr marL="344170" indent="-344170">
+              <a:lnSpc>
+                <a:spcPct val="90000"/>
+              </a:lnSpc>
+              <a:spcAft>
+                <a:spcPts val="0"/>
+              </a:spcAft>
+            </a:pPr>
+            <a:r>
+              <a:rPr lang="en-US" sz="2800">
+                <a:latin typeface="Aptos"/>
+              </a:rPr>
+              <a:t>After that, they will be redirected to the main site, where they will have the opportunity to download the game.</a:t>
+            </a:r>
+          </a:p>
+          <a:p>
+            <a:pPr marL="344170" indent="-344170"/>
             <a:endParaRPr lang="en-US">
               <a:cs typeface="Arial"/>
             </a:endParaRPr>
@@ -9397,7 +10607,7 @@
     </p:spTree>
     <p:extLst>
       <p:ext uri="{BB962C8B-B14F-4D97-AF65-F5344CB8AC3E}">
-        <p14:creationId xmlns:p14="http://schemas.microsoft.com/office/powerpoint/2010/main" val="3555477790"/>
+        <p14:creationId xmlns:p14="http://schemas.microsoft.com/office/powerpoint/2010/main" val="1197620819"/>
       </p:ext>
     </p:extLst>
   </p:cSld>
@@ -9429,252 +10639,6 @@
           <p:cNvPr id="2" name="Title 1">
             <a:extLst>
               <a:ext uri="{FF2B5EF4-FFF2-40B4-BE49-F238E27FC236}">
-                <a16:creationId xmlns:a16="http://schemas.microsoft.com/office/drawing/2014/main" id="{FD729DD1-C965-D581-3A44-D53F75E4D790}"/>
-              </a:ext>
-            </a:extLst>
-          </p:cNvPr>
-          <p:cNvSpPr>
-            <a:spLocks noGrp="1"/>
-          </p:cNvSpPr>
-          <p:nvPr>
-            <p:ph type="title"/>
-          </p:nvPr>
-        </p:nvSpPr>
-        <p:spPr/>
-        <p:txBody>
-          <a:bodyPr/>
-          <a:lstStyle/>
-          <a:p>
-            <a:pPr algn="ctr"/>
-            <a:r>
-              <a:rPr lang="en-US" sz="4400">
-                <a:latin typeface="Aptos Display"/>
-              </a:rPr>
-              <a:t>Frontend</a:t>
-            </a:r>
-            <a:endParaRPr lang="en-US"/>
-          </a:p>
-          <a:p>
-            <a:endParaRPr lang="en-US">
-              <a:cs typeface="Arial"/>
-            </a:endParaRPr>
-          </a:p>
-        </p:txBody>
-      </p:sp>
-      <p:sp>
-        <p:nvSpPr>
-          <p:cNvPr id="3" name="Content Placeholder 2">
-            <a:extLst>
-              <a:ext uri="{FF2B5EF4-FFF2-40B4-BE49-F238E27FC236}">
-                <a16:creationId xmlns:a16="http://schemas.microsoft.com/office/drawing/2014/main" id="{09ACC435-7D9E-0F01-543C-8F346C74A1E8}"/>
-              </a:ext>
-            </a:extLst>
-          </p:cNvPr>
-          <p:cNvSpPr>
-            <a:spLocks noGrp="1"/>
-          </p:cNvSpPr>
-          <p:nvPr>
-            <p:ph idx="1"/>
-          </p:nvPr>
-        </p:nvSpPr>
-        <p:spPr>
-          <a:xfrm>
-            <a:off x="2773599" y="2072436"/>
-            <a:ext cx="7796540" cy="3977508"/>
-          </a:xfrm>
-        </p:spPr>
-        <p:txBody>
-          <a:bodyPr>
-            <a:normAutofit fontScale="85000" lnSpcReduction="20000"/>
-          </a:bodyPr>
-          <a:lstStyle/>
-          <a:p>
-            <a:pPr marL="344170" indent="-344170">
-              <a:lnSpc>
-                <a:spcPct val="90000"/>
-              </a:lnSpc>
-              <a:spcAft>
-                <a:spcPts val="0"/>
-              </a:spcAft>
-            </a:pPr>
-            <a:r>
-              <a:rPr lang="en-US" sz="2800">
-                <a:latin typeface="Aptos"/>
-              </a:rPr>
-              <a:t>On the landing page, visitors will find a brief introduction along with an overview of what we offer. There will be </a:t>
-            </a:r>
-            <a:r>
-              <a:rPr lang="en-US" sz="2800" b="1">
-                <a:latin typeface="Aptos"/>
-              </a:rPr>
-              <a:t>Sign Up</a:t>
-            </a:r>
-            <a:r>
-              <a:rPr lang="en-US" sz="2800">
-                <a:latin typeface="Aptos"/>
-              </a:rPr>
-              <a:t> and </a:t>
-            </a:r>
-            <a:r>
-              <a:rPr lang="en-US" sz="2800" b="1">
-                <a:latin typeface="Aptos"/>
-              </a:rPr>
-              <a:t>Login</a:t>
-            </a:r>
-            <a:r>
-              <a:rPr lang="en-US" sz="2800">
-                <a:latin typeface="Aptos"/>
-              </a:rPr>
-              <a:t> buttons available.</a:t>
-            </a:r>
-          </a:p>
-          <a:p>
-            <a:pPr marL="344170" indent="-344170">
-              <a:lnSpc>
-                <a:spcPct val="90000"/>
-              </a:lnSpc>
-              <a:spcAft>
-                <a:spcPts val="0"/>
-              </a:spcAft>
-            </a:pPr>
-            <a:r>
-              <a:rPr lang="en-US" sz="2800">
-                <a:latin typeface="Aptos"/>
-              </a:rPr>
-              <a:t>When users click on these buttons, they will be directed to the respective </a:t>
-            </a:r>
-            <a:r>
-              <a:rPr lang="en-US" sz="2800" b="1">
-                <a:latin typeface="Aptos"/>
-              </a:rPr>
-              <a:t>Sign Up</a:t>
-            </a:r>
-            <a:r>
-              <a:rPr lang="en-US" sz="2800">
-                <a:latin typeface="Aptos"/>
-              </a:rPr>
-              <a:t> or </a:t>
-            </a:r>
-            <a:r>
-              <a:rPr lang="en-US" sz="2800" b="1">
-                <a:latin typeface="Aptos"/>
-              </a:rPr>
-              <a:t>Login</a:t>
-            </a:r>
-            <a:r>
-              <a:rPr lang="en-US" sz="2800">
-                <a:latin typeface="Aptos"/>
-              </a:rPr>
-              <a:t> forms.</a:t>
-            </a:r>
-          </a:p>
-          <a:p>
-            <a:pPr marL="344170" indent="-344170">
-              <a:lnSpc>
-                <a:spcPct val="90000"/>
-              </a:lnSpc>
-              <a:spcAft>
-                <a:spcPts val="0"/>
-              </a:spcAft>
-            </a:pPr>
-            <a:r>
-              <a:rPr lang="en-US" sz="2800">
-                <a:latin typeface="Aptos"/>
-              </a:rPr>
-              <a:t>Upon successful registration, they will receive a welcome message:</a:t>
-            </a:r>
-            <a:br>
-              <a:rPr lang="en-US" sz="2800">
-                <a:latin typeface="Aptos"/>
-              </a:rPr>
-            </a:br>
-            <a:r>
-              <a:rPr lang="en-US" sz="2800">
-                <a:latin typeface="Aptos"/>
-              </a:rPr>
-              <a:t> </a:t>
-            </a:r>
-            <a:r>
-              <a:rPr lang="en-US" sz="2800" b="1">
-                <a:latin typeface="Aptos"/>
-              </a:rPr>
-              <a:t>"</a:t>
-            </a:r>
-            <a:r>
-              <a:rPr lang="en-US" sz="2800">
-                <a:latin typeface="Aptos"/>
-              </a:rPr>
-              <a:t>Dear (user,) thank you for registering! We're excited to have you on board.</a:t>
-            </a:r>
-            <a:r>
-              <a:rPr lang="en-US" sz="2800" b="1">
-                <a:latin typeface="Aptos"/>
-              </a:rPr>
-              <a:t>"</a:t>
-            </a:r>
-            <a:endParaRPr lang="en-US" sz="2800">
-              <a:latin typeface="Aptos"/>
-            </a:endParaRPr>
-          </a:p>
-          <a:p>
-            <a:pPr marL="344170" indent="-344170">
-              <a:lnSpc>
-                <a:spcPct val="90000"/>
-              </a:lnSpc>
-              <a:spcAft>
-                <a:spcPts val="0"/>
-              </a:spcAft>
-            </a:pPr>
-            <a:r>
-              <a:rPr lang="en-US" sz="2800">
-                <a:latin typeface="Aptos"/>
-              </a:rPr>
-              <a:t>After that, they will be redirected to the main site, where they will have the opportunity to download the game.</a:t>
-            </a:r>
-          </a:p>
-          <a:p>
-            <a:pPr marL="344170" indent="-344170"/>
-            <a:endParaRPr lang="en-US">
-              <a:cs typeface="Arial"/>
-            </a:endParaRPr>
-          </a:p>
-        </p:txBody>
-      </p:sp>
-    </p:spTree>
-    <p:extLst>
-      <p:ext uri="{BB962C8B-B14F-4D97-AF65-F5344CB8AC3E}">
-        <p14:creationId xmlns:p14="http://schemas.microsoft.com/office/powerpoint/2010/main" val="1197620819"/>
-      </p:ext>
-    </p:extLst>
-  </p:cSld>
-  <p:clrMapOvr>
-    <a:masterClrMapping/>
-  </p:clrMapOvr>
-</p:sld>
-</file>
-
-<file path=ppt/slides/slide23.xml><?xml version="1.0" encoding="utf-8"?>
-<p:sld xmlns:a="http://schemas.openxmlformats.org/drawingml/2006/main" xmlns:r="http://schemas.openxmlformats.org/officeDocument/2006/relationships" xmlns:p="http://schemas.openxmlformats.org/presentationml/2006/main">
-  <p:cSld>
-    <p:spTree>
-      <p:nvGrpSpPr>
-        <p:cNvPr id="1" name=""/>
-        <p:cNvGrpSpPr/>
-        <p:nvPr/>
-      </p:nvGrpSpPr>
-      <p:grpSpPr>
-        <a:xfrm>
-          <a:off x="0" y="0"/>
-          <a:ext cx="0" cy="0"/>
-          <a:chOff x="0" y="0"/>
-          <a:chExt cx="0" cy="0"/>
-        </a:xfrm>
-      </p:grpSpPr>
-      <p:sp>
-        <p:nvSpPr>
-          <p:cNvPr id="2" name="Title 1">
-            <a:extLst>
-              <a:ext uri="{FF2B5EF4-FFF2-40B4-BE49-F238E27FC236}">
                 <a16:creationId xmlns:a16="http://schemas.microsoft.com/office/drawing/2014/main" id="{E716623D-2326-652D-7B22-39A537F178F0}"/>
               </a:ext>
             </a:extLst>
@@ -9693,10 +10657,10 @@
           <a:p>
             <a:pPr algn="ctr"/>
             <a:r>
-              <a:rPr lang="en-US">
+              <a:rPr lang="en-US" dirty="0">
                 <a:cs typeface="Arial"/>
               </a:rPr>
-              <a:t>Backend(Tomi)</a:t>
+              <a:t>Backend</a:t>
             </a:r>
           </a:p>
         </p:txBody>
@@ -9882,7 +10846,7 @@
           <p:nvPr/>
         </p:nvPicPr>
         <p:blipFill>
-          <a:blip r:embed="rId2"/>
+          <a:blip r:embed="rId3"/>
           <a:srcRect t="17254" r="-2" b="34702"/>
           <a:stretch/>
         </p:blipFill>
@@ -10477,7 +11441,7 @@
           </p:nvPr>
         </p:nvPicPr>
         <p:blipFill>
-          <a:blip r:embed="rId2"/>
+          <a:blip r:embed="rId3"/>
           <a:stretch>
             <a:fillRect/>
           </a:stretch>
@@ -10525,20 +11489,20 @@
               <a:buChar char="•"/>
             </a:pPr>
             <a:r>
-              <a:rPr lang="en-US" b="1">
+              <a:rPr lang="en-US" b="1" dirty="0">
                 <a:ea typeface="+mn-lt"/>
                 <a:cs typeface="+mn-lt"/>
               </a:rPr>
               <a:t> Backend Setup:</a:t>
             </a:r>
             <a:r>
-              <a:rPr lang="en-US">
+              <a:rPr lang="en-US" dirty="0">
                 <a:ea typeface="+mn-lt"/>
                 <a:cs typeface="+mn-lt"/>
               </a:rPr>
               <a:t> Node.js and Express manage the backend, with CORS and body-parser handling requests.</a:t>
             </a:r>
-            <a:endParaRPr lang="en-US">
+            <a:endParaRPr lang="en-US" dirty="0">
               <a:cs typeface="Arial" panose="020B0604020202020204"/>
             </a:endParaRPr>
           </a:p>
@@ -10547,7 +11511,7 @@
               <a:buFont typeface="Arial"/>
               <a:buChar char="•"/>
             </a:pPr>
-            <a:endParaRPr lang="en-US">
+            <a:endParaRPr lang="en-US" dirty="0">
               <a:cs typeface="Arial" panose="020B0604020202020204"/>
             </a:endParaRPr>
           </a:p>
@@ -10557,20 +11521,20 @@
               <a:buChar char="o"/>
             </a:pPr>
             <a:r>
-              <a:rPr lang="en-US">
+              <a:rPr lang="en-US" dirty="0">
                 <a:cs typeface="Arial" panose="020B0604020202020204"/>
               </a:rPr>
               <a:t> </a:t>
             </a:r>
             <a:r>
-              <a:rPr lang="en-US" b="1">
+              <a:rPr lang="en-US" b="1" dirty="0">
                 <a:ea typeface="+mn-lt"/>
                 <a:cs typeface="+mn-lt"/>
               </a:rPr>
               <a:t>Database Connection:</a:t>
             </a:r>
             <a:r>
-              <a:rPr lang="en-US">
+              <a:rPr lang="en-US" dirty="0">
                 <a:ea typeface="+mn-lt"/>
                 <a:cs typeface="+mn-lt"/>
               </a:rPr>
@@ -10582,7 +11546,7 @@
               <a:buFont typeface="Courier New"/>
               <a:buChar char="o"/>
             </a:pPr>
-            <a:endParaRPr lang="en-US">
+            <a:endParaRPr lang="en-US" dirty="0">
               <a:cs typeface="Arial" panose="020B0604020202020204"/>
             </a:endParaRPr>
           </a:p>
@@ -10592,38 +11556,24 @@
               <a:buChar char="•"/>
             </a:pPr>
             <a:r>
-              <a:rPr lang="en-US">
+              <a:rPr lang="en-US" dirty="0">
                 <a:cs typeface="Arial" panose="020B0604020202020204"/>
               </a:rPr>
               <a:t> </a:t>
             </a:r>
             <a:r>
-              <a:rPr lang="en-US" b="1">
+              <a:rPr lang="en-US" b="1" dirty="0">
                 <a:ea typeface="+mn-lt"/>
                 <a:cs typeface="+mn-lt"/>
               </a:rPr>
               <a:t>Password Security:</a:t>
             </a:r>
             <a:r>
-              <a:rPr lang="en-US">
+              <a:rPr lang="en-US" dirty="0">
                 <a:ea typeface="+mn-lt"/>
                 <a:cs typeface="+mn-lt"/>
               </a:rPr>
-              <a:t> </a:t>
-            </a:r>
-            <a:r>
-              <a:rPr lang="en-US" err="1">
-                <a:ea typeface="+mn-lt"/>
-                <a:cs typeface="+mn-lt"/>
-              </a:rPr>
-              <a:t>Bcrypt</a:t>
-            </a:r>
-            <a:r>
-              <a:rPr lang="en-US">
-                <a:ea typeface="+mn-lt"/>
-                <a:cs typeface="+mn-lt"/>
-              </a:rPr>
-              <a:t> hashes passwords during registration and login.</a:t>
+              <a:t> Bcrypt hashes passwords during registration and login.</a:t>
             </a:r>
           </a:p>
           <a:p>
@@ -10632,14 +11582,14 @@
               <a:buChar char="o"/>
             </a:pPr>
             <a:r>
-              <a:rPr lang="en-US" b="1">
+              <a:rPr lang="en-US" b="1" dirty="0">
                 <a:ea typeface="+mn-lt"/>
                 <a:cs typeface="+mn-lt"/>
               </a:rPr>
               <a:t>Port Configuration:</a:t>
             </a:r>
             <a:r>
-              <a:rPr lang="en-US">
+              <a:rPr lang="en-US" dirty="0">
                 <a:ea typeface="+mn-lt"/>
                 <a:cs typeface="+mn-lt"/>
               </a:rPr>
@@ -10652,20 +11602,20 @@
               <a:buChar char="o"/>
             </a:pPr>
             <a:r>
-              <a:rPr lang="en-US" b="1">
+              <a:rPr lang="en-US" b="1" dirty="0">
                 <a:ea typeface="+mn-lt"/>
                 <a:cs typeface="+mn-lt"/>
               </a:rPr>
               <a:t>API Routing:</a:t>
             </a:r>
             <a:r>
-              <a:rPr lang="en-US">
+              <a:rPr lang="en-US" dirty="0">
                 <a:ea typeface="+mn-lt"/>
                 <a:cs typeface="+mn-lt"/>
               </a:rPr>
               <a:t> Express handles GET and POST requests.</a:t>
             </a:r>
-            <a:endParaRPr lang="en-US">
+            <a:endParaRPr lang="en-US" dirty="0">
               <a:cs typeface="Arial" panose="020B0604020202020204"/>
             </a:endParaRPr>
           </a:p>
@@ -10690,7 +11640,7 @@
     <p:bg>
       <p:bgPr>
         <a:blipFill rotWithShape="1">
-          <a:blip r:embed="rId2"/>
+          <a:blip r:embed="rId3"/>
           <a:stretch/>
         </a:blipFill>
         <a:effectLst/>
@@ -10794,7 +11744,7 @@
           </p:nvPr>
         </p:nvPicPr>
         <p:blipFill>
-          <a:blip r:embed="rId3">
+          <a:blip r:embed="rId4">
             <a:extLst>
               <a:ext uri="{28A0092B-C50C-407E-A947-70E740481C1C}">
                 <a14:useLocalDpi xmlns:a14="http://schemas.microsoft.com/office/drawing/2010/main" val="0"/>
@@ -10839,7 +11789,7 @@
           </p:nvPr>
         </p:nvPicPr>
         <p:blipFill>
-          <a:blip r:embed="rId4">
+          <a:blip r:embed="rId5">
             <a:alphaModFix/>
             <a:extLst>
               <a:ext uri="{28A0092B-C50C-407E-A947-70E740481C1C}">
@@ -11103,7 +12053,7 @@
           <p:nvPr/>
         </p:nvPicPr>
         <p:blipFill>
-          <a:blip r:embed="rId5"/>
+          <a:blip r:embed="rId6"/>
           <a:srcRect t="5397" r="-4" b="-4"/>
           <a:stretch/>
         </p:blipFill>
@@ -11166,7 +12116,7 @@
           </p:nvPr>
         </p:nvPicPr>
         <p:blipFill>
-          <a:blip r:embed="rId6"/>
+          <a:blip r:embed="rId7"/>
           <a:srcRect r="16300" b="-3"/>
           <a:stretch/>
         </p:blipFill>
@@ -11385,449 +12335,10 @@
 <file path=ppt/slides/slide7.xml><?xml version="1.0" encoding="utf-8"?>
 <p:sld xmlns:a="http://schemas.openxmlformats.org/drawingml/2006/main" xmlns:r="http://schemas.openxmlformats.org/officeDocument/2006/relationships" xmlns:p="http://schemas.openxmlformats.org/presentationml/2006/main">
   <p:cSld>
-    <p:spTree>
-      <p:nvGrpSpPr>
-        <p:cNvPr id="1" name=""/>
-        <p:cNvGrpSpPr/>
-        <p:nvPr/>
-      </p:nvGrpSpPr>
-      <p:grpSpPr>
-        <a:xfrm>
-          <a:off x="0" y="0"/>
-          <a:ext cx="0" cy="0"/>
-          <a:chOff x="0" y="0"/>
-          <a:chExt cx="0" cy="0"/>
-        </a:xfrm>
-      </p:grpSpPr>
-      <p:sp>
-        <p:nvSpPr>
-          <p:cNvPr id="2" name="Title 1">
-            <a:extLst>
-              <a:ext uri="{FF2B5EF4-FFF2-40B4-BE49-F238E27FC236}">
-                <a16:creationId xmlns:a16="http://schemas.microsoft.com/office/drawing/2014/main" id="{37AEDB09-2621-1E29-2777-2FAF9BB10EE8}"/>
-              </a:ext>
-            </a:extLst>
-          </p:cNvPr>
-          <p:cNvSpPr>
-            <a:spLocks noGrp="1"/>
-          </p:cNvSpPr>
-          <p:nvPr>
-            <p:ph type="title"/>
-          </p:nvPr>
-        </p:nvSpPr>
-        <p:spPr/>
-        <p:txBody>
-          <a:bodyPr/>
-          <a:lstStyle/>
-          <a:p>
-            <a:r>
-              <a:rPr lang="en-US">
-                <a:cs typeface="Arial"/>
-              </a:rPr>
-              <a:t>Models</a:t>
-            </a:r>
-            <a:endParaRPr lang="en-US"/>
-          </a:p>
-        </p:txBody>
-      </p:sp>
-      <p:sp>
-        <p:nvSpPr>
-          <p:cNvPr id="3" name="Content Placeholder 2">
-            <a:extLst>
-              <a:ext uri="{FF2B5EF4-FFF2-40B4-BE49-F238E27FC236}">
-                <a16:creationId xmlns:a16="http://schemas.microsoft.com/office/drawing/2014/main" id="{C05271CF-FFEC-436B-CE03-15E0CF42BA04}"/>
-              </a:ext>
-            </a:extLst>
-          </p:cNvPr>
-          <p:cNvSpPr>
-            <a:spLocks noGrp="1"/>
-          </p:cNvSpPr>
-          <p:nvPr>
-            <p:ph idx="1"/>
-          </p:nvPr>
-        </p:nvSpPr>
-        <p:spPr>
-          <a:xfrm>
-            <a:off x="1140742" y="283187"/>
-            <a:ext cx="3560183" cy="3036257"/>
-          </a:xfrm>
-        </p:spPr>
-        <p:txBody>
-          <a:bodyPr/>
-          <a:lstStyle/>
-          <a:p>
-            <a:pPr marL="344170" indent="-344170" algn="ctr"/>
-            <a:r>
-              <a:rPr lang="en-US">
-                <a:cs typeface="Arial" panose="020B0604020202020204"/>
-              </a:rPr>
-              <a:t>Image</a:t>
-            </a:r>
-          </a:p>
-        </p:txBody>
-      </p:sp>
-      <p:sp>
-        <p:nvSpPr>
-          <p:cNvPr id="5" name="Content Placeholder 2">
-            <a:extLst>
-              <a:ext uri="{FF2B5EF4-FFF2-40B4-BE49-F238E27FC236}">
-                <a16:creationId xmlns:a16="http://schemas.microsoft.com/office/drawing/2014/main" id="{90E96169-6E44-A419-2735-D70E22B685B6}"/>
-              </a:ext>
-            </a:extLst>
-          </p:cNvPr>
-          <p:cNvSpPr txBox="1">
-            <a:spLocks/>
-          </p:cNvSpPr>
-          <p:nvPr/>
-        </p:nvSpPr>
-        <p:spPr>
-          <a:xfrm>
-            <a:off x="1138928" y="3429158"/>
-            <a:ext cx="3560183" cy="3036257"/>
-          </a:xfrm>
-          <a:prstGeom prst="rect">
-            <a:avLst/>
-          </a:prstGeom>
-        </p:spPr>
-        <p:txBody>
-          <a:bodyPr vert="horz" lIns="91440" tIns="45720" rIns="91440" bIns="45720" rtlCol="0" anchor="ctr">
-            <a:normAutofit/>
-          </a:bodyPr>
-          <a:lstStyle>
-            <a:lvl1pPr marL="344488" indent="-344488" algn="l" defTabSz="914400" rtl="0" eaLnBrk="1" latinLnBrk="0" hangingPunct="1">
-              <a:lnSpc>
-                <a:spcPct val="120000"/>
-              </a:lnSpc>
-              <a:spcBef>
-                <a:spcPts val="1000"/>
-              </a:spcBef>
-              <a:spcAft>
-                <a:spcPts val="600"/>
-              </a:spcAft>
-              <a:buClr>
-                <a:schemeClr val="accent6"/>
-              </a:buClr>
-              <a:buSzPct val="90000"/>
-              <a:buFont typeface="Wingdings" panose="05000000000000000000" pitchFamily="2" charset="2"/>
-              <a:buChar char="§"/>
-              <a:defRPr sz="2000" kern="1200">
-                <a:solidFill>
-                  <a:schemeClr val="tx1"/>
-                </a:solidFill>
-                <a:effectLst/>
-                <a:latin typeface="+mn-lt"/>
-                <a:ea typeface="+mn-ea"/>
-                <a:cs typeface="+mn-cs"/>
-              </a:defRPr>
-            </a:lvl1pPr>
-            <a:lvl2pPr marL="795338" indent="-338138" algn="l" defTabSz="914400" rtl="0" eaLnBrk="1" latinLnBrk="0" hangingPunct="1">
-              <a:lnSpc>
-                <a:spcPct val="120000"/>
-              </a:lnSpc>
-              <a:spcBef>
-                <a:spcPts val="500"/>
-              </a:spcBef>
-              <a:spcAft>
-                <a:spcPts val="600"/>
-              </a:spcAft>
-              <a:buClr>
-                <a:schemeClr val="accent6"/>
-              </a:buClr>
-              <a:buSzPct val="90000"/>
-              <a:buFont typeface="Wingdings" panose="05000000000000000000" pitchFamily="2" charset="2"/>
-              <a:buChar char="§"/>
-              <a:defRPr sz="1800" kern="1200">
-                <a:solidFill>
-                  <a:schemeClr val="tx1"/>
-                </a:solidFill>
-                <a:effectLst/>
-                <a:latin typeface="+mn-lt"/>
-                <a:ea typeface="+mn-ea"/>
-                <a:cs typeface="+mn-cs"/>
-              </a:defRPr>
-            </a:lvl2pPr>
-            <a:lvl3pPr marL="1258888" indent="-344488" algn="l" defTabSz="914400" rtl="0" eaLnBrk="1" latinLnBrk="0" hangingPunct="1">
-              <a:lnSpc>
-                <a:spcPct val="120000"/>
-              </a:lnSpc>
-              <a:spcBef>
-                <a:spcPts val="500"/>
-              </a:spcBef>
-              <a:spcAft>
-                <a:spcPts val="600"/>
-              </a:spcAft>
-              <a:buClr>
-                <a:schemeClr val="accent6"/>
-              </a:buClr>
-              <a:buSzPct val="90000"/>
-              <a:buFont typeface="Wingdings" panose="05000000000000000000" pitchFamily="2" charset="2"/>
-              <a:buChar char="§"/>
-              <a:defRPr sz="1600" kern="1200">
-                <a:solidFill>
-                  <a:schemeClr val="tx1"/>
-                </a:solidFill>
-                <a:effectLst/>
-                <a:latin typeface="+mn-lt"/>
-                <a:ea typeface="+mn-ea"/>
-                <a:cs typeface="+mn-cs"/>
-              </a:defRPr>
-            </a:lvl3pPr>
-            <a:lvl4pPr marL="1709738" indent="-338138" algn="l" defTabSz="914400" rtl="0" eaLnBrk="1" latinLnBrk="0" hangingPunct="1">
-              <a:lnSpc>
-                <a:spcPct val="120000"/>
-              </a:lnSpc>
-              <a:spcBef>
-                <a:spcPts val="500"/>
-              </a:spcBef>
-              <a:spcAft>
-                <a:spcPts val="600"/>
-              </a:spcAft>
-              <a:buClr>
-                <a:schemeClr val="accent6"/>
-              </a:buClr>
-              <a:buSzPct val="90000"/>
-              <a:buFont typeface="Wingdings" panose="05000000000000000000" pitchFamily="2" charset="2"/>
-              <a:buChar char="§"/>
-              <a:defRPr sz="1400" kern="1200">
-                <a:solidFill>
-                  <a:schemeClr val="tx1"/>
-                </a:solidFill>
-                <a:effectLst/>
-                <a:latin typeface="+mn-lt"/>
-                <a:ea typeface="+mn-ea"/>
-                <a:cs typeface="+mn-cs"/>
-              </a:defRPr>
-            </a:lvl4pPr>
-            <a:lvl5pPr marL="2173288" indent="-344488" algn="l" defTabSz="914400" rtl="0" eaLnBrk="1" latinLnBrk="0" hangingPunct="1">
-              <a:lnSpc>
-                <a:spcPct val="120000"/>
-              </a:lnSpc>
-              <a:spcBef>
-                <a:spcPts val="500"/>
-              </a:spcBef>
-              <a:spcAft>
-                <a:spcPts val="600"/>
-              </a:spcAft>
-              <a:buClr>
-                <a:schemeClr val="accent6"/>
-              </a:buClr>
-              <a:buSzPct val="90000"/>
-              <a:buFont typeface="Wingdings" panose="05000000000000000000" pitchFamily="2" charset="2"/>
-              <a:buChar char="§"/>
-              <a:defRPr sz="1200" kern="1200">
-                <a:solidFill>
-                  <a:schemeClr val="tx1"/>
-                </a:solidFill>
-                <a:effectLst/>
-                <a:latin typeface="+mn-lt"/>
-                <a:ea typeface="+mn-ea"/>
-                <a:cs typeface="+mn-cs"/>
-              </a:defRPr>
-            </a:lvl5pPr>
-            <a:lvl6pPr marL="2642616" indent="-338328" algn="l" defTabSz="914400" rtl="0" eaLnBrk="1" latinLnBrk="0" hangingPunct="1">
-              <a:lnSpc>
-                <a:spcPct val="120000"/>
-              </a:lnSpc>
-              <a:spcBef>
-                <a:spcPts val="500"/>
-              </a:spcBef>
-              <a:spcAft>
-                <a:spcPts val="600"/>
-              </a:spcAft>
-              <a:buClr>
-                <a:schemeClr val="accent6"/>
-              </a:buClr>
-              <a:buSzPct val="90000"/>
-              <a:buFont typeface="Wingdings" panose="05000000000000000000" pitchFamily="2" charset="2"/>
-              <a:buChar char="§"/>
-              <a:defRPr sz="1200" kern="1200" baseline="0">
-                <a:solidFill>
-                  <a:schemeClr val="tx1"/>
-                </a:solidFill>
-                <a:effectLst/>
-                <a:latin typeface="+mn-lt"/>
-                <a:ea typeface="+mn-ea"/>
-                <a:cs typeface="+mn-cs"/>
-              </a:defRPr>
-            </a:lvl6pPr>
-            <a:lvl7pPr marL="3108960" indent="-338328" algn="l" defTabSz="914400" rtl="0" eaLnBrk="1" latinLnBrk="0" hangingPunct="1">
-              <a:lnSpc>
-                <a:spcPct val="120000"/>
-              </a:lnSpc>
-              <a:spcBef>
-                <a:spcPts val="500"/>
-              </a:spcBef>
-              <a:spcAft>
-                <a:spcPts val="600"/>
-              </a:spcAft>
-              <a:buClr>
-                <a:schemeClr val="accent6"/>
-              </a:buClr>
-              <a:buSzPct val="90000"/>
-              <a:buFont typeface="Wingdings" panose="05000000000000000000" pitchFamily="2" charset="2"/>
-              <a:buChar char="§"/>
-              <a:defRPr sz="1200" kern="1200" baseline="0">
-                <a:solidFill>
-                  <a:schemeClr val="tx1"/>
-                </a:solidFill>
-                <a:effectLst/>
-                <a:latin typeface="+mn-lt"/>
-                <a:ea typeface="+mn-ea"/>
-                <a:cs typeface="+mn-cs"/>
-              </a:defRPr>
-            </a:lvl7pPr>
-            <a:lvl8pPr marL="3575304" indent="-338328" algn="l" defTabSz="914400" rtl="0" eaLnBrk="1" latinLnBrk="0" hangingPunct="1">
-              <a:lnSpc>
-                <a:spcPct val="120000"/>
-              </a:lnSpc>
-              <a:spcBef>
-                <a:spcPts val="500"/>
-              </a:spcBef>
-              <a:spcAft>
-                <a:spcPts val="600"/>
-              </a:spcAft>
-              <a:buClr>
-                <a:schemeClr val="accent6"/>
-              </a:buClr>
-              <a:buSzPct val="90000"/>
-              <a:buFont typeface="Wingdings" panose="05000000000000000000" pitchFamily="2" charset="2"/>
-              <a:buChar char="§"/>
-              <a:defRPr sz="1200" kern="1200" baseline="0">
-                <a:solidFill>
-                  <a:schemeClr val="tx1"/>
-                </a:solidFill>
-                <a:effectLst/>
-                <a:latin typeface="+mn-lt"/>
-                <a:ea typeface="+mn-ea"/>
-                <a:cs typeface="+mn-cs"/>
-              </a:defRPr>
-            </a:lvl8pPr>
-            <a:lvl9pPr marL="4041648" indent="-338328" algn="l" defTabSz="914400" rtl="0" eaLnBrk="1" latinLnBrk="0" hangingPunct="1">
-              <a:lnSpc>
-                <a:spcPct val="120000"/>
-              </a:lnSpc>
-              <a:spcBef>
-                <a:spcPts val="500"/>
-              </a:spcBef>
-              <a:spcAft>
-                <a:spcPts val="600"/>
-              </a:spcAft>
-              <a:buClr>
-                <a:schemeClr val="accent6"/>
-              </a:buClr>
-              <a:buSzPct val="90000"/>
-              <a:buFont typeface="Wingdings" panose="05000000000000000000" pitchFamily="2" charset="2"/>
-              <a:buChar char="§"/>
-              <a:defRPr sz="1200" kern="1200" baseline="0">
-                <a:solidFill>
-                  <a:schemeClr val="tx1"/>
-                </a:solidFill>
-                <a:effectLst/>
-                <a:latin typeface="+mn-lt"/>
-                <a:ea typeface="+mn-ea"/>
-                <a:cs typeface="+mn-cs"/>
-              </a:defRPr>
-            </a:lvl9pPr>
-          </a:lstStyle>
-          <a:p>
-            <a:pPr marL="344170" indent="-344170" algn="ctr"/>
-            <a:r>
-              <a:rPr lang="en-US">
-                <a:cs typeface="Arial" panose="020B0604020202020204"/>
-              </a:rPr>
-              <a:t>Image</a:t>
-            </a:r>
-          </a:p>
-        </p:txBody>
-      </p:sp>
-      <p:sp>
-        <p:nvSpPr>
-          <p:cNvPr id="6" name="TextBox 5">
-            <a:extLst>
-              <a:ext uri="{FF2B5EF4-FFF2-40B4-BE49-F238E27FC236}">
-                <a16:creationId xmlns:a16="http://schemas.microsoft.com/office/drawing/2014/main" id="{89FA98A1-53C5-8516-0A5D-E1E186F6DE36}"/>
-              </a:ext>
-            </a:extLst>
-          </p:cNvPr>
-          <p:cNvSpPr txBox="1"/>
-          <p:nvPr/>
-        </p:nvSpPr>
-        <p:spPr>
-          <a:xfrm>
-            <a:off x="7172324" y="2209799"/>
-            <a:ext cx="2118632" cy="923330"/>
-          </a:xfrm>
-          <a:prstGeom prst="rect">
-            <a:avLst/>
-          </a:prstGeom>
-          <a:noFill/>
-        </p:spPr>
-        <p:txBody>
-          <a:bodyPr rot="0" spcFirstLastPara="0" vertOverflow="overflow" horzOverflow="overflow" vert="horz" wrap="square" lIns="91440" tIns="45720" rIns="91440" bIns="45720" numCol="1" spcCol="0" rtlCol="0" fromWordArt="0" anchor="t" anchorCtr="0" forceAA="0" compatLnSpc="1">
-            <a:prstTxWarp prst="textNoShape">
-              <a:avLst/>
-            </a:prstTxWarp>
-            <a:spAutoFit/>
-          </a:bodyPr>
-          <a:lstStyle/>
-          <a:p>
-            <a:pPr marL="285750" indent="-285750" algn="l">
-              <a:buFont typeface="Arial"/>
-              <a:buChar char="•"/>
-            </a:pPr>
-            <a:r>
-              <a:rPr lang="en-US">
-                <a:cs typeface="Arial" panose="020B0604020202020204"/>
-              </a:rPr>
-              <a:t>1</a:t>
-            </a:r>
-          </a:p>
-          <a:p>
-            <a:pPr marL="285750" indent="-285750">
-              <a:buFont typeface="Arial"/>
-              <a:buChar char="•"/>
-            </a:pPr>
-            <a:r>
-              <a:rPr lang="en-US">
-                <a:cs typeface="Arial" panose="020B0604020202020204"/>
-              </a:rPr>
-              <a:t>2</a:t>
-            </a:r>
-          </a:p>
-          <a:p>
-            <a:pPr marL="285750" indent="-285750">
-              <a:buFont typeface="Arial"/>
-              <a:buChar char="•"/>
-            </a:pPr>
-            <a:r>
-              <a:rPr lang="en-US">
-                <a:cs typeface="Arial" panose="020B0604020202020204"/>
-              </a:rPr>
-              <a:t>3</a:t>
-            </a:r>
-          </a:p>
-        </p:txBody>
-      </p:sp>
-    </p:spTree>
-    <p:extLst>
-      <p:ext uri="{BB962C8B-B14F-4D97-AF65-F5344CB8AC3E}">
-        <p14:creationId xmlns:p14="http://schemas.microsoft.com/office/powerpoint/2010/main" val="2751311214"/>
-      </p:ext>
-    </p:extLst>
-  </p:cSld>
-  <p:clrMapOvr>
-    <a:masterClrMapping/>
-  </p:clrMapOvr>
-</p:sld>
-</file>
-
-<file path=ppt/slides/slide8.xml><?xml version="1.0" encoding="utf-8"?>
-<p:sld xmlns:a="http://schemas.openxmlformats.org/drawingml/2006/main" xmlns:r="http://schemas.openxmlformats.org/officeDocument/2006/relationships" xmlns:p="http://schemas.openxmlformats.org/presentationml/2006/main">
-  <p:cSld>
     <p:bg>
       <p:bgPr>
         <a:blipFill rotWithShape="1">
-          <a:blip r:embed="rId2"/>
+          <a:blip r:embed="rId3"/>
           <a:stretch/>
         </a:blipFill>
         <a:effectLst/>
@@ -11931,7 +12442,7 @@
           </p:nvPr>
         </p:nvPicPr>
         <p:blipFill>
-          <a:blip r:embed="rId3">
+          <a:blip r:embed="rId4">
             <a:extLst>
               <a:ext uri="{28A0092B-C50C-407E-A947-70E740481C1C}">
                 <a14:useLocalDpi xmlns:a14="http://schemas.microsoft.com/office/drawing/2010/main" val="0"/>
@@ -11976,7 +12487,7 @@
           </p:nvPr>
         </p:nvPicPr>
         <p:blipFill>
-          <a:blip r:embed="rId4">
+          <a:blip r:embed="rId5">
             <a:alphaModFix/>
             <a:extLst>
               <a:ext uri="{28A0092B-C50C-407E-A947-70E740481C1C}">
@@ -12508,7 +13019,7 @@
           </p:nvPr>
         </p:nvPicPr>
         <p:blipFill>
-          <a:blip r:embed="rId5"/>
+          <a:blip r:embed="rId6"/>
           <a:stretch>
             <a:fillRect/>
           </a:stretch>
@@ -12533,7 +13044,7 @@
 </p:sld>
 </file>
 
-<file path=ppt/slides/slide9.xml><?xml version="1.0" encoding="utf-8"?>
+<file path=ppt/slides/slide8.xml><?xml version="1.0" encoding="utf-8"?>
 <p:sld xmlns:a="http://schemas.openxmlformats.org/drawingml/2006/main" xmlns:r="http://schemas.openxmlformats.org/officeDocument/2006/relationships" xmlns:p="http://schemas.openxmlformats.org/presentationml/2006/main">
   <p:cSld>
     <p:spTree>
@@ -12742,6 +13253,65 @@
     <p:extLst>
       <p:ext uri="{BB962C8B-B14F-4D97-AF65-F5344CB8AC3E}">
         <p14:creationId xmlns:p14="http://schemas.microsoft.com/office/powerpoint/2010/main" val="4178291827"/>
+      </p:ext>
+    </p:extLst>
+  </p:cSld>
+  <p:clrMapOvr>
+    <a:masterClrMapping/>
+  </p:clrMapOvr>
+</p:sld>
+</file>
+
+<file path=ppt/slides/slide9.xml><?xml version="1.0" encoding="utf-8"?>
+<p:sld xmlns:a="http://schemas.openxmlformats.org/drawingml/2006/main" xmlns:r="http://schemas.openxmlformats.org/officeDocument/2006/relationships" xmlns:p="http://schemas.openxmlformats.org/presentationml/2006/main">
+  <p:cSld>
+    <p:spTree>
+      <p:nvGrpSpPr>
+        <p:cNvPr id="1" name=""/>
+        <p:cNvGrpSpPr/>
+        <p:nvPr/>
+      </p:nvGrpSpPr>
+      <p:grpSpPr>
+        <a:xfrm>
+          <a:off x="0" y="0"/>
+          <a:ext cx="0" cy="0"/>
+          <a:chOff x="0" y="0"/>
+          <a:chExt cx="0" cy="0"/>
+        </a:xfrm>
+      </p:grpSpPr>
+      <p:pic>
+        <p:nvPicPr>
+          <p:cNvPr id="5" name="Content Placeholder 4">
+            <a:extLst>
+              <a:ext uri="{FF2B5EF4-FFF2-40B4-BE49-F238E27FC236}">
+                <a16:creationId xmlns:a16="http://schemas.microsoft.com/office/drawing/2014/main" id="{5419D3A8-00C4-602E-0292-0BCC755B8776}"/>
+              </a:ext>
+            </a:extLst>
+          </p:cNvPr>
+          <p:cNvPicPr>
+            <a:picLocks noGrp="1" noChangeAspect="1"/>
+          </p:cNvPicPr>
+          <p:nvPr>
+            <p:ph idx="1"/>
+          </p:nvPr>
+        </p:nvPicPr>
+        <p:blipFill>
+          <a:blip r:embed="rId3"/>
+          <a:stretch>
+            <a:fillRect/>
+          </a:stretch>
+        </p:blipFill>
+        <p:spPr>
+          <a:xfrm>
+            <a:off x="4257" y="3624"/>
+            <a:ext cx="12187276" cy="6857800"/>
+          </a:xfrm>
+        </p:spPr>
+      </p:pic>
+    </p:spTree>
+    <p:extLst>
+      <p:ext uri="{BB962C8B-B14F-4D97-AF65-F5344CB8AC3E}">
+        <p14:creationId xmlns:p14="http://schemas.microsoft.com/office/powerpoint/2010/main" val="2430248368"/>
       </p:ext>
     </p:extLst>
   </p:cSld>
@@ -12972,21 +13542,316 @@
 </a:theme>
 </file>
 
+<file path=ppt/theme/theme2.xml><?xml version="1.0" encoding="utf-8"?>
+<a:theme xmlns:a="http://schemas.openxmlformats.org/drawingml/2006/main" name="Office-téma">
+  <a:themeElements>
+    <a:clrScheme name="Office">
+      <a:dk1>
+        <a:sysClr val="windowText" lastClr="000000"/>
+      </a:dk1>
+      <a:lt1>
+        <a:sysClr val="window" lastClr="FFFFFF"/>
+      </a:lt1>
+      <a:dk2>
+        <a:srgbClr val="44546A"/>
+      </a:dk2>
+      <a:lt2>
+        <a:srgbClr val="E7E6E6"/>
+      </a:lt2>
+      <a:accent1>
+        <a:srgbClr val="4472C4"/>
+      </a:accent1>
+      <a:accent2>
+        <a:srgbClr val="ED7D31"/>
+      </a:accent2>
+      <a:accent3>
+        <a:srgbClr val="A5A5A5"/>
+      </a:accent3>
+      <a:accent4>
+        <a:srgbClr val="FFC000"/>
+      </a:accent4>
+      <a:accent5>
+        <a:srgbClr val="5B9BD5"/>
+      </a:accent5>
+      <a:accent6>
+        <a:srgbClr val="70AD47"/>
+      </a:accent6>
+      <a:hlink>
+        <a:srgbClr val="0563C1"/>
+      </a:hlink>
+      <a:folHlink>
+        <a:srgbClr val="954F72"/>
+      </a:folHlink>
+    </a:clrScheme>
+    <a:fontScheme name="Office">
+      <a:majorFont>
+        <a:latin typeface="Calibri Light" panose="020F0302020204030204"/>
+        <a:ea typeface=""/>
+        <a:cs typeface=""/>
+        <a:font script="Jpan" typeface="游ゴシック Light"/>
+        <a:font script="Hang" typeface="맑은 고딕"/>
+        <a:font script="Hans" typeface="等线 Light"/>
+        <a:font script="Hant" typeface="新細明體"/>
+        <a:font script="Arab" typeface="Times New Roman"/>
+        <a:font script="Hebr" typeface="Times New Roman"/>
+        <a:font script="Thai" typeface="Angsana New"/>
+        <a:font script="Ethi" typeface="Nyala"/>
+        <a:font script="Beng" typeface="Vrinda"/>
+        <a:font script="Gujr" typeface="Shruti"/>
+        <a:font script="Khmr" typeface="MoolBoran"/>
+        <a:font script="Knda" typeface="Tunga"/>
+        <a:font script="Guru" typeface="Raavi"/>
+        <a:font script="Cans" typeface="Euphemia"/>
+        <a:font script="Cher" typeface="Plantagenet Cherokee"/>
+        <a:font script="Yiii" typeface="Microsoft Yi Baiti"/>
+        <a:font script="Tibt" typeface="Microsoft Himalaya"/>
+        <a:font script="Thaa" typeface="MV Boli"/>
+        <a:font script="Deva" typeface="Mangal"/>
+        <a:font script="Telu" typeface="Gautami"/>
+        <a:font script="Taml" typeface="Latha"/>
+        <a:font script="Syrc" typeface="Estrangelo Edessa"/>
+        <a:font script="Orya" typeface="Kalinga"/>
+        <a:font script="Mlym" typeface="Kartika"/>
+        <a:font script="Laoo" typeface="DokChampa"/>
+        <a:font script="Sinh" typeface="Iskoola Pota"/>
+        <a:font script="Mong" typeface="Mongolian Baiti"/>
+        <a:font script="Viet" typeface="Times New Roman"/>
+        <a:font script="Uigh" typeface="Microsoft Uighur"/>
+        <a:font script="Geor" typeface="Sylfaen"/>
+        <a:font script="Armn" typeface="Arial"/>
+        <a:font script="Bugi" typeface="Leelawadee UI"/>
+        <a:font script="Bopo" typeface="Microsoft JhengHei"/>
+        <a:font script="Java" typeface="Javanese Text"/>
+        <a:font script="Lisu" typeface="Segoe UI"/>
+        <a:font script="Mymr" typeface="Myanmar Text"/>
+        <a:font script="Nkoo" typeface="Ebrima"/>
+        <a:font script="Olck" typeface="Nirmala UI"/>
+        <a:font script="Osma" typeface="Ebrima"/>
+        <a:font script="Phag" typeface="Phagspa"/>
+        <a:font script="Syrn" typeface="Estrangelo Edessa"/>
+        <a:font script="Syrj" typeface="Estrangelo Edessa"/>
+        <a:font script="Syre" typeface="Estrangelo Edessa"/>
+        <a:font script="Sora" typeface="Nirmala UI"/>
+        <a:font script="Tale" typeface="Microsoft Tai Le"/>
+        <a:font script="Talu" typeface="Microsoft New Tai Lue"/>
+        <a:font script="Tfng" typeface="Ebrima"/>
+      </a:majorFont>
+      <a:minorFont>
+        <a:latin typeface="Calibri" panose="020F0502020204030204"/>
+        <a:ea typeface=""/>
+        <a:cs typeface=""/>
+        <a:font script="Jpan" typeface="游ゴシック"/>
+        <a:font script="Hang" typeface="맑은 고딕"/>
+        <a:font script="Hans" typeface="等线"/>
+        <a:font script="Hant" typeface="新細明體"/>
+        <a:font script="Arab" typeface="Arial"/>
+        <a:font script="Hebr" typeface="Arial"/>
+        <a:font script="Thai" typeface="Cordia New"/>
+        <a:font script="Ethi" typeface="Nyala"/>
+        <a:font script="Beng" typeface="Vrinda"/>
+        <a:font script="Gujr" typeface="Shruti"/>
+        <a:font script="Khmr" typeface="DaunPenh"/>
+        <a:font script="Knda" typeface="Tunga"/>
+        <a:font script="Guru" typeface="Raavi"/>
+        <a:font script="Cans" typeface="Euphemia"/>
+        <a:font script="Cher" typeface="Plantagenet Cherokee"/>
+        <a:font script="Yiii" typeface="Microsoft Yi Baiti"/>
+        <a:font script="Tibt" typeface="Microsoft Himalaya"/>
+        <a:font script="Thaa" typeface="MV Boli"/>
+        <a:font script="Deva" typeface="Mangal"/>
+        <a:font script="Telu" typeface="Gautami"/>
+        <a:font script="Taml" typeface="Latha"/>
+        <a:font script="Syrc" typeface="Estrangelo Edessa"/>
+        <a:font script="Orya" typeface="Kalinga"/>
+        <a:font script="Mlym" typeface="Kartika"/>
+        <a:font script="Laoo" typeface="DokChampa"/>
+        <a:font script="Sinh" typeface="Iskoola Pota"/>
+        <a:font script="Mong" typeface="Mongolian Baiti"/>
+        <a:font script="Viet" typeface="Arial"/>
+        <a:font script="Uigh" typeface="Microsoft Uighur"/>
+        <a:font script="Geor" typeface="Sylfaen"/>
+        <a:font script="Armn" typeface="Arial"/>
+        <a:font script="Bugi" typeface="Leelawadee UI"/>
+        <a:font script="Bopo" typeface="Microsoft JhengHei"/>
+        <a:font script="Java" typeface="Javanese Text"/>
+        <a:font script="Lisu" typeface="Segoe UI"/>
+        <a:font script="Mymr" typeface="Myanmar Text"/>
+        <a:font script="Nkoo" typeface="Ebrima"/>
+        <a:font script="Olck" typeface="Nirmala UI"/>
+        <a:font script="Osma" typeface="Ebrima"/>
+        <a:font script="Phag" typeface="Phagspa"/>
+        <a:font script="Syrn" typeface="Estrangelo Edessa"/>
+        <a:font script="Syrj" typeface="Estrangelo Edessa"/>
+        <a:font script="Syre" typeface="Estrangelo Edessa"/>
+        <a:font script="Sora" typeface="Nirmala UI"/>
+        <a:font script="Tale" typeface="Microsoft Tai Le"/>
+        <a:font script="Talu" typeface="Microsoft New Tai Lue"/>
+        <a:font script="Tfng" typeface="Ebrima"/>
+      </a:minorFont>
+    </a:fontScheme>
+    <a:fmtScheme name="Office">
+      <a:fillStyleLst>
+        <a:solidFill>
+          <a:schemeClr val="phClr"/>
+        </a:solidFill>
+        <a:gradFill rotWithShape="1">
+          <a:gsLst>
+            <a:gs pos="0">
+              <a:schemeClr val="phClr">
+                <a:lumMod val="110000"/>
+                <a:satMod val="105000"/>
+                <a:tint val="67000"/>
+              </a:schemeClr>
+            </a:gs>
+            <a:gs pos="50000">
+              <a:schemeClr val="phClr">
+                <a:lumMod val="105000"/>
+                <a:satMod val="103000"/>
+                <a:tint val="73000"/>
+              </a:schemeClr>
+            </a:gs>
+            <a:gs pos="100000">
+              <a:schemeClr val="phClr">
+                <a:lumMod val="105000"/>
+                <a:satMod val="109000"/>
+                <a:tint val="81000"/>
+              </a:schemeClr>
+            </a:gs>
+          </a:gsLst>
+          <a:lin ang="5400000" scaled="0"/>
+        </a:gradFill>
+        <a:gradFill rotWithShape="1">
+          <a:gsLst>
+            <a:gs pos="0">
+              <a:schemeClr val="phClr">
+                <a:satMod val="103000"/>
+                <a:lumMod val="102000"/>
+                <a:tint val="94000"/>
+              </a:schemeClr>
+            </a:gs>
+            <a:gs pos="50000">
+              <a:schemeClr val="phClr">
+                <a:satMod val="110000"/>
+                <a:lumMod val="100000"/>
+                <a:shade val="100000"/>
+              </a:schemeClr>
+            </a:gs>
+            <a:gs pos="100000">
+              <a:schemeClr val="phClr">
+                <a:lumMod val="99000"/>
+                <a:satMod val="120000"/>
+                <a:shade val="78000"/>
+              </a:schemeClr>
+            </a:gs>
+          </a:gsLst>
+          <a:lin ang="5400000" scaled="0"/>
+        </a:gradFill>
+      </a:fillStyleLst>
+      <a:lnStyleLst>
+        <a:ln w="6350" cap="flat" cmpd="sng" algn="ctr">
+          <a:solidFill>
+            <a:schemeClr val="phClr"/>
+          </a:solidFill>
+          <a:prstDash val="solid"/>
+          <a:miter lim="800000"/>
+        </a:ln>
+        <a:ln w="12700" cap="flat" cmpd="sng" algn="ctr">
+          <a:solidFill>
+            <a:schemeClr val="phClr"/>
+          </a:solidFill>
+          <a:prstDash val="solid"/>
+          <a:miter lim="800000"/>
+        </a:ln>
+        <a:ln w="19050" cap="flat" cmpd="sng" algn="ctr">
+          <a:solidFill>
+            <a:schemeClr val="phClr"/>
+          </a:solidFill>
+          <a:prstDash val="solid"/>
+          <a:miter lim="800000"/>
+        </a:ln>
+      </a:lnStyleLst>
+      <a:effectStyleLst>
+        <a:effectStyle>
+          <a:effectLst/>
+        </a:effectStyle>
+        <a:effectStyle>
+          <a:effectLst/>
+        </a:effectStyle>
+        <a:effectStyle>
+          <a:effectLst>
+            <a:outerShdw blurRad="57150" dist="19050" dir="5400000" algn="ctr" rotWithShape="0">
+              <a:srgbClr val="000000">
+                <a:alpha val="63000"/>
+              </a:srgbClr>
+            </a:outerShdw>
+          </a:effectLst>
+        </a:effectStyle>
+      </a:effectStyleLst>
+      <a:bgFillStyleLst>
+        <a:solidFill>
+          <a:schemeClr val="phClr"/>
+        </a:solidFill>
+        <a:solidFill>
+          <a:schemeClr val="phClr">
+            <a:tint val="95000"/>
+            <a:satMod val="170000"/>
+          </a:schemeClr>
+        </a:solidFill>
+        <a:gradFill rotWithShape="1">
+          <a:gsLst>
+            <a:gs pos="0">
+              <a:schemeClr val="phClr">
+                <a:tint val="93000"/>
+                <a:satMod val="150000"/>
+                <a:shade val="98000"/>
+                <a:lumMod val="102000"/>
+              </a:schemeClr>
+            </a:gs>
+            <a:gs pos="50000">
+              <a:schemeClr val="phClr">
+                <a:tint val="98000"/>
+                <a:satMod val="130000"/>
+                <a:shade val="90000"/>
+                <a:lumMod val="103000"/>
+              </a:schemeClr>
+            </a:gs>
+            <a:gs pos="100000">
+              <a:schemeClr val="phClr">
+                <a:shade val="63000"/>
+                <a:satMod val="120000"/>
+              </a:schemeClr>
+            </a:gs>
+          </a:gsLst>
+          <a:lin ang="5400000" scaled="0"/>
+        </a:gradFill>
+      </a:bgFillStyleLst>
+    </a:fmtScheme>
+  </a:themeElements>
+  <a:objectDefaults/>
+  <a:extraClrSchemeLst/>
+  <a:extLst>
+    <a:ext uri="{05A4C25C-085E-4340-85A3-A5531E510DB2}">
+      <thm15:themeFamily xmlns:thm15="http://schemas.microsoft.com/office/thememl/2012/main" name="Office Theme" id="{62F939B6-93AF-4DB8-9C6B-D6C7DFDC589F}" vid="{4A3C46E8-61CC-4603-A589-7422A47A8E4A}"/>
+    </a:ext>
+  </a:extLst>
+</a:theme>
+</file>
+
 <file path=customXml/item1.xml><?xml version="1.0" encoding="utf-8"?>
+<p:properties xmlns:p="http://schemas.microsoft.com/office/2006/metadata/properties" xmlns:xsi="http://www.w3.org/2001/XMLSchema-instance" xmlns:pc="http://schemas.microsoft.com/office/infopath/2007/PartnerControls">
+  <documentManagement>
+    <ReferenceId xmlns="5afde73b-c052-4a2c-91af-a4a96b1c852e" xsi:nil="true"/>
+  </documentManagement>
+</p:properties>
+</file>
+
+<file path=customXml/item2.xml><?xml version="1.0" encoding="utf-8"?>
 <?mso-contentType ?>
 <FormTemplates xmlns="http://schemas.microsoft.com/sharepoint/v3/contenttype/forms">
   <Display>DocumentLibraryForm</Display>
   <Edit>DocumentLibraryForm</Edit>
   <New>DocumentLibraryForm</New>
 </FormTemplates>
-</file>
-
-<file path=customXml/item2.xml><?xml version="1.0" encoding="utf-8"?>
-<p:properties xmlns:p="http://schemas.microsoft.com/office/2006/metadata/properties" xmlns:xsi="http://www.w3.org/2001/XMLSchema-instance" xmlns:pc="http://schemas.microsoft.com/office/infopath/2007/PartnerControls">
-  <documentManagement>
-    <ReferenceId xmlns="5afde73b-c052-4a2c-91af-a4a96b1c852e" xsi:nil="true"/>
-  </documentManagement>
-</p:properties>
 </file>
 
 <file path=customXml/item3.xml><?xml version="1.0" encoding="utf-8"?>
@@ -13140,19 +14005,19 @@
 </file>
 
 <file path=customXml/itemProps1.xml><?xml version="1.0" encoding="utf-8"?>
-<ds:datastoreItem xmlns:ds="http://schemas.openxmlformats.org/officeDocument/2006/customXml" ds:itemID="{FA6D68B5-D09C-4E43-BD92-234AB126FBE8}">
+<ds:datastoreItem xmlns:ds="http://schemas.openxmlformats.org/officeDocument/2006/customXml" ds:itemID="{7E7396D5-7FDD-48EF-934B-C4568981EB07}">
   <ds:schemaRefs>
-    <ds:schemaRef ds:uri="http://schemas.microsoft.com/sharepoint/v3/contenttype/forms"/>
+    <ds:schemaRef ds:uri="http://schemas.microsoft.com/office/2006/metadata/properties"/>
+    <ds:schemaRef ds:uri="http://schemas.microsoft.com/office/infopath/2007/PartnerControls"/>
+    <ds:schemaRef ds:uri="5afde73b-c052-4a2c-91af-a4a96b1c852e"/>
   </ds:schemaRefs>
 </ds:datastoreItem>
 </file>
 
 <file path=customXml/itemProps2.xml><?xml version="1.0" encoding="utf-8"?>
-<ds:datastoreItem xmlns:ds="http://schemas.openxmlformats.org/officeDocument/2006/customXml" ds:itemID="{7E7396D5-7FDD-48EF-934B-C4568981EB07}">
+<ds:datastoreItem xmlns:ds="http://schemas.openxmlformats.org/officeDocument/2006/customXml" ds:itemID="{FA6D68B5-D09C-4E43-BD92-234AB126FBE8}">
   <ds:schemaRefs>
-    <ds:schemaRef ds:uri="http://schemas.microsoft.com/office/2006/metadata/properties"/>
-    <ds:schemaRef ds:uri="http://schemas.microsoft.com/office/infopath/2007/PartnerControls"/>
-    <ds:schemaRef ds:uri="5afde73b-c052-4a2c-91af-a4a96b1c852e"/>
+    <ds:schemaRef ds:uri="http://schemas.microsoft.com/sharepoint/v3/contenttype/forms"/>
   </ds:schemaRefs>
 </ds:datastoreItem>
 </file>

--- a/mestermunka/orai/Dokumentacio/mestermunka_ppt.pptx
+++ b/mestermunka/orai/Dokumentacio/mestermunka_ppt.pptx
@@ -5,7 +5,7 @@
     <p:sldMasterId id="2147483660" r:id="rId4"/>
   </p:sldMasterIdLst>
   <p:notesMasterIdLst>
-    <p:notesMasterId r:id="rId27"/>
+    <p:notesMasterId r:id="rId26"/>
   </p:notesMasterIdLst>
   <p:sldIdLst>
     <p:sldId id="256" r:id="rId5"/>
@@ -23,13 +23,12 @@
     <p:sldId id="268" r:id="rId17"/>
     <p:sldId id="270" r:id="rId18"/>
     <p:sldId id="269" r:id="rId19"/>
-    <p:sldId id="273" r:id="rId20"/>
-    <p:sldId id="271" r:id="rId21"/>
-    <p:sldId id="274" r:id="rId22"/>
-    <p:sldId id="275" r:id="rId23"/>
-    <p:sldId id="276" r:id="rId24"/>
-    <p:sldId id="277" r:id="rId25"/>
-    <p:sldId id="278" r:id="rId26"/>
+    <p:sldId id="271" r:id="rId20"/>
+    <p:sldId id="274" r:id="rId21"/>
+    <p:sldId id="275" r:id="rId22"/>
+    <p:sldId id="276" r:id="rId23"/>
+    <p:sldId id="277" r:id="rId24"/>
+    <p:sldId id="278" r:id="rId25"/>
   </p:sldIdLst>
   <p:sldSz cx="12192000" cy="6858000"/>
   <p:notesSz cx="6858000" cy="9144000"/>
@@ -226,7 +225,7 @@
           <a:p>
             <a:fld id="{A38B292F-B067-4868-A3A8-21D0FA923CF3}" type="datetimeFigureOut">
               <a:rPr lang="hu-HU" smtClean="0"/>
-              <a:t>2025. 04. 15.</a:t>
+              <a:t>2025. 04. 20.</a:t>
             </a:fld>
             <a:endParaRPr lang="hu-HU"/>
           </a:p>
@@ -537,7 +536,34 @@
           <a:bodyPr/>
           <a:lstStyle/>
           <a:p>
-            <a:endParaRPr lang="hu-HU" dirty="0"/>
+            <a:r>
+              <a:rPr lang="hu-HU" b="1" dirty="0">
+                <a:solidFill>
+                  <a:srgbClr val="FF0000"/>
+                </a:solidFill>
+              </a:rPr>
+              <a:t>Patrik:</a:t>
+            </a:r>
+          </a:p>
+          <a:p>
+            <a:r>
+              <a:rPr lang="hu-HU" b="1" dirty="0">
+                <a:solidFill>
+                  <a:srgbClr val="FF0000"/>
+                </a:solidFill>
+              </a:rPr>
+              <a:t>Következő dia: </a:t>
+            </a:r>
+            <a:r>
+              <a:rPr lang="hu-HU" dirty="0"/>
+              <a:t>A probléma amihez mi készítettünk egy weboldalt és programot az az volt, hogy egy egységes felületet készítsünk egy játékos community (társaság) számára és nem akartunk egy létező munkát felhasználni erre.</a:t>
+            </a:r>
+          </a:p>
+          <a:p>
+            <a:r>
+              <a:rPr lang="hu-HU" dirty="0"/>
+              <a:t>Ezért mi egy saját játékot létrehoztunk a semmiből egy egységes egyszerű weboldallal együtt aminek a célja, hogy segítsen egy felületet adni csak nekik és kisegítsen a játékkal is magyarázatokkal.</a:t>
+            </a:r>
           </a:p>
         </p:txBody>
       </p:sp>
@@ -558,7 +584,7 @@
           <a:p>
             <a:fld id="{2EEF7A15-0025-40CF-92E3-A818782F416C}" type="slidenum">
               <a:rPr lang="hu-HU" smtClean="0"/>
-              <a:t>2</a:t>
+              <a:t>1</a:t>
             </a:fld>
             <a:endParaRPr lang="hu-HU"/>
           </a:p>
@@ -567,7 +593,342 @@
     </p:spTree>
     <p:extLst>
       <p:ext uri="{BB962C8B-B14F-4D97-AF65-F5344CB8AC3E}">
-        <p14:creationId xmlns:p14="http://schemas.microsoft.com/office/powerpoint/2010/main" val="26838030"/>
+        <p14:creationId xmlns:p14="http://schemas.microsoft.com/office/powerpoint/2010/main" val="3285889278"/>
+      </p:ext>
+    </p:extLst>
+  </p:cSld>
+  <p:clrMapOvr>
+    <a:masterClrMapping/>
+  </p:clrMapOvr>
+</p:notes>
+</file>
+
+<file path=ppt/notesSlides/notesSlide10.xml><?xml version="1.0" encoding="utf-8"?>
+<p:notes xmlns:a="http://schemas.openxmlformats.org/drawingml/2006/main" xmlns:r="http://schemas.openxmlformats.org/officeDocument/2006/relationships" xmlns:p="http://schemas.openxmlformats.org/presentationml/2006/main">
+  <p:cSld>
+    <p:spTree>
+      <p:nvGrpSpPr>
+        <p:cNvPr id="1" name=""/>
+        <p:cNvGrpSpPr/>
+        <p:nvPr/>
+      </p:nvGrpSpPr>
+      <p:grpSpPr>
+        <a:xfrm>
+          <a:off x="0" y="0"/>
+          <a:ext cx="0" cy="0"/>
+          <a:chOff x="0" y="0"/>
+          <a:chExt cx="0" cy="0"/>
+        </a:xfrm>
+      </p:grpSpPr>
+      <p:sp>
+        <p:nvSpPr>
+          <p:cNvPr id="2" name="Diakép helye 1"/>
+          <p:cNvSpPr>
+            <a:spLocks noGrp="1" noRot="1" noChangeAspect="1"/>
+          </p:cNvSpPr>
+          <p:nvPr>
+            <p:ph type="sldImg"/>
+          </p:nvPr>
+        </p:nvSpPr>
+        <p:spPr/>
+      </p:sp>
+      <p:sp>
+        <p:nvSpPr>
+          <p:cNvPr id="3" name="Jegyzetek helye 2"/>
+          <p:cNvSpPr>
+            <a:spLocks noGrp="1"/>
+          </p:cNvSpPr>
+          <p:nvPr>
+            <p:ph type="body" idx="1"/>
+          </p:nvPr>
+        </p:nvSpPr>
+        <p:spPr/>
+        <p:txBody>
+          <a:bodyPr/>
+          <a:lstStyle/>
+          <a:p>
+            <a:r>
+              <a:rPr lang="hu-HU" b="1" dirty="0"/>
+              <a:t>Patrik:</a:t>
+            </a:r>
+          </a:p>
+          <a:p>
+            <a:r>
+              <a:rPr lang="hu-HU" b="0" dirty="0"/>
+              <a:t>A játékot a Visual studio 2022 használatával hoztam létre c# nyelven a wpf app (.net framework) sablon használatál a .net 4.8-as verziójában. A játék képes az adatbázishoz kapcsolva felhasználói fiók ellenőrzésre és kezelésre.</a:t>
+            </a:r>
+          </a:p>
+          <a:p>
+            <a:endParaRPr lang="hu-HU" b="0" dirty="0"/>
+          </a:p>
+          <a:p>
+            <a:r>
+              <a:rPr lang="hu-HU" b="1" dirty="0"/>
+              <a:t>Ámon/Tamás:</a:t>
+            </a:r>
+          </a:p>
+          <a:p>
+            <a:r>
+              <a:rPr lang="hu-HU" b="1" dirty="0"/>
+              <a:t>Következő dia: </a:t>
+            </a:r>
+            <a:r>
+              <a:rPr lang="hu-HU" b="0" dirty="0"/>
+              <a:t>A jelenlegi weboldal reszponzivitása még nincs kész teljesen, mert a weboldalnak minden oldala sincs még kész, de vannak reszponzív elemek, mint például a dungeon book a bejelentkezés utáni főoldalon egy digitális könyvvé válik telefon méretezéssel.</a:t>
+            </a:r>
+            <a:endParaRPr lang="hu-HU" b="1" dirty="0"/>
+          </a:p>
+        </p:txBody>
+      </p:sp>
+      <p:sp>
+        <p:nvSpPr>
+          <p:cNvPr id="4" name="Dia számának helye 3"/>
+          <p:cNvSpPr>
+            <a:spLocks noGrp="1"/>
+          </p:cNvSpPr>
+          <p:nvPr>
+            <p:ph type="sldNum" sz="quarter" idx="5"/>
+          </p:nvPr>
+        </p:nvSpPr>
+        <p:spPr/>
+        <p:txBody>
+          <a:bodyPr/>
+          <a:lstStyle/>
+          <a:p>
+            <a:fld id="{2EEF7A15-0025-40CF-92E3-A818782F416C}" type="slidenum">
+              <a:rPr lang="hu-HU" smtClean="0"/>
+              <a:t>10</a:t>
+            </a:fld>
+            <a:endParaRPr lang="hu-HU"/>
+          </a:p>
+        </p:txBody>
+      </p:sp>
+    </p:spTree>
+    <p:extLst>
+      <p:ext uri="{BB962C8B-B14F-4D97-AF65-F5344CB8AC3E}">
+        <p14:creationId xmlns:p14="http://schemas.microsoft.com/office/powerpoint/2010/main" val="555899116"/>
+      </p:ext>
+    </p:extLst>
+  </p:cSld>
+  <p:clrMapOvr>
+    <a:masterClrMapping/>
+  </p:clrMapOvr>
+</p:notes>
+</file>
+
+<file path=ppt/notesSlides/notesSlide11.xml><?xml version="1.0" encoding="utf-8"?>
+<p:notes xmlns:a="http://schemas.openxmlformats.org/drawingml/2006/main" xmlns:r="http://schemas.openxmlformats.org/officeDocument/2006/relationships" xmlns:p="http://schemas.openxmlformats.org/presentationml/2006/main">
+  <p:cSld>
+    <p:spTree>
+      <p:nvGrpSpPr>
+        <p:cNvPr id="1" name=""/>
+        <p:cNvGrpSpPr/>
+        <p:nvPr/>
+      </p:nvGrpSpPr>
+      <p:grpSpPr>
+        <a:xfrm>
+          <a:off x="0" y="0"/>
+          <a:ext cx="0" cy="0"/>
+          <a:chOff x="0" y="0"/>
+          <a:chExt cx="0" cy="0"/>
+        </a:xfrm>
+      </p:grpSpPr>
+      <p:sp>
+        <p:nvSpPr>
+          <p:cNvPr id="2" name="Diakép helye 1"/>
+          <p:cNvSpPr>
+            <a:spLocks noGrp="1" noRot="1" noChangeAspect="1"/>
+          </p:cNvSpPr>
+          <p:nvPr>
+            <p:ph type="sldImg"/>
+          </p:nvPr>
+        </p:nvSpPr>
+        <p:spPr/>
+      </p:sp>
+      <p:sp>
+        <p:nvSpPr>
+          <p:cNvPr id="3" name="Jegyzetek helye 2"/>
+          <p:cNvSpPr>
+            <a:spLocks noGrp="1"/>
+          </p:cNvSpPr>
+          <p:nvPr>
+            <p:ph type="body" idx="1"/>
+          </p:nvPr>
+        </p:nvSpPr>
+        <p:spPr/>
+        <p:txBody>
+          <a:bodyPr/>
+          <a:lstStyle/>
+          <a:p>
+            <a:r>
+              <a:rPr lang="hu-HU" b="1" dirty="0"/>
+              <a:t>Ámon/Tamás:</a:t>
+            </a:r>
+          </a:p>
+          <a:p>
+            <a:r>
+              <a:rPr lang="hu-HU" b="0" dirty="0"/>
+              <a:t>A jelenlegi weboldal reszponzivitása még nincs kész teljesen, mert a weboldalnak minden oldala sincs még kész, de vannak reszponzív elemek, mint például a dungeon book a bejelentkezés utáni főoldalon egy digitális könyvvé válik telefon méretezéssel.</a:t>
+            </a:r>
+            <a:endParaRPr lang="hu-HU" b="1" dirty="0"/>
+          </a:p>
+          <a:p>
+            <a:endParaRPr lang="hu-HU" dirty="0"/>
+          </a:p>
+          <a:p>
+            <a:r>
+              <a:rPr lang="hu-HU" b="1" dirty="0"/>
+              <a:t>Valaki:</a:t>
+            </a:r>
+          </a:p>
+          <a:p>
+            <a:r>
+              <a:rPr lang="hu-HU" b="1" dirty="0"/>
+              <a:t>Következő dia:</a:t>
+            </a:r>
+            <a:r>
+              <a:rPr lang="hu-HU" b="0" dirty="0"/>
+              <a:t> A testeléseket manuálisan készítettük miközben dolgoztunk a saját részeinken futtatással és egy iskolai és localhost adatbázis használatával.</a:t>
+            </a:r>
+          </a:p>
+        </p:txBody>
+      </p:sp>
+      <p:sp>
+        <p:nvSpPr>
+          <p:cNvPr id="4" name="Dia számának helye 3"/>
+          <p:cNvSpPr>
+            <a:spLocks noGrp="1"/>
+          </p:cNvSpPr>
+          <p:nvPr>
+            <p:ph type="sldNum" sz="quarter" idx="5"/>
+          </p:nvPr>
+        </p:nvSpPr>
+        <p:spPr/>
+        <p:txBody>
+          <a:bodyPr/>
+          <a:lstStyle/>
+          <a:p>
+            <a:fld id="{2EEF7A15-0025-40CF-92E3-A818782F416C}" type="slidenum">
+              <a:rPr lang="hu-HU" smtClean="0"/>
+              <a:t>11</a:t>
+            </a:fld>
+            <a:endParaRPr lang="hu-HU"/>
+          </a:p>
+        </p:txBody>
+      </p:sp>
+    </p:spTree>
+    <p:extLst>
+      <p:ext uri="{BB962C8B-B14F-4D97-AF65-F5344CB8AC3E}">
+        <p14:creationId xmlns:p14="http://schemas.microsoft.com/office/powerpoint/2010/main" val="3761164055"/>
+      </p:ext>
+    </p:extLst>
+  </p:cSld>
+  <p:clrMapOvr>
+    <a:masterClrMapping/>
+  </p:clrMapOvr>
+</p:notes>
+</file>
+
+<file path=ppt/notesSlides/notesSlide12.xml><?xml version="1.0" encoding="utf-8"?>
+<p:notes xmlns:a="http://schemas.openxmlformats.org/drawingml/2006/main" xmlns:r="http://schemas.openxmlformats.org/officeDocument/2006/relationships" xmlns:p="http://schemas.openxmlformats.org/presentationml/2006/main">
+  <p:cSld>
+    <p:spTree>
+      <p:nvGrpSpPr>
+        <p:cNvPr id="1" name=""/>
+        <p:cNvGrpSpPr/>
+        <p:nvPr/>
+      </p:nvGrpSpPr>
+      <p:grpSpPr>
+        <a:xfrm>
+          <a:off x="0" y="0"/>
+          <a:ext cx="0" cy="0"/>
+          <a:chOff x="0" y="0"/>
+          <a:chExt cx="0" cy="0"/>
+        </a:xfrm>
+      </p:grpSpPr>
+      <p:sp>
+        <p:nvSpPr>
+          <p:cNvPr id="2" name="Diakép helye 1"/>
+          <p:cNvSpPr>
+            <a:spLocks noGrp="1" noRot="1" noChangeAspect="1"/>
+          </p:cNvSpPr>
+          <p:nvPr>
+            <p:ph type="sldImg"/>
+          </p:nvPr>
+        </p:nvSpPr>
+        <p:spPr/>
+      </p:sp>
+      <p:sp>
+        <p:nvSpPr>
+          <p:cNvPr id="3" name="Jegyzetek helye 2"/>
+          <p:cNvSpPr>
+            <a:spLocks noGrp="1"/>
+          </p:cNvSpPr>
+          <p:nvPr>
+            <p:ph type="body" idx="1"/>
+          </p:nvPr>
+        </p:nvSpPr>
+        <p:spPr/>
+        <p:txBody>
+          <a:bodyPr/>
+          <a:lstStyle/>
+          <a:p>
+            <a:r>
+              <a:rPr lang="hu-HU" b="1" dirty="0"/>
+              <a:t>Valaki:</a:t>
+            </a:r>
+          </a:p>
+          <a:p>
+            <a:r>
+              <a:rPr lang="hu-HU" b="0" dirty="0"/>
+              <a:t>A testeléseket manuálisan készítettük miközben dolgoztunk a saját részeinken futtatással és egy iskolai és localhost adatbázis használatával.</a:t>
+            </a:r>
+          </a:p>
+          <a:p>
+            <a:endParaRPr lang="hu-HU" b="0" dirty="0"/>
+          </a:p>
+          <a:p>
+            <a:r>
+              <a:rPr lang="hu-HU" b="1" dirty="0"/>
+              <a:t>Valaki:</a:t>
+            </a:r>
+          </a:p>
+          <a:p>
+            <a:r>
+              <a:rPr lang="hu-HU" b="1" dirty="0"/>
+              <a:t>Következő dia: The rest is Freestyle idk what to put there.</a:t>
+            </a:r>
+            <a:endParaRPr lang="hu-HU" b="0" dirty="0"/>
+          </a:p>
+        </p:txBody>
+      </p:sp>
+      <p:sp>
+        <p:nvSpPr>
+          <p:cNvPr id="4" name="Dia számának helye 3"/>
+          <p:cNvSpPr>
+            <a:spLocks noGrp="1"/>
+          </p:cNvSpPr>
+          <p:nvPr>
+            <p:ph type="sldNum" sz="quarter" idx="5"/>
+          </p:nvPr>
+        </p:nvSpPr>
+        <p:spPr/>
+        <p:txBody>
+          <a:bodyPr/>
+          <a:lstStyle/>
+          <a:p>
+            <a:fld id="{2EEF7A15-0025-40CF-92E3-A818782F416C}" type="slidenum">
+              <a:rPr lang="hu-HU" smtClean="0"/>
+              <a:t>12</a:t>
+            </a:fld>
+            <a:endParaRPr lang="hu-HU"/>
+          </a:p>
+        </p:txBody>
+      </p:sp>
+    </p:spTree>
+    <p:extLst>
+      <p:ext uri="{BB962C8B-B14F-4D97-AF65-F5344CB8AC3E}">
+        <p14:creationId xmlns:p14="http://schemas.microsoft.com/office/powerpoint/2010/main" val="414715642"/>
       </p:ext>
     </p:extLst>
   </p:cSld>
@@ -622,6 +983,54 @@
           <a:lstStyle/>
           <a:p>
             <a:r>
+              <a:rPr lang="hu-HU" b="1" dirty="0"/>
+              <a:t>Patrik:</a:t>
+            </a:r>
+          </a:p>
+          <a:p>
+            <a:r>
+              <a:rPr lang="hu-HU" dirty="0"/>
+              <a:t>A probléma amihez mi készítettünk egy weboldalt és programot az az volt, hogy egy egységes felületet készítsünk egy játékos community (társaság) számára és nem akartunk egy létező munkát felhasználni erre.</a:t>
+            </a:r>
+          </a:p>
+          <a:p>
+            <a:r>
+              <a:rPr lang="hu-HU" dirty="0"/>
+              <a:t>Ezért mi egy saját játékot létrehoztunk a semmiből egy egységes egyszerű weboldallal együtt aminek a célja, hogy segítsen egy felületet adni csak nekik és kisegítsen a játékkal is magyarázatokkal.</a:t>
+            </a:r>
+          </a:p>
+          <a:p>
+            <a:endParaRPr lang="hu-HU" dirty="0"/>
+          </a:p>
+          <a:p>
+            <a:r>
+              <a:rPr lang="hu-HU" b="1" dirty="0"/>
+              <a:t>Ámon/Tamás:</a:t>
+            </a:r>
+          </a:p>
+          <a:p>
+            <a:pPr marL="0" marR="0" lvl="0" indent="0" algn="l" defTabSz="914400" rtl="0" eaLnBrk="1" fontAlgn="auto" latinLnBrk="0" hangingPunct="1">
+              <a:lnSpc>
+                <a:spcPct val="100000"/>
+              </a:lnSpc>
+              <a:spcBef>
+                <a:spcPts val="0"/>
+              </a:spcBef>
+              <a:spcAft>
+                <a:spcPts val="0"/>
+              </a:spcAft>
+              <a:buClrTx/>
+              <a:buSzTx/>
+              <a:buFontTx/>
+              <a:buNone/>
+              <a:tabLst/>
+              <a:defRPr/>
+            </a:pPr>
+            <a:r>
+              <a:rPr lang="hu-HU" b="1" dirty="0"/>
+              <a:t>Következő dia: </a:t>
+            </a:r>
+            <a:r>
               <a:rPr lang="hu-HU" dirty="0"/>
               <a:t>A Weboldal tartalmaz Regisztrációs és Bejelentkezős funkciókat valamint Olvasni, Tanulni és Letölteni is lehet!</a:t>
             </a:r>
@@ -645,7 +1054,7 @@
           <a:p>
             <a:fld id="{2EEF7A15-0025-40CF-92E3-A818782F416C}" type="slidenum">
               <a:rPr lang="hu-HU" smtClean="0"/>
-              <a:t>3</a:t>
+              <a:t>2</a:t>
             </a:fld>
             <a:endParaRPr lang="hu-HU"/>
           </a:p>
@@ -654,7 +1063,7 @@
     </p:spTree>
     <p:extLst>
       <p:ext uri="{BB962C8B-B14F-4D97-AF65-F5344CB8AC3E}">
-        <p14:creationId xmlns:p14="http://schemas.microsoft.com/office/powerpoint/2010/main" val="3026134179"/>
+        <p14:creationId xmlns:p14="http://schemas.microsoft.com/office/powerpoint/2010/main" val="26838030"/>
       </p:ext>
     </p:extLst>
   </p:cSld>
@@ -709,65 +1118,53 @@
           <a:lstStyle/>
           <a:p>
             <a:r>
+              <a:rPr lang="hu-HU" b="1" dirty="0"/>
+              <a:t>Ámon/Tamás:</a:t>
+            </a:r>
+            <a:endParaRPr lang="hu-HU" dirty="0"/>
+          </a:p>
+          <a:p>
+            <a:r>
               <a:rPr lang="hu-HU" dirty="0"/>
-              <a:t>A háttérrendszert a </a:t>
-            </a:r>
+              <a:t>A Weboldal tartalmaz Regisztrációs és Bejelentkezős funkciókat valamint Olvasni, Tanulni és Letölteni is lehet!</a:t>
+            </a:r>
+          </a:p>
+          <a:p>
+            <a:endParaRPr lang="hu-HU" b="1" dirty="0"/>
+          </a:p>
+          <a:p>
             <a:r>
               <a:rPr lang="hu-HU" b="1" dirty="0"/>
-              <a:t>Node.js</a:t>
-            </a:r>
-            <a:r>
-              <a:rPr lang="hu-HU" dirty="0"/>
-              <a:t> és az </a:t>
-            </a:r>
+              <a:t>Patrik:</a:t>
+            </a:r>
+          </a:p>
+          <a:p>
+            <a:pPr marL="0" marR="0" lvl="0" indent="0" algn="l" defTabSz="914400" rtl="0" eaLnBrk="1" fontAlgn="auto" latinLnBrk="0" hangingPunct="1">
+              <a:lnSpc>
+                <a:spcPct val="100000"/>
+              </a:lnSpc>
+              <a:spcBef>
+                <a:spcPts val="0"/>
+              </a:spcBef>
+              <a:spcAft>
+                <a:spcPts val="0"/>
+              </a:spcAft>
+              <a:buClrTx/>
+              <a:buSzTx/>
+              <a:buFontTx/>
+              <a:buNone/>
+              <a:tabLst/>
+              <a:defRPr/>
+            </a:pPr>
             <a:r>
               <a:rPr lang="hu-HU" b="1" dirty="0"/>
-              <a:t>Express</a:t>
-            </a:r>
-            <a:r>
-              <a:rPr lang="hu-HU" dirty="0"/>
-              <a:t> keretrendszer kezeli. Az </a:t>
-            </a:r>
-            <a:r>
-              <a:rPr lang="hu-HU" b="1" dirty="0"/>
-              <a:t>CORS</a:t>
-            </a:r>
-            <a:r>
-              <a:rPr lang="hu-HU" dirty="0"/>
-              <a:t> és a </a:t>
-            </a:r>
-            <a:r>
-              <a:rPr lang="hu-HU" b="1" dirty="0"/>
-              <a:t>body-parser</a:t>
-            </a:r>
-            <a:r>
-              <a:rPr lang="hu-HU" dirty="0"/>
-              <a:t> csomagok biztosítják a kliens és a szerver közti kommunikációt. A </a:t>
-            </a:r>
-            <a:r>
-              <a:rPr lang="hu-HU" b="1" dirty="0"/>
-              <a:t>MySQL2</a:t>
-            </a:r>
-            <a:r>
-              <a:rPr lang="hu-HU" dirty="0"/>
-              <a:t> csomag segítségével történik a kapcsolat az adatbázissal. A </a:t>
-            </a:r>
-            <a:r>
-              <a:rPr lang="hu-HU" b="1" dirty="0" err="1"/>
-              <a:t>bcrypt</a:t>
-            </a:r>
-            <a:r>
-              <a:rPr lang="hu-HU" dirty="0"/>
-              <a:t> algoritmus gondoskodik a jelszavak biztonságos </a:t>
-            </a:r>
-            <a:r>
-              <a:rPr lang="hu-HU" dirty="0" err="1"/>
-              <a:t>hash-eléséről</a:t>
-            </a:r>
-            <a:r>
-              <a:rPr lang="hu-HU" dirty="0"/>
-              <a:t> regisztráció és bejelentkezés során.</a:t>
-            </a:r>
+              <a:t>Következő dia: </a:t>
+            </a:r>
+            <a:r>
+              <a:rPr lang="hu-HU" b="0" dirty="0"/>
+              <a:t>A programunk négy fő részre bontható Backend, Frontend, adatbázis és asztali alkalmazás/játék amiket külön is részleteztünk.</a:t>
+            </a:r>
+            <a:endParaRPr lang="hu-HU" dirty="0"/>
           </a:p>
         </p:txBody>
       </p:sp>
@@ -788,7 +1185,7 @@
           <a:p>
             <a:fld id="{2EEF7A15-0025-40CF-92E3-A818782F416C}" type="slidenum">
               <a:rPr lang="hu-HU" smtClean="0"/>
-              <a:t>5</a:t>
+              <a:t>3</a:t>
             </a:fld>
             <a:endParaRPr lang="hu-HU"/>
           </a:p>
@@ -797,7 +1194,7 @@
     </p:spTree>
     <p:extLst>
       <p:ext uri="{BB962C8B-B14F-4D97-AF65-F5344CB8AC3E}">
-        <p14:creationId xmlns:p14="http://schemas.microsoft.com/office/powerpoint/2010/main" val="2929080901"/>
+        <p14:creationId xmlns:p14="http://schemas.microsoft.com/office/powerpoint/2010/main" val="3026134179"/>
       </p:ext>
     </p:extLst>
   </p:cSld>
@@ -851,10 +1248,129 @@
           <a:bodyPr/>
           <a:lstStyle/>
           <a:p>
+            <a:pPr marL="0" marR="0" lvl="0" indent="0" algn="l" defTabSz="914400" rtl="0" eaLnBrk="1" fontAlgn="auto" latinLnBrk="0" hangingPunct="1">
+              <a:lnSpc>
+                <a:spcPct val="100000"/>
+              </a:lnSpc>
+              <a:spcBef>
+                <a:spcPts val="0"/>
+              </a:spcBef>
+              <a:spcAft>
+                <a:spcPts val="0"/>
+              </a:spcAft>
+              <a:buClrTx/>
+              <a:buSzTx/>
+              <a:buFontTx/>
+              <a:buNone/>
+              <a:tabLst/>
+              <a:defRPr/>
+            </a:pPr>
+            <a:r>
+              <a:rPr lang="hu-HU" b="1" dirty="0"/>
+              <a:t>Patrik:</a:t>
+            </a:r>
+            <a:endParaRPr lang="hu-HU" b="0" dirty="0"/>
+          </a:p>
+          <a:p>
+            <a:r>
+              <a:rPr lang="hu-HU" b="0" dirty="0"/>
+              <a:t>A programunk négy fő részre bontható Backend, Frontend, adatbázis és asztali alkalmazás/játék amiket külön is részleteztünk.</a:t>
+            </a:r>
+          </a:p>
+          <a:p>
+            <a:endParaRPr lang="hu-HU" b="0" dirty="0"/>
+          </a:p>
+          <a:p>
+            <a:r>
+              <a:rPr lang="hu-HU" b="1" dirty="0"/>
+              <a:t>Tamás:</a:t>
+            </a:r>
+          </a:p>
+          <a:p>
+            <a:pPr marL="0" marR="0" lvl="0" indent="0" algn="l" defTabSz="914400" rtl="0" eaLnBrk="1" fontAlgn="auto" latinLnBrk="0" hangingPunct="1">
+              <a:lnSpc>
+                <a:spcPct val="100000"/>
+              </a:lnSpc>
+              <a:spcBef>
+                <a:spcPts val="0"/>
+              </a:spcBef>
+              <a:spcAft>
+                <a:spcPts val="0"/>
+              </a:spcAft>
+              <a:buClrTx/>
+              <a:buSzTx/>
+              <a:buFontTx/>
+              <a:buNone/>
+              <a:tabLst/>
+              <a:defRPr/>
+            </a:pPr>
+            <a:r>
+              <a:rPr lang="hu-HU" b="1" dirty="0"/>
+              <a:t>Következő dia: </a:t>
+            </a:r>
             <a:r>
               <a:rPr lang="hu-HU" dirty="0"/>
-              <a:t>Maga a frontend egy kezdőoldallal kezdődik, ami Ámon kollégám csinált. Jobb felső sarkában lehet bejelentkezni ha már van fiókunk. Ha nincs akkor egy fiókot kell készítenünk. </a:t>
-            </a:r>
+              <a:t>A háttérrendszert a </a:t>
+            </a:r>
+            <a:r>
+              <a:rPr lang="hu-HU" b="1" dirty="0"/>
+              <a:t>Node.js</a:t>
+            </a:r>
+            <a:r>
+              <a:rPr lang="hu-HU" dirty="0"/>
+              <a:t> és az </a:t>
+            </a:r>
+            <a:r>
+              <a:rPr lang="hu-HU" b="1" dirty="0"/>
+              <a:t>Express</a:t>
+            </a:r>
+            <a:r>
+              <a:rPr lang="hu-HU" dirty="0"/>
+              <a:t> keretrendszer kezeli. Az </a:t>
+            </a:r>
+            <a:r>
+              <a:rPr lang="hu-HU" b="1" dirty="0"/>
+              <a:t>CORS</a:t>
+            </a:r>
+            <a:r>
+              <a:rPr lang="hu-HU" dirty="0"/>
+              <a:t> és a </a:t>
+            </a:r>
+            <a:r>
+              <a:rPr lang="hu-HU" b="1" dirty="0"/>
+              <a:t>body-parser</a:t>
+            </a:r>
+            <a:r>
+              <a:rPr lang="hu-HU" dirty="0"/>
+              <a:t> csomagok biztosítják a kliens és a szerver közti kommunikációt. A </a:t>
+            </a:r>
+            <a:r>
+              <a:rPr lang="hu-HU" b="1" dirty="0"/>
+              <a:t>MySQL2</a:t>
+            </a:r>
+            <a:r>
+              <a:rPr lang="hu-HU" dirty="0"/>
+              <a:t> csomag segítségével történik a kapcsolat az adatbázissal. A </a:t>
+            </a:r>
+            <a:r>
+              <a:rPr lang="hu-HU" b="1" dirty="0" err="1"/>
+              <a:t>bcrypt</a:t>
+            </a:r>
+            <a:r>
+              <a:rPr lang="hu-HU" dirty="0"/>
+              <a:t> algoritmus gondoskodik a jelszavak biztonságos </a:t>
+            </a:r>
+            <a:r>
+              <a:rPr lang="hu-HU" dirty="0" err="1"/>
+              <a:t>hash-eléséről</a:t>
+            </a:r>
+            <a:r>
+              <a:rPr lang="hu-HU" dirty="0"/>
+              <a:t> regisztráció és bejelentkezés során.</a:t>
+            </a:r>
+          </a:p>
+          <a:p>
+            <a:endParaRPr lang="hu-HU" dirty="0"/>
           </a:p>
         </p:txBody>
       </p:sp>
@@ -875,7 +1391,7 @@
           <a:p>
             <a:fld id="{2EEF7A15-0025-40CF-92E3-A818782F416C}" type="slidenum">
               <a:rPr lang="hu-HU" smtClean="0"/>
-              <a:t>6</a:t>
+              <a:t>4</a:t>
             </a:fld>
             <a:endParaRPr lang="hu-HU"/>
           </a:p>
@@ -884,7 +1400,7 @@
     </p:spTree>
     <p:extLst>
       <p:ext uri="{BB962C8B-B14F-4D97-AF65-F5344CB8AC3E}">
-        <p14:creationId xmlns:p14="http://schemas.microsoft.com/office/powerpoint/2010/main" val="762069967"/>
+        <p14:creationId xmlns:p14="http://schemas.microsoft.com/office/powerpoint/2010/main" val="3207890223"/>
       </p:ext>
     </p:extLst>
   </p:cSld>
@@ -938,25 +1454,125 @@
           <a:bodyPr/>
           <a:lstStyle/>
           <a:p>
+            <a:pPr marL="0" marR="0" lvl="0" indent="0" algn="l" defTabSz="914400" rtl="0" eaLnBrk="1" fontAlgn="auto" latinLnBrk="0" hangingPunct="1">
+              <a:lnSpc>
+                <a:spcPct val="100000"/>
+              </a:lnSpc>
+              <a:spcBef>
+                <a:spcPts val="0"/>
+              </a:spcBef>
+              <a:spcAft>
+                <a:spcPts val="0"/>
+              </a:spcAft>
+              <a:buClrTx/>
+              <a:buSzTx/>
+              <a:buFontTx/>
+              <a:buNone/>
+              <a:tabLst/>
+              <a:defRPr/>
+            </a:pPr>
+            <a:r>
+              <a:rPr lang="hu-HU" b="1" dirty="0"/>
+              <a:t>Tamás:</a:t>
+            </a:r>
+            <a:endParaRPr lang="hu-HU" dirty="0"/>
+          </a:p>
+          <a:p>
             <a:r>
               <a:rPr lang="hu-HU" dirty="0"/>
-              <a:t>Azokat akik regisztráltak azokat lekérdezem a GET </a:t>
+              <a:t>A háttérrendszert a </a:t>
+            </a:r>
+            <a:r>
+              <a:rPr lang="hu-HU" b="1" dirty="0"/>
+              <a:t>Node.js</a:t>
+            </a:r>
+            <a:r>
+              <a:rPr lang="hu-HU" dirty="0"/>
+              <a:t> és az </a:t>
+            </a:r>
+            <a:r>
+              <a:rPr lang="hu-HU" b="1" dirty="0"/>
+              <a:t>Express</a:t>
+            </a:r>
+            <a:r>
+              <a:rPr lang="hu-HU" dirty="0"/>
+              <a:t> keretrendszer kezeli. Az </a:t>
+            </a:r>
+            <a:r>
+              <a:rPr lang="hu-HU" b="1" dirty="0"/>
+              <a:t>CORS</a:t>
+            </a:r>
+            <a:r>
+              <a:rPr lang="hu-HU" dirty="0"/>
+              <a:t> és a </a:t>
+            </a:r>
+            <a:r>
+              <a:rPr lang="hu-HU" b="1" dirty="0"/>
+              <a:t>body-parser</a:t>
+            </a:r>
+            <a:r>
+              <a:rPr lang="hu-HU" dirty="0"/>
+              <a:t> csomagok biztosítják a kliens és a szerver közti kommunikációt. A </a:t>
+            </a:r>
+            <a:r>
+              <a:rPr lang="hu-HU" b="1" dirty="0"/>
+              <a:t>MySQL2</a:t>
+            </a:r>
+            <a:r>
+              <a:rPr lang="hu-HU" dirty="0"/>
+              <a:t> csomag segítségével történik a kapcsolat az adatbázissal. A </a:t>
+            </a:r>
+            <a:r>
+              <a:rPr lang="hu-HU" b="1" dirty="0" err="1"/>
+              <a:t>bcrypt</a:t>
+            </a:r>
+            <a:r>
+              <a:rPr lang="hu-HU" dirty="0"/>
+              <a:t> algoritmus gondoskodik a jelszavak biztonságos </a:t>
             </a:r>
             <a:r>
               <a:rPr lang="hu-HU" dirty="0" err="1"/>
-              <a:t>függvénynel</a:t>
+              <a:t>hash-eléséről</a:t>
             </a:r>
             <a:r>
               <a:rPr lang="hu-HU" dirty="0"/>
-              <a:t>, illetve a POST segítségével felteszem az adatbázisba. Használtam még </a:t>
-            </a:r>
-            <a:r>
-              <a:rPr lang="hu-HU" dirty="0" err="1"/>
-              <a:t>bcrypt</a:t>
+              <a:t> regisztráció és bejelentkezés során.</a:t>
+            </a:r>
+          </a:p>
+          <a:p>
+            <a:endParaRPr lang="hu-HU" dirty="0"/>
+          </a:p>
+          <a:p>
+            <a:r>
+              <a:rPr lang="hu-HU" b="1" dirty="0"/>
+              <a:t>Ámon/Tamás:</a:t>
+            </a:r>
+          </a:p>
+          <a:p>
+            <a:pPr marL="0" marR="0" lvl="0" indent="0" algn="l" defTabSz="914400" rtl="0" eaLnBrk="1" fontAlgn="auto" latinLnBrk="0" hangingPunct="1">
+              <a:lnSpc>
+                <a:spcPct val="100000"/>
+              </a:lnSpc>
+              <a:spcBef>
+                <a:spcPts val="0"/>
+              </a:spcBef>
+              <a:spcAft>
+                <a:spcPts val="0"/>
+              </a:spcAft>
+              <a:buClrTx/>
+              <a:buSzTx/>
+              <a:buFontTx/>
+              <a:buNone/>
+              <a:tabLst/>
+              <a:defRPr/>
+            </a:pPr>
+            <a:r>
+              <a:rPr lang="hu-HU" b="1" dirty="0"/>
+              <a:t>Következő dia: </a:t>
             </a:r>
             <a:r>
               <a:rPr lang="hu-HU" dirty="0"/>
-              <a:t> hogy aki regisztrált sokkal több védelme legyen, és ne tudják könnyen feltörni a jelszavát.</a:t>
+              <a:t>Maga a frontend egy kezdőoldallal kezdődik, ami Ámon kollégám csinált. Jobb felső sarkában lehet bejelentkezni ha már van fiókunk. Ha nincs akkor egy fiókot kell készítenünk. </a:t>
             </a:r>
           </a:p>
         </p:txBody>
@@ -978,7 +1594,7 @@
           <a:p>
             <a:fld id="{2EEF7A15-0025-40CF-92E3-A818782F416C}" type="slidenum">
               <a:rPr lang="hu-HU" smtClean="0"/>
-              <a:t>7</a:t>
+              <a:t>5</a:t>
             </a:fld>
             <a:endParaRPr lang="hu-HU"/>
           </a:p>
@@ -987,7 +1603,7 @@
     </p:spTree>
     <p:extLst>
       <p:ext uri="{BB962C8B-B14F-4D97-AF65-F5344CB8AC3E}">
-        <p14:creationId xmlns:p14="http://schemas.microsoft.com/office/powerpoint/2010/main" val="1455697716"/>
+        <p14:creationId xmlns:p14="http://schemas.microsoft.com/office/powerpoint/2010/main" val="2929080901"/>
       </p:ext>
     </p:extLst>
   </p:cSld>
@@ -1041,7 +1657,103 @@
           <a:bodyPr/>
           <a:lstStyle/>
           <a:p>
+            <a:pPr marL="0" marR="0" lvl="0" indent="0" algn="l" defTabSz="914400" rtl="0" eaLnBrk="1" fontAlgn="auto" latinLnBrk="0" hangingPunct="1">
+              <a:lnSpc>
+                <a:spcPct val="100000"/>
+              </a:lnSpc>
+              <a:spcBef>
+                <a:spcPts val="0"/>
+              </a:spcBef>
+              <a:spcAft>
+                <a:spcPts val="0"/>
+              </a:spcAft>
+              <a:buClrTx/>
+              <a:buSzTx/>
+              <a:buFontTx/>
+              <a:buNone/>
+              <a:tabLst/>
+              <a:defRPr/>
+            </a:pPr>
+            <a:r>
+              <a:rPr lang="hu-HU" b="1" dirty="0"/>
+              <a:t>Ámon/Tamás:</a:t>
+            </a:r>
             <a:endParaRPr lang="hu-HU" dirty="0"/>
+          </a:p>
+          <a:p>
+            <a:r>
+              <a:rPr lang="hu-HU" dirty="0"/>
+              <a:t>Maga a frontend egy kezdőoldallal kezdődik, ami Ámon kollégám csinált. Jobb felső sarkában lehet bejelentkezni ha már van fiókunk. Ha nincs akkor egy fiókot kell készítenünk. </a:t>
+            </a:r>
+          </a:p>
+          <a:p>
+            <a:endParaRPr lang="hu-HU" dirty="0"/>
+          </a:p>
+          <a:p>
+            <a:pPr marL="0" marR="0" lvl="0" indent="0" algn="l" defTabSz="914400" rtl="0" eaLnBrk="1" fontAlgn="auto" latinLnBrk="0" hangingPunct="1">
+              <a:lnSpc>
+                <a:spcPct val="100000"/>
+              </a:lnSpc>
+              <a:spcBef>
+                <a:spcPts val="0"/>
+              </a:spcBef>
+              <a:spcAft>
+                <a:spcPts val="0"/>
+              </a:spcAft>
+              <a:buClrTx/>
+              <a:buSzTx/>
+              <a:buFontTx/>
+              <a:buNone/>
+              <a:tabLst/>
+              <a:defRPr/>
+            </a:pPr>
+            <a:r>
+              <a:rPr lang="hu-HU" b="1" dirty="0"/>
+              <a:t>Ámon/Tamás:</a:t>
+            </a:r>
+          </a:p>
+          <a:p>
+            <a:pPr marL="0" marR="0" lvl="0" indent="0" algn="l" defTabSz="914400" rtl="0" eaLnBrk="1" fontAlgn="auto" latinLnBrk="0" hangingPunct="1">
+              <a:lnSpc>
+                <a:spcPct val="100000"/>
+              </a:lnSpc>
+              <a:spcBef>
+                <a:spcPts val="0"/>
+              </a:spcBef>
+              <a:spcAft>
+                <a:spcPts val="0"/>
+              </a:spcAft>
+              <a:buClrTx/>
+              <a:buSzTx/>
+              <a:buFontTx/>
+              <a:buNone/>
+              <a:tabLst/>
+              <a:defRPr/>
+            </a:pPr>
+            <a:r>
+              <a:rPr lang="hu-HU" b="1" dirty="0"/>
+              <a:t>Következő dia: </a:t>
+            </a:r>
+            <a:r>
+              <a:rPr lang="hu-HU" dirty="0"/>
+              <a:t>Azokat akik regisztráltak azokat lekérdezem a GET </a:t>
+            </a:r>
+            <a:r>
+              <a:rPr lang="hu-HU" dirty="0" err="1"/>
+              <a:t>függvénynel</a:t>
+            </a:r>
+            <a:r>
+              <a:rPr lang="hu-HU" dirty="0"/>
+              <a:t>, illetve a POST segítségével felteszem az adatbázisba. Használtam még </a:t>
+            </a:r>
+            <a:r>
+              <a:rPr lang="hu-HU" dirty="0" err="1"/>
+              <a:t>bcrypt</a:t>
+            </a:r>
+            <a:r>
+              <a:rPr lang="hu-HU" dirty="0"/>
+              <a:t> hogy aki regisztrált sokkal több védelme legyen, és ne tudják könnyen feltörni a jelszavát.</a:t>
+            </a:r>
           </a:p>
         </p:txBody>
       </p:sp>
@@ -1062,7 +1774,7 @@
           <a:p>
             <a:fld id="{2EEF7A15-0025-40CF-92E3-A818782F416C}" type="slidenum">
               <a:rPr lang="hu-HU" smtClean="0"/>
-              <a:t>9</a:t>
+              <a:t>6</a:t>
             </a:fld>
             <a:endParaRPr lang="hu-HU"/>
           </a:p>
@@ -1071,7 +1783,7 @@
     </p:spTree>
     <p:extLst>
       <p:ext uri="{BB962C8B-B14F-4D97-AF65-F5344CB8AC3E}">
-        <p14:creationId xmlns:p14="http://schemas.microsoft.com/office/powerpoint/2010/main" val="861100590"/>
+        <p14:creationId xmlns:p14="http://schemas.microsoft.com/office/powerpoint/2010/main" val="762069967"/>
       </p:ext>
     </p:extLst>
   </p:cSld>
@@ -1125,7 +1837,70 @@
           <a:bodyPr/>
           <a:lstStyle/>
           <a:p>
+            <a:pPr marL="0" marR="0" lvl="0" indent="0" algn="l" defTabSz="914400" rtl="0" eaLnBrk="1" fontAlgn="auto" latinLnBrk="0" hangingPunct="1">
+              <a:lnSpc>
+                <a:spcPct val="100000"/>
+              </a:lnSpc>
+              <a:spcBef>
+                <a:spcPts val="0"/>
+              </a:spcBef>
+              <a:spcAft>
+                <a:spcPts val="0"/>
+              </a:spcAft>
+              <a:buClrTx/>
+              <a:buSzTx/>
+              <a:buFontTx/>
+              <a:buNone/>
+              <a:tabLst/>
+              <a:defRPr/>
+            </a:pPr>
+            <a:r>
+              <a:rPr lang="hu-HU" b="1" dirty="0"/>
+              <a:t>Ámon/Tamás:</a:t>
+            </a:r>
             <a:endParaRPr lang="hu-HU" dirty="0"/>
+          </a:p>
+          <a:p>
+            <a:r>
+              <a:rPr lang="hu-HU" dirty="0"/>
+              <a:t>Azokat akik regisztráltak azokat lekérdezem a GET </a:t>
+            </a:r>
+            <a:r>
+              <a:rPr lang="hu-HU" dirty="0" err="1"/>
+              <a:t>függvénynel</a:t>
+            </a:r>
+            <a:r>
+              <a:rPr lang="hu-HU" dirty="0"/>
+              <a:t>, illetve a POST segítségével felteszem az adatbázisba. Használtam még </a:t>
+            </a:r>
+            <a:r>
+              <a:rPr lang="hu-HU" dirty="0" err="1"/>
+              <a:t>bcrypt</a:t>
+            </a:r>
+            <a:r>
+              <a:rPr lang="hu-HU" dirty="0"/>
+              <a:t> hogy aki regisztrált sokkal több védelme legyen, és ne tudják könnyen feltörni a jelszavát.</a:t>
+            </a:r>
+          </a:p>
+          <a:p>
+            <a:endParaRPr lang="hu-HU" dirty="0"/>
+          </a:p>
+          <a:p>
+            <a:r>
+              <a:rPr lang="hu-HU" b="1" dirty="0"/>
+              <a:t>Patrik:</a:t>
+            </a:r>
+          </a:p>
+          <a:p>
+            <a:r>
+              <a:rPr lang="hu-HU" b="1" dirty="0"/>
+              <a:t>Következő dia: </a:t>
+            </a:r>
+            <a:r>
+              <a:rPr lang="hu-HU" b="0" dirty="0"/>
+              <a:t>Az adatbázisunkat mysql nyelven írtuk meg a mysql workbench felületén model first és entity framework teknológiák használatával és a programunk fejlesztése során pár példa adattal is feltöltöttük a már használt részeit és így kaptuk meg a következő képen látható adatbázist.</a:t>
+            </a:r>
+            <a:endParaRPr lang="hu-HU" b="1" dirty="0"/>
           </a:p>
         </p:txBody>
       </p:sp>
@@ -1146,7 +1921,7 @@
           <a:p>
             <a:fld id="{2EEF7A15-0025-40CF-92E3-A818782F416C}" type="slidenum">
               <a:rPr lang="hu-HU" smtClean="0"/>
-              <a:t>11</a:t>
+              <a:t>7</a:t>
             </a:fld>
             <a:endParaRPr lang="hu-HU"/>
           </a:p>
@@ -1155,7 +1930,232 @@
     </p:spTree>
     <p:extLst>
       <p:ext uri="{BB962C8B-B14F-4D97-AF65-F5344CB8AC3E}">
-        <p14:creationId xmlns:p14="http://schemas.microsoft.com/office/powerpoint/2010/main" val="3761164055"/>
+        <p14:creationId xmlns:p14="http://schemas.microsoft.com/office/powerpoint/2010/main" val="1455697716"/>
+      </p:ext>
+    </p:extLst>
+  </p:cSld>
+  <p:clrMapOvr>
+    <a:masterClrMapping/>
+  </p:clrMapOvr>
+</p:notes>
+</file>
+
+<file path=ppt/notesSlides/notesSlide8.xml><?xml version="1.0" encoding="utf-8"?>
+<p:notes xmlns:a="http://schemas.openxmlformats.org/drawingml/2006/main" xmlns:r="http://schemas.openxmlformats.org/officeDocument/2006/relationships" xmlns:p="http://schemas.openxmlformats.org/presentationml/2006/main">
+  <p:cSld>
+    <p:spTree>
+      <p:nvGrpSpPr>
+        <p:cNvPr id="1" name=""/>
+        <p:cNvGrpSpPr/>
+        <p:nvPr/>
+      </p:nvGrpSpPr>
+      <p:grpSpPr>
+        <a:xfrm>
+          <a:off x="0" y="0"/>
+          <a:ext cx="0" cy="0"/>
+          <a:chOff x="0" y="0"/>
+          <a:chExt cx="0" cy="0"/>
+        </a:xfrm>
+      </p:grpSpPr>
+      <p:sp>
+        <p:nvSpPr>
+          <p:cNvPr id="2" name="Diakép helye 1"/>
+          <p:cNvSpPr>
+            <a:spLocks noGrp="1" noRot="1" noChangeAspect="1"/>
+          </p:cNvSpPr>
+          <p:nvPr>
+            <p:ph type="sldImg"/>
+          </p:nvPr>
+        </p:nvSpPr>
+        <p:spPr/>
+      </p:sp>
+      <p:sp>
+        <p:nvSpPr>
+          <p:cNvPr id="3" name="Jegyzetek helye 2"/>
+          <p:cNvSpPr>
+            <a:spLocks noGrp="1"/>
+          </p:cNvSpPr>
+          <p:nvPr>
+            <p:ph type="body" idx="1"/>
+          </p:nvPr>
+        </p:nvSpPr>
+        <p:spPr/>
+        <p:txBody>
+          <a:bodyPr/>
+          <a:lstStyle/>
+          <a:p>
+            <a:r>
+              <a:rPr lang="hu-HU" b="1" dirty="0"/>
+              <a:t>Patrik:</a:t>
+            </a:r>
+          </a:p>
+          <a:p>
+            <a:r>
+              <a:rPr lang="hu-HU" b="0" dirty="0"/>
+              <a:t>Az adatbázisunkat mysql nyelven írtuk meg a mysql workbench felületén model first és entity framework teknológiák használatával és a programunk fejlesztése során pár példa adattal is feltöltöttük a már használt részeit és így kaptuk meg a következő képen látható adatbázist.</a:t>
+            </a:r>
+          </a:p>
+          <a:p>
+            <a:endParaRPr lang="hu-HU" b="0" dirty="0"/>
+          </a:p>
+          <a:p>
+            <a:r>
+              <a:rPr lang="hu-HU" b="1" dirty="0"/>
+              <a:t>Patrik</a:t>
+            </a:r>
+            <a:r>
+              <a:rPr lang="hu-HU" b="0" dirty="0"/>
+              <a:t>:</a:t>
+            </a:r>
+          </a:p>
+          <a:p>
+            <a:r>
+              <a:rPr lang="hu-HU" b="1" dirty="0"/>
+              <a:t>Következő dia: </a:t>
+            </a:r>
+            <a:r>
+              <a:rPr lang="hu-HU" b="0" dirty="0"/>
+              <a:t>A legfontosabb tábla a user tábla ami a felhasználóink adatait tartalmazza. A láthatóan összekötött táblák főleg a weboldalhoz tartoznak a két alsó tábla kivételével, mert azok a játékhoz tartoznak nagyobb részben, de mentésekhez egyszerűbb ha összevannak kötve. A nem összekötött táblák meg a játékhoz tartoznak, de a tervezett galériában is szerepelnek majd a weboldalon nagy szereppel. Ám nem szükséges az összeköttetésük ezért nem lettek összekötve ezek a táblák.</a:t>
+            </a:r>
+            <a:endParaRPr lang="hu-HU" b="1" dirty="0"/>
+          </a:p>
+        </p:txBody>
+      </p:sp>
+      <p:sp>
+        <p:nvSpPr>
+          <p:cNvPr id="4" name="Dia számának helye 3"/>
+          <p:cNvSpPr>
+            <a:spLocks noGrp="1"/>
+          </p:cNvSpPr>
+          <p:nvPr>
+            <p:ph type="sldNum" sz="quarter" idx="5"/>
+          </p:nvPr>
+        </p:nvSpPr>
+        <p:spPr/>
+        <p:txBody>
+          <a:bodyPr/>
+          <a:lstStyle/>
+          <a:p>
+            <a:fld id="{2EEF7A15-0025-40CF-92E3-A818782F416C}" type="slidenum">
+              <a:rPr lang="hu-HU" smtClean="0"/>
+              <a:t>8</a:t>
+            </a:fld>
+            <a:endParaRPr lang="hu-HU"/>
+          </a:p>
+        </p:txBody>
+      </p:sp>
+    </p:spTree>
+    <p:extLst>
+      <p:ext uri="{BB962C8B-B14F-4D97-AF65-F5344CB8AC3E}">
+        <p14:creationId xmlns:p14="http://schemas.microsoft.com/office/powerpoint/2010/main" val="2574839494"/>
+      </p:ext>
+    </p:extLst>
+  </p:cSld>
+  <p:clrMapOvr>
+    <a:masterClrMapping/>
+  </p:clrMapOvr>
+</p:notes>
+</file>
+
+<file path=ppt/notesSlides/notesSlide9.xml><?xml version="1.0" encoding="utf-8"?>
+<p:notes xmlns:a="http://schemas.openxmlformats.org/drawingml/2006/main" xmlns:r="http://schemas.openxmlformats.org/officeDocument/2006/relationships" xmlns:p="http://schemas.openxmlformats.org/presentationml/2006/main">
+  <p:cSld>
+    <p:spTree>
+      <p:nvGrpSpPr>
+        <p:cNvPr id="1" name=""/>
+        <p:cNvGrpSpPr/>
+        <p:nvPr/>
+      </p:nvGrpSpPr>
+      <p:grpSpPr>
+        <a:xfrm>
+          <a:off x="0" y="0"/>
+          <a:ext cx="0" cy="0"/>
+          <a:chOff x="0" y="0"/>
+          <a:chExt cx="0" cy="0"/>
+        </a:xfrm>
+      </p:grpSpPr>
+      <p:sp>
+        <p:nvSpPr>
+          <p:cNvPr id="2" name="Diakép helye 1"/>
+          <p:cNvSpPr>
+            <a:spLocks noGrp="1" noRot="1" noChangeAspect="1"/>
+          </p:cNvSpPr>
+          <p:nvPr>
+            <p:ph type="sldImg"/>
+          </p:nvPr>
+        </p:nvSpPr>
+        <p:spPr/>
+      </p:sp>
+      <p:sp>
+        <p:nvSpPr>
+          <p:cNvPr id="3" name="Jegyzetek helye 2"/>
+          <p:cNvSpPr>
+            <a:spLocks noGrp="1"/>
+          </p:cNvSpPr>
+          <p:nvPr>
+            <p:ph type="body" idx="1"/>
+          </p:nvPr>
+        </p:nvSpPr>
+        <p:spPr/>
+        <p:txBody>
+          <a:bodyPr/>
+          <a:lstStyle/>
+          <a:p>
+            <a:r>
+              <a:rPr lang="hu-HU" b="1" dirty="0"/>
+              <a:t>Patrik:</a:t>
+            </a:r>
+          </a:p>
+          <a:p>
+            <a:r>
+              <a:rPr lang="hu-HU" b="0" dirty="0"/>
+              <a:t>A legfontosabb tábla a user tábla ami a felhasználóink adatait tartalmazza. A láthatóan összekötött táblák főleg a weboldalhoz tartoznak a két alsó tábla kivételével, mert azok a játékhoz tartoznak nagyobb részben, de mentésekhez egyszerűbb ha összevannak kötve. A nem összekötött táblák meg a játékhoz tartoznak, de a tervezett galériában is szerepelnek majd a weboldalon nagy szereppel. Ám nem szükséges az összeköttetésük ezért nem lettek összekötve ezek a táblák.</a:t>
+            </a:r>
+          </a:p>
+          <a:p>
+            <a:endParaRPr lang="hu-HU" b="0" dirty="0"/>
+          </a:p>
+          <a:p>
+            <a:r>
+              <a:rPr lang="hu-HU" b="1" dirty="0"/>
+              <a:t>Patrik:</a:t>
+            </a:r>
+          </a:p>
+          <a:p>
+            <a:r>
+              <a:rPr lang="hu-HU" b="1" dirty="0"/>
+              <a:t>Következő dia: </a:t>
+            </a:r>
+          </a:p>
+        </p:txBody>
+      </p:sp>
+      <p:sp>
+        <p:nvSpPr>
+          <p:cNvPr id="4" name="Dia számának helye 3"/>
+          <p:cNvSpPr>
+            <a:spLocks noGrp="1"/>
+          </p:cNvSpPr>
+          <p:nvPr>
+            <p:ph type="sldNum" sz="quarter" idx="5"/>
+          </p:nvPr>
+        </p:nvSpPr>
+        <p:spPr/>
+        <p:txBody>
+          <a:bodyPr/>
+          <a:lstStyle/>
+          <a:p>
+            <a:fld id="{2EEF7A15-0025-40CF-92E3-A818782F416C}" type="slidenum">
+              <a:rPr lang="hu-HU" smtClean="0"/>
+              <a:t>9</a:t>
+            </a:fld>
+            <a:endParaRPr lang="hu-HU"/>
+          </a:p>
+        </p:txBody>
+      </p:sp>
+    </p:spTree>
+    <p:extLst>
+      <p:ext uri="{BB962C8B-B14F-4D97-AF65-F5344CB8AC3E}">
+        <p14:creationId xmlns:p14="http://schemas.microsoft.com/office/powerpoint/2010/main" val="861100590"/>
       </p:ext>
     </p:extLst>
   </p:cSld>
@@ -1380,7 +2380,7 @@
           <a:p>
             <a:fld id="{9AB3A824-1A51-4B26-AD58-A6D8E14F6C04}" type="datetimeFigureOut">
               <a:rPr lang="en-US" dirty="0"/>
-              <a:t>4/15/2025</a:t>
+              <a:t>4/20/2025</a:t>
             </a:fld>
             <a:endParaRPr lang="en-US"/>
           </a:p>
@@ -1717,7 +2717,7 @@
           <a:p>
             <a:fld id="{D857E33E-8B18-4087-B112-809917729534}" type="datetimeFigureOut">
               <a:rPr lang="en-US" dirty="0"/>
-              <a:t>4/15/2025</a:t>
+              <a:t>4/20/2025</a:t>
             </a:fld>
             <a:endParaRPr lang="en-US"/>
           </a:p>
@@ -2022,7 +3022,7 @@
           <a:p>
             <a:fld id="{D3FFE419-2371-464F-8239-3959401C3561}" type="datetimeFigureOut">
               <a:rPr lang="en-US" dirty="0"/>
-              <a:t>4/15/2025</a:t>
+              <a:t>4/20/2025</a:t>
             </a:fld>
             <a:endParaRPr lang="en-US"/>
           </a:p>
@@ -2272,7 +3272,7 @@
           <a:p>
             <a:fld id="{97D162C4-EDD9-4389-A98B-B87ECEA2A816}" type="datetimeFigureOut">
               <a:rPr lang="en-US" dirty="0"/>
-              <a:t>4/15/2025</a:t>
+              <a:t>4/20/2025</a:t>
             </a:fld>
             <a:endParaRPr lang="en-US"/>
           </a:p>
@@ -2683,7 +3683,7 @@
           <a:p>
             <a:fld id="{3E5059C3-6A89-4494-99FF-5A4D6FFD50EB}" type="datetimeFigureOut">
               <a:rPr lang="en-US" dirty="0"/>
-              <a:t>4/15/2025</a:t>
+              <a:t>4/20/2025</a:t>
             </a:fld>
             <a:endParaRPr lang="en-US"/>
           </a:p>
@@ -2999,7 +3999,7 @@
           <a:p>
             <a:fld id="{CA954B2F-12DE-47F5-8894-472B206D2E1E}" type="datetimeFigureOut">
               <a:rPr lang="en-US" dirty="0"/>
-              <a:t>4/15/2025</a:t>
+              <a:t>4/20/2025</a:t>
             </a:fld>
             <a:endParaRPr lang="en-US"/>
           </a:p>
@@ -3545,7 +4545,7 @@
           <a:p>
             <a:fld id="{3F30E46F-7819-4ACF-B48B-48222C2ACC88}" type="datetimeFigureOut">
               <a:rPr lang="en-US" dirty="0"/>
-              <a:t>4/15/2025</a:t>
+              <a:t>4/20/2025</a:t>
             </a:fld>
             <a:endParaRPr lang="en-US"/>
           </a:p>
@@ -3744,7 +4744,7 @@
           <a:p>
             <a:fld id="{1FAF3416-4057-4DAA-829D-4CA07428D088}" type="datetimeFigureOut">
               <a:rPr lang="en-US" dirty="0"/>
-              <a:t>4/15/2025</a:t>
+              <a:t>4/20/2025</a:t>
             </a:fld>
             <a:endParaRPr lang="en-US"/>
           </a:p>
@@ -3962,7 +4962,7 @@
           <a:p>
             <a:fld id="{921D9284-D300-4297-87F7-E791DCC15DB1}" type="datetimeFigureOut">
               <a:rPr lang="en-US" dirty="0"/>
-              <a:t>4/15/2025</a:t>
+              <a:t>4/20/2025</a:t>
             </a:fld>
             <a:endParaRPr lang="en-US"/>
           </a:p>
@@ -4334,7 +5334,7 @@
           <a:p>
             <a:fld id="{37D525BB-DA17-4BA0-B3C8-3AC3ABC827E6}" type="datetimeFigureOut">
               <a:rPr lang="en-US" dirty="0"/>
-              <a:t>4/15/2025</a:t>
+              <a:t>4/20/2025</a:t>
             </a:fld>
             <a:endParaRPr lang="en-US"/>
           </a:p>
@@ -4737,7 +5737,7 @@
           <a:p>
             <a:fld id="{B16C4C9A-3960-41CF-A4E9-2A8FB932454B}" type="datetimeFigureOut">
               <a:rPr lang="en-US" dirty="0"/>
-              <a:t>4/15/2025</a:t>
+              <a:t>4/20/2025</a:t>
             </a:fld>
             <a:endParaRPr lang="en-US"/>
           </a:p>
@@ -5079,7 +6079,7 @@
           <a:p>
             <a:fld id="{3CBC1C18-307B-4F68-A007-B5B542270E8D}" type="datetimeFigureOut">
               <a:rPr lang="en-US" dirty="0"/>
-              <a:t>4/15/2025</a:t>
+              <a:t>4/20/2025</a:t>
             </a:fld>
             <a:endParaRPr lang="en-US"/>
           </a:p>
@@ -8236,7 +9236,7 @@
           <p:cNvPr id="2" name="Title 1">
             <a:extLst>
               <a:ext uri="{FF2B5EF4-FFF2-40B4-BE49-F238E27FC236}">
-                <a16:creationId xmlns:a16="http://schemas.microsoft.com/office/drawing/2014/main" id="{499DDFF3-29C5-AADA-07B7-31984A92D2E3}"/>
+                <a16:creationId xmlns:a16="http://schemas.microsoft.com/office/drawing/2014/main" id="{1EA55D98-E9A6-9282-398A-A90878D8A840}"/>
               </a:ext>
             </a:extLst>
           </p:cNvPr>
@@ -8249,20 +9249,22 @@
         </p:nvSpPr>
         <p:spPr>
           <a:xfrm>
-            <a:off x="2581328" y="1123016"/>
-            <a:ext cx="6881371" cy="701309"/>
+            <a:off x="2221737" y="808056"/>
+            <a:ext cx="7958331" cy="1077229"/>
           </a:xfrm>
         </p:spPr>
         <p:txBody>
-          <a:bodyPr/>
+          <a:bodyPr vert="horz" lIns="91440" tIns="45720" rIns="91440" bIns="45720" rtlCol="0" anchor="ctr">
+            <a:normAutofit/>
+          </a:bodyPr>
           <a:lstStyle/>
           <a:p>
             <a:pPr algn="ctr"/>
             <a:r>
               <a:rPr lang="en-US">
-                <a:cs typeface="Arial" panose="020B0604020202020204"/>
-              </a:rPr>
-              <a:t>Currently in development</a:t>
+                <a:cs typeface="Arial"/>
+              </a:rPr>
+              <a:t>The Future Plans</a:t>
             </a:r>
           </a:p>
         </p:txBody>
@@ -8272,7 +9274,7 @@
           <p:cNvPr id="3" name="Content Placeholder 2">
             <a:extLst>
               <a:ext uri="{FF2B5EF4-FFF2-40B4-BE49-F238E27FC236}">
-                <a16:creationId xmlns:a16="http://schemas.microsoft.com/office/drawing/2014/main" id="{08EEB6D5-F4AD-81B4-24E6-BE2CF6A4690F}"/>
+                <a16:creationId xmlns:a16="http://schemas.microsoft.com/office/drawing/2014/main" id="{829CA93C-F010-1DE2-7077-36C504EEBB82}"/>
               </a:ext>
             </a:extLst>
           </p:cNvPr>
@@ -8285,8 +9287,8 @@
         </p:nvSpPr>
         <p:spPr>
           <a:xfrm>
-            <a:off x="2204639" y="2072436"/>
-            <a:ext cx="2868940" cy="3997828"/>
+            <a:off x="1446697" y="1885532"/>
+            <a:ext cx="2850963" cy="2981828"/>
           </a:xfrm>
         </p:spPr>
         <p:txBody>
@@ -8300,7 +9302,7 @@
               <a:rPr lang="en-US">
                 <a:cs typeface="Arial" panose="020B0604020202020204"/>
               </a:rPr>
-              <a:t>Website</a:t>
+              <a:t> Chat</a:t>
             </a:r>
           </a:p>
           <a:p>
@@ -8312,7 +9314,7 @@
               <a:rPr lang="en-US">
                 <a:cs typeface="Arial" panose="020B0604020202020204"/>
               </a:rPr>
-              <a:t> Dungeon Book(Tutorial)</a:t>
+              <a:t>Post</a:t>
             </a:r>
           </a:p>
           <a:p>
@@ -8324,14 +9326,43 @@
               <a:rPr lang="en-US">
                 <a:cs typeface="Arial" panose="020B0604020202020204"/>
               </a:rPr>
-              <a:t> </a:t>
-            </a:r>
+              <a:t>Comment</a:t>
+            </a:r>
+          </a:p>
+          <a:p>
+            <a:pPr marL="795020" lvl="1" indent="-337820">
+              <a:buFont typeface="Courier New" panose="05000000000000000000" pitchFamily="2" charset="2"/>
+              <a:buChar char="o"/>
+            </a:pPr>
             <a:r>
               <a:rPr lang="en-US">
-                <a:ea typeface="+mn-lt"/>
-                <a:cs typeface="+mn-lt"/>
-              </a:rPr>
-              <a:t>Account management</a:t>
+                <a:cs typeface="Arial" panose="020B0604020202020204"/>
+              </a:rPr>
+              <a:t>Post Reaction</a:t>
+            </a:r>
+          </a:p>
+          <a:p>
+            <a:pPr marL="795020" lvl="1" indent="-337820">
+              <a:buFont typeface="Courier New" panose="05000000000000000000" pitchFamily="2" charset="2"/>
+              <a:buChar char="o"/>
+            </a:pPr>
+            <a:r>
+              <a:rPr lang="en-US">
+                <a:cs typeface="Arial" panose="020B0604020202020204"/>
+              </a:rPr>
+              <a:t>Post Report</a:t>
+            </a:r>
+          </a:p>
+          <a:p>
+            <a:pPr marL="795020" lvl="1" indent="-337820">
+              <a:buFont typeface="Courier New" panose="05000000000000000000" pitchFamily="2" charset="2"/>
+              <a:buChar char="o"/>
+            </a:pPr>
+            <a:r>
+              <a:rPr lang="en-US">
+                <a:cs typeface="Arial" panose="020B0604020202020204"/>
+              </a:rPr>
+              <a:t>Search</a:t>
             </a:r>
           </a:p>
         </p:txBody>
@@ -8341,7 +9372,7 @@
           <p:cNvPr id="5" name="Content Placeholder 2">
             <a:extLst>
               <a:ext uri="{FF2B5EF4-FFF2-40B4-BE49-F238E27FC236}">
-                <a16:creationId xmlns:a16="http://schemas.microsoft.com/office/drawing/2014/main" id="{FC8942A1-666F-36DB-2AFD-20F7940228F9}"/>
+                <a16:creationId xmlns:a16="http://schemas.microsoft.com/office/drawing/2014/main" id="{E4A8C1E4-575F-9ED6-C369-EBA0D315C6E9}"/>
               </a:ext>
             </a:extLst>
           </p:cNvPr>
@@ -8352,8 +9383,8 @@
         </p:nvSpPr>
         <p:spPr>
           <a:xfrm>
-            <a:off x="7254159" y="2072436"/>
-            <a:ext cx="3143260" cy="3997828"/>
+            <a:off x="4300733" y="1889490"/>
+            <a:ext cx="2643145" cy="2544948"/>
           </a:xfrm>
           <a:prstGeom prst="rect">
             <a:avLst/>
@@ -8600,41 +9631,478 @@
             </a:lvl9pPr>
           </a:lstStyle>
           <a:p>
-            <a:pPr marL="344170" indent="-344170"/>
-            <a:r>
-              <a:rPr lang="en-US" dirty="0">
+            <a:pPr marL="342900" indent="-342900"/>
+            <a:r>
+              <a:rPr lang="en-US">
                 <a:cs typeface="Arial" panose="020B0604020202020204"/>
               </a:rPr>
-              <a:t>Game</a:t>
-            </a:r>
-          </a:p>
-          <a:p>
-            <a:pPr marL="795020" lvl="1" indent="-337820">
+              <a:t> Gallery</a:t>
+            </a:r>
+            <a:endParaRPr lang="en-US"/>
+          </a:p>
+          <a:p>
+            <a:pPr marL="795020" lvl="1" indent="-344170">
               <a:buFont typeface="Courier New" panose="05000000000000000000" pitchFamily="2" charset="2"/>
               <a:buChar char="o"/>
             </a:pPr>
             <a:r>
-              <a:rPr lang="en-US" dirty="0">
+              <a:rPr lang="en-US">
                 <a:cs typeface="Arial" panose="020B0604020202020204"/>
               </a:rPr>
-              <a:t>Dungeon exploration</a:t>
-            </a:r>
-          </a:p>
-          <a:p>
-            <a:pPr marL="795020" lvl="1" indent="-337820">
+              <a:t>Game Assets</a:t>
+            </a:r>
+          </a:p>
+          <a:p>
+            <a:pPr marL="795020" lvl="1" indent="-344170">
               <a:buFont typeface="Courier New" panose="05000000000000000000" pitchFamily="2" charset="2"/>
               <a:buChar char="o"/>
             </a:pPr>
-            <a:endParaRPr lang="en-US" dirty="0">
+            <a:r>
+              <a:rPr lang="en-US">
+                <a:cs typeface="Arial" panose="020B0604020202020204"/>
+              </a:rPr>
+              <a:t>Search</a:t>
+            </a:r>
+          </a:p>
+          <a:p>
+            <a:pPr marL="795020" lvl="1" indent="-344170">
+              <a:buFont typeface="Courier New" panose="05000000000000000000" pitchFamily="2" charset="2"/>
+              <a:buChar char="o"/>
+            </a:pPr>
+            <a:r>
+              <a:rPr lang="en-US">
+                <a:cs typeface="Arial" panose="020B0604020202020204"/>
+              </a:rPr>
+              <a:t>Educational</a:t>
+            </a:r>
+          </a:p>
+        </p:txBody>
+      </p:sp>
+      <p:sp>
+        <p:nvSpPr>
+          <p:cNvPr id="6" name="Content Placeholder 2">
+            <a:extLst>
+              <a:ext uri="{FF2B5EF4-FFF2-40B4-BE49-F238E27FC236}">
+                <a16:creationId xmlns:a16="http://schemas.microsoft.com/office/drawing/2014/main" id="{3AC59145-88AF-8B1F-B963-EECD65BC89D8}"/>
+              </a:ext>
+            </a:extLst>
+          </p:cNvPr>
+          <p:cNvSpPr txBox="1">
+            <a:spLocks/>
+          </p:cNvSpPr>
+          <p:nvPr/>
+        </p:nvSpPr>
+        <p:spPr>
+          <a:xfrm>
+            <a:off x="7536759" y="1889490"/>
+            <a:ext cx="3711924" cy="5086398"/>
+          </a:xfrm>
+          <a:prstGeom prst="rect">
+            <a:avLst/>
+          </a:prstGeom>
+        </p:spPr>
+        <p:txBody>
+          <a:bodyPr vert="horz" lIns="91440" tIns="45720" rIns="91440" bIns="45720" rtlCol="0" anchor="t">
+            <a:normAutofit lnSpcReduction="10000"/>
+          </a:bodyPr>
+          <a:lstStyle>
+            <a:lvl1pPr marL="344488" indent="-344488" algn="l" defTabSz="914400" rtl="0" eaLnBrk="1" latinLnBrk="0" hangingPunct="1">
+              <a:lnSpc>
+                <a:spcPct val="120000"/>
+              </a:lnSpc>
+              <a:spcBef>
+                <a:spcPts val="1000"/>
+              </a:spcBef>
+              <a:spcAft>
+                <a:spcPts val="600"/>
+              </a:spcAft>
+              <a:buClr>
+                <a:schemeClr val="accent6"/>
+              </a:buClr>
+              <a:buSzPct val="90000"/>
+              <a:buFont typeface="Wingdings" panose="05000000000000000000" pitchFamily="2" charset="2"/>
+              <a:buChar char="§"/>
+              <a:defRPr sz="2000" kern="1200">
+                <a:solidFill>
+                  <a:schemeClr val="tx1"/>
+                </a:solidFill>
+                <a:effectLst/>
+                <a:latin typeface="+mn-lt"/>
+                <a:ea typeface="+mn-ea"/>
+                <a:cs typeface="+mn-cs"/>
+              </a:defRPr>
+            </a:lvl1pPr>
+            <a:lvl2pPr marL="795338" indent="-338138" algn="l" defTabSz="914400" rtl="0" eaLnBrk="1" latinLnBrk="0" hangingPunct="1">
+              <a:lnSpc>
+                <a:spcPct val="120000"/>
+              </a:lnSpc>
+              <a:spcBef>
+                <a:spcPts val="500"/>
+              </a:spcBef>
+              <a:spcAft>
+                <a:spcPts val="600"/>
+              </a:spcAft>
+              <a:buClr>
+                <a:schemeClr val="accent6"/>
+              </a:buClr>
+              <a:buSzPct val="90000"/>
+              <a:buFont typeface="Wingdings" panose="05000000000000000000" pitchFamily="2" charset="2"/>
+              <a:buChar char="§"/>
+              <a:defRPr sz="1800" kern="1200">
+                <a:solidFill>
+                  <a:schemeClr val="tx1"/>
+                </a:solidFill>
+                <a:effectLst/>
+                <a:latin typeface="+mn-lt"/>
+                <a:ea typeface="+mn-ea"/>
+                <a:cs typeface="+mn-cs"/>
+              </a:defRPr>
+            </a:lvl2pPr>
+            <a:lvl3pPr marL="1258888" indent="-344488" algn="l" defTabSz="914400" rtl="0" eaLnBrk="1" latinLnBrk="0" hangingPunct="1">
+              <a:lnSpc>
+                <a:spcPct val="120000"/>
+              </a:lnSpc>
+              <a:spcBef>
+                <a:spcPts val="500"/>
+              </a:spcBef>
+              <a:spcAft>
+                <a:spcPts val="600"/>
+              </a:spcAft>
+              <a:buClr>
+                <a:schemeClr val="accent6"/>
+              </a:buClr>
+              <a:buSzPct val="90000"/>
+              <a:buFont typeface="Wingdings" panose="05000000000000000000" pitchFamily="2" charset="2"/>
+              <a:buChar char="§"/>
+              <a:defRPr sz="1600" kern="1200">
+                <a:solidFill>
+                  <a:schemeClr val="tx1"/>
+                </a:solidFill>
+                <a:effectLst/>
+                <a:latin typeface="+mn-lt"/>
+                <a:ea typeface="+mn-ea"/>
+                <a:cs typeface="+mn-cs"/>
+              </a:defRPr>
+            </a:lvl3pPr>
+            <a:lvl4pPr marL="1709738" indent="-338138" algn="l" defTabSz="914400" rtl="0" eaLnBrk="1" latinLnBrk="0" hangingPunct="1">
+              <a:lnSpc>
+                <a:spcPct val="120000"/>
+              </a:lnSpc>
+              <a:spcBef>
+                <a:spcPts val="500"/>
+              </a:spcBef>
+              <a:spcAft>
+                <a:spcPts val="600"/>
+              </a:spcAft>
+              <a:buClr>
+                <a:schemeClr val="accent6"/>
+              </a:buClr>
+              <a:buSzPct val="90000"/>
+              <a:buFont typeface="Wingdings" panose="05000000000000000000" pitchFamily="2" charset="2"/>
+              <a:buChar char="§"/>
+              <a:defRPr sz="1400" kern="1200">
+                <a:solidFill>
+                  <a:schemeClr val="tx1"/>
+                </a:solidFill>
+                <a:effectLst/>
+                <a:latin typeface="+mn-lt"/>
+                <a:ea typeface="+mn-ea"/>
+                <a:cs typeface="+mn-cs"/>
+              </a:defRPr>
+            </a:lvl4pPr>
+            <a:lvl5pPr marL="2173288" indent="-344488" algn="l" defTabSz="914400" rtl="0" eaLnBrk="1" latinLnBrk="0" hangingPunct="1">
+              <a:lnSpc>
+                <a:spcPct val="120000"/>
+              </a:lnSpc>
+              <a:spcBef>
+                <a:spcPts val="500"/>
+              </a:spcBef>
+              <a:spcAft>
+                <a:spcPts val="600"/>
+              </a:spcAft>
+              <a:buClr>
+                <a:schemeClr val="accent6"/>
+              </a:buClr>
+              <a:buSzPct val="90000"/>
+              <a:buFont typeface="Wingdings" panose="05000000000000000000" pitchFamily="2" charset="2"/>
+              <a:buChar char="§"/>
+              <a:defRPr sz="1200" kern="1200">
+                <a:solidFill>
+                  <a:schemeClr val="tx1"/>
+                </a:solidFill>
+                <a:effectLst/>
+                <a:latin typeface="+mn-lt"/>
+                <a:ea typeface="+mn-ea"/>
+                <a:cs typeface="+mn-cs"/>
+              </a:defRPr>
+            </a:lvl5pPr>
+            <a:lvl6pPr marL="2642616" indent="-338328" algn="l" defTabSz="914400" rtl="0" eaLnBrk="1" latinLnBrk="0" hangingPunct="1">
+              <a:lnSpc>
+                <a:spcPct val="120000"/>
+              </a:lnSpc>
+              <a:spcBef>
+                <a:spcPts val="500"/>
+              </a:spcBef>
+              <a:spcAft>
+                <a:spcPts val="600"/>
+              </a:spcAft>
+              <a:buClr>
+                <a:schemeClr val="accent6"/>
+              </a:buClr>
+              <a:buSzPct val="90000"/>
+              <a:buFont typeface="Wingdings" panose="05000000000000000000" pitchFamily="2" charset="2"/>
+              <a:buChar char="§"/>
+              <a:defRPr sz="1200" kern="1200" baseline="0">
+                <a:solidFill>
+                  <a:schemeClr val="tx1"/>
+                </a:solidFill>
+                <a:effectLst/>
+                <a:latin typeface="+mn-lt"/>
+                <a:ea typeface="+mn-ea"/>
+                <a:cs typeface="+mn-cs"/>
+              </a:defRPr>
+            </a:lvl6pPr>
+            <a:lvl7pPr marL="3108960" indent="-338328" algn="l" defTabSz="914400" rtl="0" eaLnBrk="1" latinLnBrk="0" hangingPunct="1">
+              <a:lnSpc>
+                <a:spcPct val="120000"/>
+              </a:lnSpc>
+              <a:spcBef>
+                <a:spcPts val="500"/>
+              </a:spcBef>
+              <a:spcAft>
+                <a:spcPts val="600"/>
+              </a:spcAft>
+              <a:buClr>
+                <a:schemeClr val="accent6"/>
+              </a:buClr>
+              <a:buSzPct val="90000"/>
+              <a:buFont typeface="Wingdings" panose="05000000000000000000" pitchFamily="2" charset="2"/>
+              <a:buChar char="§"/>
+              <a:defRPr sz="1200" kern="1200" baseline="0">
+                <a:solidFill>
+                  <a:schemeClr val="tx1"/>
+                </a:solidFill>
+                <a:effectLst/>
+                <a:latin typeface="+mn-lt"/>
+                <a:ea typeface="+mn-ea"/>
+                <a:cs typeface="+mn-cs"/>
+              </a:defRPr>
+            </a:lvl7pPr>
+            <a:lvl8pPr marL="3575304" indent="-338328" algn="l" defTabSz="914400" rtl="0" eaLnBrk="1" latinLnBrk="0" hangingPunct="1">
+              <a:lnSpc>
+                <a:spcPct val="120000"/>
+              </a:lnSpc>
+              <a:spcBef>
+                <a:spcPts val="500"/>
+              </a:spcBef>
+              <a:spcAft>
+                <a:spcPts val="600"/>
+              </a:spcAft>
+              <a:buClr>
+                <a:schemeClr val="accent6"/>
+              </a:buClr>
+              <a:buSzPct val="90000"/>
+              <a:buFont typeface="Wingdings" panose="05000000000000000000" pitchFamily="2" charset="2"/>
+              <a:buChar char="§"/>
+              <a:defRPr sz="1200" kern="1200" baseline="0">
+                <a:solidFill>
+                  <a:schemeClr val="tx1"/>
+                </a:solidFill>
+                <a:effectLst/>
+                <a:latin typeface="+mn-lt"/>
+                <a:ea typeface="+mn-ea"/>
+                <a:cs typeface="+mn-cs"/>
+              </a:defRPr>
+            </a:lvl8pPr>
+            <a:lvl9pPr marL="4041648" indent="-338328" algn="l" defTabSz="914400" rtl="0" eaLnBrk="1" latinLnBrk="0" hangingPunct="1">
+              <a:lnSpc>
+                <a:spcPct val="120000"/>
+              </a:lnSpc>
+              <a:spcBef>
+                <a:spcPts val="500"/>
+              </a:spcBef>
+              <a:spcAft>
+                <a:spcPts val="600"/>
+              </a:spcAft>
+              <a:buClr>
+                <a:schemeClr val="accent6"/>
+              </a:buClr>
+              <a:buSzPct val="90000"/>
+              <a:buFont typeface="Wingdings" panose="05000000000000000000" pitchFamily="2" charset="2"/>
+              <a:buChar char="§"/>
+              <a:defRPr sz="1200" kern="1200" baseline="0">
+                <a:solidFill>
+                  <a:schemeClr val="tx1"/>
+                </a:solidFill>
+                <a:effectLst/>
+                <a:latin typeface="+mn-lt"/>
+                <a:ea typeface="+mn-ea"/>
+                <a:cs typeface="+mn-cs"/>
+              </a:defRPr>
+            </a:lvl9pPr>
+          </a:lstStyle>
+          <a:p>
+            <a:pPr marL="342900" indent="-342900"/>
+            <a:r>
+              <a:rPr lang="en-US">
+                <a:cs typeface="Arial" panose="020B0604020202020204"/>
+              </a:rPr>
+              <a:t> Game</a:t>
+            </a:r>
+          </a:p>
+          <a:p>
+            <a:pPr marL="795020" lvl="1" indent="-344170"/>
+            <a:r>
+              <a:rPr lang="en-US">
+                <a:cs typeface="Arial" panose="020B0604020202020204"/>
+              </a:rPr>
+              <a:t>Richer Content</a:t>
+            </a:r>
+          </a:p>
+          <a:p>
+            <a:pPr marL="795020" lvl="1" indent="-344170"/>
+            <a:r>
+              <a:rPr lang="en-US">
+                <a:cs typeface="Arial" panose="020B0604020202020204"/>
+              </a:rPr>
+              <a:t>More complex mechanics</a:t>
+            </a:r>
+          </a:p>
+          <a:p>
+            <a:pPr marL="795020" lvl="1" indent="-344170"/>
+            <a:r>
+              <a:rPr lang="en-US">
+                <a:cs typeface="Arial" panose="020B0604020202020204"/>
+              </a:rPr>
+              <a:t>Quests</a:t>
+            </a:r>
+          </a:p>
+          <a:p>
+            <a:pPr marL="795020" lvl="1" indent="-344170"/>
+            <a:r>
+              <a:rPr lang="en-US">
+                <a:cs typeface="Arial" panose="020B0604020202020204"/>
+              </a:rPr>
+              <a:t>Actual Story</a:t>
+            </a:r>
+          </a:p>
+          <a:p>
+            <a:pPr marL="795020" lvl="1" indent="-344170"/>
+            <a:r>
+              <a:rPr lang="en-US">
+                <a:cs typeface="Arial" panose="020B0604020202020204"/>
+              </a:rPr>
+              <a:t>Actual Tutorial</a:t>
+            </a:r>
+          </a:p>
+          <a:p>
+            <a:pPr marL="795020" lvl="1" indent="-344170"/>
+            <a:r>
+              <a:rPr lang="en-US">
+                <a:cs typeface="Arial" panose="020B0604020202020204"/>
+              </a:rPr>
+              <a:t>Town activities</a:t>
+            </a:r>
+          </a:p>
+          <a:p>
+            <a:pPr marL="1258570" lvl="2" indent="-344170">
+              <a:buFont typeface="Courier New,monospace" panose="05000000000000000000" pitchFamily="2" charset="2"/>
+              <a:buChar char="o"/>
+            </a:pPr>
+            <a:r>
+              <a:rPr lang="en-US">
+                <a:cs typeface="Arial" panose="020B0604020202020204"/>
+              </a:rPr>
+              <a:t>Church</a:t>
+            </a:r>
+          </a:p>
+          <a:p>
+            <a:pPr marL="1258570" lvl="2" indent="-344170">
+              <a:buFont typeface="Courier New,monospace" panose="05000000000000000000" pitchFamily="2" charset="2"/>
+              <a:buChar char="o"/>
+            </a:pPr>
+            <a:r>
+              <a:rPr lang="en-US">
+                <a:cs typeface="Arial" panose="020B0604020202020204"/>
+              </a:rPr>
+              <a:t>Alchemist</a:t>
+            </a:r>
+          </a:p>
+          <a:p>
+            <a:pPr marL="1258570" lvl="2" indent="-344170">
+              <a:buFont typeface="Courier New,monospace" panose="05000000000000000000" pitchFamily="2" charset="2"/>
+              <a:buChar char="o"/>
+            </a:pPr>
+            <a:r>
+              <a:rPr lang="en-US">
+                <a:cs typeface="Arial" panose="020B0604020202020204"/>
+              </a:rPr>
+              <a:t>Merchant</a:t>
+            </a:r>
+            <a:endParaRPr lang="en-US"/>
+          </a:p>
+          <a:p>
+            <a:pPr marL="795020" lvl="1" indent="-344170"/>
+            <a:r>
+              <a:rPr lang="en-US">
+                <a:cs typeface="Arial" panose="020B0604020202020204"/>
+              </a:rPr>
+              <a:t>A finished product</a:t>
+            </a:r>
+          </a:p>
+          <a:p>
+            <a:pPr marL="795020" lvl="1" indent="-344170"/>
+            <a:endParaRPr lang="en-US">
               <a:cs typeface="Arial" panose="020B0604020202020204"/>
             </a:endParaRPr>
+          </a:p>
+        </p:txBody>
+      </p:sp>
+      <p:sp>
+        <p:nvSpPr>
+          <p:cNvPr id="7" name="TextBox 6">
+            <a:extLst>
+              <a:ext uri="{FF2B5EF4-FFF2-40B4-BE49-F238E27FC236}">
+                <a16:creationId xmlns:a16="http://schemas.microsoft.com/office/drawing/2014/main" id="{61984E79-A619-B1FB-9E1E-0199885B6DD8}"/>
+              </a:ext>
+            </a:extLst>
+          </p:cNvPr>
+          <p:cNvSpPr txBox="1"/>
+          <p:nvPr/>
+        </p:nvSpPr>
+        <p:spPr>
+          <a:xfrm>
+            <a:off x="4300945" y="4056199"/>
+            <a:ext cx="2938961" cy="369332"/>
+          </a:xfrm>
+          <a:prstGeom prst="rect">
+            <a:avLst/>
+          </a:prstGeom>
+          <a:noFill/>
+        </p:spPr>
+        <p:txBody>
+          <a:bodyPr rot="0" spcFirstLastPara="0" vertOverflow="overflow" horzOverflow="overflow" vert="horz" wrap="square" lIns="91440" tIns="45720" rIns="91440" bIns="45720" numCol="1" spcCol="0" rtlCol="0" fromWordArt="0" anchor="t" anchorCtr="0" forceAA="0" compatLnSpc="1">
+            <a:prstTxWarp prst="textNoShape">
+              <a:avLst/>
+            </a:prstTxWarp>
+            <a:spAutoFit/>
+          </a:bodyPr>
+          <a:lstStyle/>
+          <a:p>
+            <a:r>
+              <a:rPr lang="en-US">
+                <a:cs typeface="Arial"/>
+              </a:rPr>
+              <a:t> forgot password function</a:t>
+            </a:r>
+            <a:endParaRPr lang="en-US"/>
           </a:p>
         </p:txBody>
       </p:sp>
     </p:spTree>
     <p:extLst>
       <p:ext uri="{BB962C8B-B14F-4D97-AF65-F5344CB8AC3E}">
-        <p14:creationId xmlns:p14="http://schemas.microsoft.com/office/powerpoint/2010/main" val="1028896859"/>
+        <p14:creationId xmlns:p14="http://schemas.microsoft.com/office/powerpoint/2010/main" val="1184602361"/>
       </p:ext>
     </p:extLst>
   </p:cSld>
@@ -8666,7 +10134,7 @@
           <p:cNvPr id="2" name="Title 1">
             <a:extLst>
               <a:ext uri="{FF2B5EF4-FFF2-40B4-BE49-F238E27FC236}">
-                <a16:creationId xmlns:a16="http://schemas.microsoft.com/office/drawing/2014/main" id="{1EA55D98-E9A6-9282-398A-A90878D8A840}"/>
+                <a16:creationId xmlns:a16="http://schemas.microsoft.com/office/drawing/2014/main" id="{55E49EA6-356A-E050-B828-8923B9A9D75D}"/>
               </a:ext>
             </a:extLst>
           </p:cNvPr>
@@ -8677,25 +10145,25 @@
             <p:ph type="title"/>
           </p:nvPr>
         </p:nvSpPr>
-        <p:spPr>
-          <a:xfrm>
-            <a:off x="2221737" y="808056"/>
-            <a:ext cx="7958331" cy="1077229"/>
-          </a:xfrm>
-        </p:spPr>
-        <p:txBody>
-          <a:bodyPr vert="horz" lIns="91440" tIns="45720" rIns="91440" bIns="45720" rtlCol="0" anchor="ctr">
-            <a:normAutofit/>
-          </a:bodyPr>
+        <p:spPr/>
+        <p:txBody>
+          <a:bodyPr/>
           <a:lstStyle/>
           <a:p>
-            <a:pPr algn="ctr"/>
-            <a:r>
-              <a:rPr lang="en-US">
-                <a:cs typeface="Arial"/>
-              </a:rPr>
-              <a:t>The Future Plans</a:t>
-            </a:r>
+            <a:pPr algn="l"/>
+            <a:r>
+              <a:rPr lang="en-US" sz="2400">
+                <a:latin typeface="Roboto"/>
+                <a:ea typeface="Roboto"/>
+                <a:cs typeface="Roboto"/>
+              </a:rPr>
+              <a:t>Details of team members' tasks: Patrik</a:t>
+            </a:r>
+          </a:p>
+          <a:p>
+            <a:endParaRPr lang="en-US">
+              <a:cs typeface="Arial"/>
+            </a:endParaRPr>
           </a:p>
         </p:txBody>
       </p:sp>
@@ -8704,7 +10172,7 @@
           <p:cNvPr id="3" name="Content Placeholder 2">
             <a:extLst>
               <a:ext uri="{FF2B5EF4-FFF2-40B4-BE49-F238E27FC236}">
-                <a16:creationId xmlns:a16="http://schemas.microsoft.com/office/drawing/2014/main" id="{829CA93C-F010-1DE2-7077-36C504EEBB82}"/>
+                <a16:creationId xmlns:a16="http://schemas.microsoft.com/office/drawing/2014/main" id="{04970CC2-2C61-7F69-165D-E9FC623AAA45}"/>
               </a:ext>
             </a:extLst>
           </p:cNvPr>
@@ -8715,10 +10183,398 @@
             <p:ph idx="1"/>
           </p:nvPr>
         </p:nvSpPr>
+        <p:spPr/>
+        <p:txBody>
+          <a:bodyPr/>
+          <a:lstStyle/>
+          <a:p>
+            <a:pPr marL="344170" indent="-344170">
+              <a:lnSpc>
+                <a:spcPct val="90000"/>
+              </a:lnSpc>
+              <a:spcAft>
+                <a:spcPts val="0"/>
+              </a:spcAft>
+            </a:pPr>
+            <a:r>
+              <a:rPr lang="en-US" sz="2800">
+                <a:latin typeface="Aptos"/>
+              </a:rPr>
+              <a:t>I came up with the general ideas for our project from the very beginning.</a:t>
+            </a:r>
+          </a:p>
+          <a:p>
+            <a:pPr marL="344170" indent="-344170">
+              <a:lnSpc>
+                <a:spcPct val="90000"/>
+              </a:lnSpc>
+              <a:spcAft>
+                <a:spcPts val="0"/>
+              </a:spcAft>
+            </a:pPr>
+            <a:endParaRPr lang="en-US" sz="2800">
+              <a:latin typeface="Aptos"/>
+            </a:endParaRPr>
+          </a:p>
+          <a:p>
+            <a:pPr marL="344170" indent="-344170">
+              <a:lnSpc>
+                <a:spcPct val="90000"/>
+              </a:lnSpc>
+              <a:spcAft>
+                <a:spcPts val="0"/>
+              </a:spcAft>
+            </a:pPr>
+            <a:r>
+              <a:rPr lang="en-US" sz="2800">
+                <a:latin typeface="Aptos"/>
+              </a:rPr>
+              <a:t>I am also responsible for the database and the desktop game.</a:t>
+            </a:r>
+          </a:p>
+          <a:p>
+            <a:pPr marL="344170" indent="-344170">
+              <a:lnSpc>
+                <a:spcPct val="90000"/>
+              </a:lnSpc>
+              <a:spcAft>
+                <a:spcPts val="0"/>
+              </a:spcAft>
+            </a:pPr>
+            <a:endParaRPr lang="en-US" sz="2800">
+              <a:latin typeface="Aptos"/>
+            </a:endParaRPr>
+          </a:p>
+          <a:p>
+            <a:pPr marL="344170" indent="-344170">
+              <a:lnSpc>
+                <a:spcPct val="90000"/>
+              </a:lnSpc>
+              <a:spcAft>
+                <a:spcPts val="0"/>
+              </a:spcAft>
+            </a:pPr>
+            <a:r>
+              <a:rPr lang="en-US" sz="2800">
+                <a:latin typeface="Aptos"/>
+              </a:rPr>
+              <a:t>I am also the one who started the first half of the original documentation.</a:t>
+            </a:r>
+          </a:p>
+          <a:p>
+            <a:pPr marL="344170" indent="-344170"/>
+            <a:endParaRPr lang="en-US">
+              <a:cs typeface="Arial"/>
+            </a:endParaRPr>
+          </a:p>
+        </p:txBody>
+      </p:sp>
+    </p:spTree>
+    <p:extLst>
+      <p:ext uri="{BB962C8B-B14F-4D97-AF65-F5344CB8AC3E}">
+        <p14:creationId xmlns:p14="http://schemas.microsoft.com/office/powerpoint/2010/main" val="2312196168"/>
+      </p:ext>
+    </p:extLst>
+  </p:cSld>
+  <p:clrMapOvr>
+    <a:masterClrMapping/>
+  </p:clrMapOvr>
+</p:sld>
+</file>
+
+<file path=ppt/slides/slide18.xml><?xml version="1.0" encoding="utf-8"?>
+<p:sld xmlns:a="http://schemas.openxmlformats.org/drawingml/2006/main" xmlns:r="http://schemas.openxmlformats.org/officeDocument/2006/relationships" xmlns:p="http://schemas.openxmlformats.org/presentationml/2006/main">
+  <p:cSld>
+    <p:spTree>
+      <p:nvGrpSpPr>
+        <p:cNvPr id="1" name=""/>
+        <p:cNvGrpSpPr/>
+        <p:nvPr/>
+      </p:nvGrpSpPr>
+      <p:grpSpPr>
+        <a:xfrm>
+          <a:off x="0" y="0"/>
+          <a:ext cx="0" cy="0"/>
+          <a:chOff x="0" y="0"/>
+          <a:chExt cx="0" cy="0"/>
+        </a:xfrm>
+      </p:grpSpPr>
+      <p:sp>
+        <p:nvSpPr>
+          <p:cNvPr id="2" name="Title 1">
+            <a:extLst>
+              <a:ext uri="{FF2B5EF4-FFF2-40B4-BE49-F238E27FC236}">
+                <a16:creationId xmlns:a16="http://schemas.microsoft.com/office/drawing/2014/main" id="{74EDB9E6-7D79-28C6-6E5D-D6C3726A78CE}"/>
+              </a:ext>
+            </a:extLst>
+          </p:cNvPr>
+          <p:cNvSpPr>
+            <a:spLocks noGrp="1"/>
+          </p:cNvSpPr>
+          <p:nvPr>
+            <p:ph type="title"/>
+          </p:nvPr>
+        </p:nvSpPr>
+        <p:spPr/>
+        <p:txBody>
+          <a:bodyPr/>
+          <a:lstStyle/>
+          <a:p>
+            <a:pPr algn="l"/>
+            <a:r>
+              <a:rPr lang="en-US" sz="2400">
+                <a:latin typeface="Roboto"/>
+                <a:ea typeface="Roboto"/>
+                <a:cs typeface="Roboto"/>
+              </a:rPr>
+              <a:t>Details of team members' tasks: </a:t>
+            </a:r>
+            <a:r>
+              <a:rPr lang="en-US" sz="2400">
+                <a:latin typeface="Aptos"/>
+              </a:rPr>
+              <a:t>Ámon</a:t>
+            </a:r>
+          </a:p>
+          <a:p>
+            <a:endParaRPr lang="en-US">
+              <a:cs typeface="Arial"/>
+            </a:endParaRPr>
+          </a:p>
+        </p:txBody>
+      </p:sp>
+      <p:sp>
+        <p:nvSpPr>
+          <p:cNvPr id="3" name="Content Placeholder 2">
+            <a:extLst>
+              <a:ext uri="{FF2B5EF4-FFF2-40B4-BE49-F238E27FC236}">
+                <a16:creationId xmlns:a16="http://schemas.microsoft.com/office/drawing/2014/main" id="{587C027E-F56C-0AB5-8483-9AD9F13CAF22}"/>
+              </a:ext>
+            </a:extLst>
+          </p:cNvPr>
+          <p:cNvSpPr>
+            <a:spLocks noGrp="1"/>
+          </p:cNvSpPr>
+          <p:nvPr>
+            <p:ph idx="1"/>
+          </p:nvPr>
+        </p:nvSpPr>
+        <p:spPr/>
+        <p:txBody>
+          <a:bodyPr/>
+          <a:lstStyle/>
+          <a:p>
+            <a:pPr marL="344170" indent="-344170">
+              <a:lnSpc>
+                <a:spcPct val="90000"/>
+              </a:lnSpc>
+              <a:spcAft>
+                <a:spcPts val="0"/>
+              </a:spcAft>
+            </a:pPr>
+            <a:r>
+              <a:rPr lang="en-US" sz="2400">
+                <a:latin typeface="Aptos"/>
+              </a:rPr>
+              <a:t>My responsibilities included working on the frontend development of the main website, as well as the design of the Dungeon Book and the book's content and the Start website. </a:t>
+            </a:r>
+          </a:p>
+          <a:p>
+            <a:pPr marL="344170" indent="-344170">
+              <a:lnSpc>
+                <a:spcPct val="90000"/>
+              </a:lnSpc>
+              <a:spcAft>
+                <a:spcPts val="0"/>
+              </a:spcAft>
+            </a:pPr>
+            <a:r>
+              <a:rPr lang="en-US" sz="2400">
+                <a:latin typeface="Aptos"/>
+              </a:rPr>
+              <a:t>Additionally, I contributed to the second half of the project documentation, ensuring that all details were clearly outlined and accessible.</a:t>
+            </a:r>
+            <a:endParaRPr lang="en-US">
+              <a:cs typeface="Arial"/>
+            </a:endParaRPr>
+          </a:p>
+        </p:txBody>
+      </p:sp>
+    </p:spTree>
+    <p:extLst>
+      <p:ext uri="{BB962C8B-B14F-4D97-AF65-F5344CB8AC3E}">
+        <p14:creationId xmlns:p14="http://schemas.microsoft.com/office/powerpoint/2010/main" val="3594547065"/>
+      </p:ext>
+    </p:extLst>
+  </p:cSld>
+  <p:clrMapOvr>
+    <a:masterClrMapping/>
+  </p:clrMapOvr>
+</p:sld>
+</file>
+
+<file path=ppt/slides/slide19.xml><?xml version="1.0" encoding="utf-8"?>
+<p:sld xmlns:a="http://schemas.openxmlformats.org/drawingml/2006/main" xmlns:r="http://schemas.openxmlformats.org/officeDocument/2006/relationships" xmlns:p="http://schemas.openxmlformats.org/presentationml/2006/main">
+  <p:cSld>
+    <p:spTree>
+      <p:nvGrpSpPr>
+        <p:cNvPr id="1" name=""/>
+        <p:cNvGrpSpPr/>
+        <p:nvPr/>
+      </p:nvGrpSpPr>
+      <p:grpSpPr>
+        <a:xfrm>
+          <a:off x="0" y="0"/>
+          <a:ext cx="0" cy="0"/>
+          <a:chOff x="0" y="0"/>
+          <a:chExt cx="0" cy="0"/>
+        </a:xfrm>
+      </p:grpSpPr>
+      <p:sp>
+        <p:nvSpPr>
+          <p:cNvPr id="2" name="Title 1">
+            <a:extLst>
+              <a:ext uri="{FF2B5EF4-FFF2-40B4-BE49-F238E27FC236}">
+                <a16:creationId xmlns:a16="http://schemas.microsoft.com/office/drawing/2014/main" id="{E9F36E7C-2557-BBA7-3808-1E9BF5BBA899}"/>
+              </a:ext>
+            </a:extLst>
+          </p:cNvPr>
+          <p:cNvSpPr>
+            <a:spLocks noGrp="1"/>
+          </p:cNvSpPr>
+          <p:nvPr>
+            <p:ph type="title"/>
+          </p:nvPr>
+        </p:nvSpPr>
+        <p:spPr/>
+        <p:txBody>
+          <a:bodyPr/>
+          <a:lstStyle/>
+          <a:p>
+            <a:pPr algn="l"/>
+            <a:r>
+              <a:rPr lang="en-US" sz="2400">
+                <a:latin typeface="Roboto"/>
+                <a:ea typeface="Roboto"/>
+                <a:cs typeface="Roboto"/>
+              </a:rPr>
+              <a:t>Details of team members' tasks; -Tamás</a:t>
+            </a:r>
+          </a:p>
+          <a:p>
+            <a:endParaRPr lang="en-US">
+              <a:cs typeface="Arial"/>
+            </a:endParaRPr>
+          </a:p>
+        </p:txBody>
+      </p:sp>
+      <p:sp>
+        <p:nvSpPr>
+          <p:cNvPr id="3" name="Content Placeholder 2">
+            <a:extLst>
+              <a:ext uri="{FF2B5EF4-FFF2-40B4-BE49-F238E27FC236}">
+                <a16:creationId xmlns:a16="http://schemas.microsoft.com/office/drawing/2014/main" id="{C5ACD3B3-D1A5-26AB-C313-468F261673D5}"/>
+              </a:ext>
+            </a:extLst>
+          </p:cNvPr>
+          <p:cNvSpPr>
+            <a:spLocks noGrp="1"/>
+          </p:cNvSpPr>
+          <p:nvPr>
+            <p:ph idx="1"/>
+          </p:nvPr>
+        </p:nvSpPr>
+        <p:spPr/>
+        <p:txBody>
+          <a:bodyPr/>
+          <a:lstStyle/>
+          <a:p>
+            <a:pPr marL="344170" indent="-344170">
+              <a:lnSpc>
+                <a:spcPct val="90000"/>
+              </a:lnSpc>
+              <a:spcAft>
+                <a:spcPts val="0"/>
+              </a:spcAft>
+            </a:pPr>
+            <a:r>
+              <a:rPr lang="en-US" sz="2400">
+                <a:latin typeface="Aptos"/>
+              </a:rPr>
+              <a:t>I built a comprehensive login and registration system, ensuring seam less user authentication and security. </a:t>
+            </a:r>
+          </a:p>
+          <a:p>
+            <a:pPr marL="344170" indent="-344170">
+              <a:lnSpc>
+                <a:spcPct val="90000"/>
+              </a:lnSpc>
+              <a:spcAft>
+                <a:spcPts val="0"/>
+              </a:spcAft>
+            </a:pPr>
+            <a:r>
+              <a:rPr lang="en-US" sz="2400">
+                <a:latin typeface="Aptos"/>
+              </a:rPr>
+              <a:t>Additionally, I successfully established a robust connection between the frontend and the database, enabling smooth data management and user verification.</a:t>
+            </a:r>
+            <a:endParaRPr lang="en-US">
+              <a:cs typeface="Arial"/>
+            </a:endParaRPr>
+          </a:p>
+        </p:txBody>
+      </p:sp>
+    </p:spTree>
+    <p:extLst>
+      <p:ext uri="{BB962C8B-B14F-4D97-AF65-F5344CB8AC3E}">
+        <p14:creationId xmlns:p14="http://schemas.microsoft.com/office/powerpoint/2010/main" val="3555477790"/>
+      </p:ext>
+    </p:extLst>
+  </p:cSld>
+  <p:clrMapOvr>
+    <a:masterClrMapping/>
+  </p:clrMapOvr>
+</p:sld>
+</file>
+
+<file path=ppt/slides/slide2.xml><?xml version="1.0" encoding="utf-8"?>
+<p:sld xmlns:a="http://schemas.openxmlformats.org/drawingml/2006/main" xmlns:r="http://schemas.openxmlformats.org/officeDocument/2006/relationships" xmlns:p="http://schemas.openxmlformats.org/presentationml/2006/main">
+  <p:cSld>
+    <p:spTree>
+      <p:nvGrpSpPr>
+        <p:cNvPr id="1" name=""/>
+        <p:cNvGrpSpPr/>
+        <p:nvPr/>
+      </p:nvGrpSpPr>
+      <p:grpSpPr>
+        <a:xfrm>
+          <a:off x="0" y="0"/>
+          <a:ext cx="0" cy="0"/>
+          <a:chOff x="0" y="0"/>
+          <a:chExt cx="0" cy="0"/>
+        </a:xfrm>
+      </p:grpSpPr>
+      <p:sp>
+        <p:nvSpPr>
+          <p:cNvPr id="3" name="Content Placeholder 2">
+            <a:extLst>
+              <a:ext uri="{FF2B5EF4-FFF2-40B4-BE49-F238E27FC236}">
+                <a16:creationId xmlns:a16="http://schemas.microsoft.com/office/drawing/2014/main" id="{E482307A-1181-7CF2-6C5A-DE7DC830383C}"/>
+              </a:ext>
+            </a:extLst>
+          </p:cNvPr>
+          <p:cNvSpPr>
+            <a:spLocks noGrp="1"/>
+          </p:cNvSpPr>
+          <p:nvPr>
+            <p:ph idx="1"/>
+          </p:nvPr>
+        </p:nvSpPr>
         <p:spPr>
           <a:xfrm>
-            <a:off x="1446697" y="1885532"/>
-            <a:ext cx="2850963" cy="2981828"/>
+            <a:off x="1271072" y="3248985"/>
+            <a:ext cx="7796540" cy="2800212"/>
           </a:xfrm>
         </p:spPr>
         <p:txBody>
@@ -8727,72 +10583,50 @@
           </a:bodyPr>
           <a:lstStyle/>
           <a:p>
-            <a:pPr marL="344170" indent="-344170"/>
+            <a:pPr marL="0" indent="0">
+              <a:buNone/>
+            </a:pPr>
             <a:r>
               <a:rPr lang="en-US">
                 <a:cs typeface="Arial" panose="020B0604020202020204"/>
               </a:rPr>
-              <a:t> Chat</a:t>
-            </a:r>
-          </a:p>
-          <a:p>
-            <a:pPr marL="795020" lvl="1" indent="-337820">
-              <a:buFont typeface="Courier New" panose="05000000000000000000" pitchFamily="2" charset="2"/>
-              <a:buChar char="o"/>
-            </a:pPr>
+              <a:t>The solution:</a:t>
+            </a:r>
+          </a:p>
+          <a:p>
+            <a:pPr marL="344170" indent="-344170"/>
             <a:r>
               <a:rPr lang="en-US">
                 <a:cs typeface="Arial" panose="020B0604020202020204"/>
               </a:rPr>
-              <a:t>Post</a:t>
-            </a:r>
-          </a:p>
-          <a:p>
-            <a:pPr marL="795020" lvl="1" indent="-337820">
-              <a:buFont typeface="Courier New" panose="05000000000000000000" pitchFamily="2" charset="2"/>
-              <a:buChar char="o"/>
-            </a:pPr>
+              <a:t>Standardized platform</a:t>
+            </a:r>
+          </a:p>
+          <a:p>
+            <a:pPr marL="344170" indent="-344170"/>
             <a:r>
               <a:rPr lang="en-US">
                 <a:cs typeface="Arial" panose="020B0604020202020204"/>
               </a:rPr>
-              <a:t>Comment</a:t>
-            </a:r>
-          </a:p>
-          <a:p>
-            <a:pPr marL="795020" lvl="1" indent="-337820">
-              <a:buFont typeface="Courier New" panose="05000000000000000000" pitchFamily="2" charset="2"/>
-              <a:buChar char="o"/>
-            </a:pPr>
+              <a:t>Easy use</a:t>
+            </a:r>
+          </a:p>
+          <a:p>
+            <a:pPr marL="344170" indent="-344170"/>
             <a:r>
               <a:rPr lang="en-US">
                 <a:cs typeface="Arial" panose="020B0604020202020204"/>
               </a:rPr>
-              <a:t>Post Reaction</a:t>
-            </a:r>
-          </a:p>
-          <a:p>
-            <a:pPr marL="795020" lvl="1" indent="-337820">
-              <a:buFont typeface="Courier New" panose="05000000000000000000" pitchFamily="2" charset="2"/>
-              <a:buChar char="o"/>
-            </a:pPr>
+              <a:t>Dungeon Valley Explorer</a:t>
+            </a:r>
+          </a:p>
+          <a:p>
+            <a:pPr marL="344170" indent="-344170"/>
             <a:r>
               <a:rPr lang="en-US">
                 <a:cs typeface="Arial" panose="020B0604020202020204"/>
               </a:rPr>
-              <a:t>Post Report</a:t>
-            </a:r>
-          </a:p>
-          <a:p>
-            <a:pPr marL="795020" lvl="1" indent="-337820">
-              <a:buFont typeface="Courier New" panose="05000000000000000000" pitchFamily="2" charset="2"/>
-              <a:buChar char="o"/>
-            </a:pPr>
-            <a:r>
-              <a:rPr lang="en-US">
-                <a:cs typeface="Arial" panose="020B0604020202020204"/>
-              </a:rPr>
-              <a:t>Search</a:t>
+              <a:t>Our own game to avoid using other works.</a:t>
             </a:r>
           </a:p>
         </p:txBody>
@@ -8802,7 +10636,7 @@
           <p:cNvPr id="5" name="Content Placeholder 2">
             <a:extLst>
               <a:ext uri="{FF2B5EF4-FFF2-40B4-BE49-F238E27FC236}">
-                <a16:creationId xmlns:a16="http://schemas.microsoft.com/office/drawing/2014/main" id="{E4A8C1E4-575F-9ED6-C369-EBA0D315C6E9}"/>
+                <a16:creationId xmlns:a16="http://schemas.microsoft.com/office/drawing/2014/main" id="{046EFB61-DF11-EE28-DB32-95D3C24DCADE}"/>
               </a:ext>
             </a:extLst>
           </p:cNvPr>
@@ -8813,8 +10647,8 @@
         </p:nvSpPr>
         <p:spPr>
           <a:xfrm>
-            <a:off x="4300733" y="1889490"/>
-            <a:ext cx="2643145" cy="2544948"/>
+            <a:off x="1275031" y="808606"/>
+            <a:ext cx="7796540" cy="1810602"/>
           </a:xfrm>
           <a:prstGeom prst="rect">
             <a:avLst/>
@@ -9061,469 +10895,34 @@
             </a:lvl9pPr>
           </a:lstStyle>
           <a:p>
-            <a:pPr marL="342900" indent="-342900"/>
+            <a:pPr marL="0" indent="0">
+              <a:buNone/>
+            </a:pPr>
             <a:r>
               <a:rPr lang="en-US">
                 <a:cs typeface="Arial" panose="020B0604020202020204"/>
               </a:rPr>
-              <a:t> Gallery</a:t>
+              <a:t>The problem:</a:t>
             </a:r>
             <a:endParaRPr lang="en-US"/>
           </a:p>
           <a:p>
-            <a:pPr marL="795020" lvl="1" indent="-344170">
-              <a:buFont typeface="Courier New" panose="05000000000000000000" pitchFamily="2" charset="2"/>
-              <a:buChar char="o"/>
-            </a:pPr>
-            <a:r>
-              <a:rPr lang="en-US">
+            <a:pPr marL="344170" indent="-344170"/>
+            <a:r>
+              <a:rPr lang="en-US" sz="1800">
                 <a:cs typeface="Arial" panose="020B0604020202020204"/>
               </a:rPr>
-              <a:t>Game Assets</a:t>
-            </a:r>
-          </a:p>
-          <a:p>
-            <a:pPr marL="795020" lvl="1" indent="-344170">
-              <a:buFont typeface="Courier New" panose="05000000000000000000" pitchFamily="2" charset="2"/>
-              <a:buChar char="o"/>
-            </a:pPr>
-            <a:r>
-              <a:rPr lang="en-US">
+              <a:t>Communities don't have a standard website for their own needs.</a:t>
+            </a:r>
+            <a:endParaRPr lang="en-US"/>
+          </a:p>
+          <a:p>
+            <a:pPr marL="344170" indent="-344170"/>
+            <a:r>
+              <a:rPr lang="en-US" sz="1800">
                 <a:cs typeface="Arial" panose="020B0604020202020204"/>
               </a:rPr>
-              <a:t>Search</a:t>
-            </a:r>
-          </a:p>
-          <a:p>
-            <a:pPr marL="795020" lvl="1" indent="-344170">
-              <a:buFont typeface="Courier New" panose="05000000000000000000" pitchFamily="2" charset="2"/>
-              <a:buChar char="o"/>
-            </a:pPr>
-            <a:r>
-              <a:rPr lang="en-US">
-                <a:cs typeface="Arial" panose="020B0604020202020204"/>
-              </a:rPr>
-              <a:t>Educational</a:t>
-            </a:r>
-          </a:p>
-        </p:txBody>
-      </p:sp>
-      <p:sp>
-        <p:nvSpPr>
-          <p:cNvPr id="6" name="Content Placeholder 2">
-            <a:extLst>
-              <a:ext uri="{FF2B5EF4-FFF2-40B4-BE49-F238E27FC236}">
-                <a16:creationId xmlns:a16="http://schemas.microsoft.com/office/drawing/2014/main" id="{3AC59145-88AF-8B1F-B963-EECD65BC89D8}"/>
-              </a:ext>
-            </a:extLst>
-          </p:cNvPr>
-          <p:cNvSpPr txBox="1">
-            <a:spLocks/>
-          </p:cNvSpPr>
-          <p:nvPr/>
-        </p:nvSpPr>
-        <p:spPr>
-          <a:xfrm>
-            <a:off x="7536759" y="1889490"/>
-            <a:ext cx="3711924" cy="5086398"/>
-          </a:xfrm>
-          <a:prstGeom prst="rect">
-            <a:avLst/>
-          </a:prstGeom>
-        </p:spPr>
-        <p:txBody>
-          <a:bodyPr vert="horz" lIns="91440" tIns="45720" rIns="91440" bIns="45720" rtlCol="0" anchor="t">
-            <a:normAutofit lnSpcReduction="10000"/>
-          </a:bodyPr>
-          <a:lstStyle>
-            <a:lvl1pPr marL="344488" indent="-344488" algn="l" defTabSz="914400" rtl="0" eaLnBrk="1" latinLnBrk="0" hangingPunct="1">
-              <a:lnSpc>
-                <a:spcPct val="120000"/>
-              </a:lnSpc>
-              <a:spcBef>
-                <a:spcPts val="1000"/>
-              </a:spcBef>
-              <a:spcAft>
-                <a:spcPts val="600"/>
-              </a:spcAft>
-              <a:buClr>
-                <a:schemeClr val="accent6"/>
-              </a:buClr>
-              <a:buSzPct val="90000"/>
-              <a:buFont typeface="Wingdings" panose="05000000000000000000" pitchFamily="2" charset="2"/>
-              <a:buChar char="§"/>
-              <a:defRPr sz="2000" kern="1200">
-                <a:solidFill>
-                  <a:schemeClr val="tx1"/>
-                </a:solidFill>
-                <a:effectLst/>
-                <a:latin typeface="+mn-lt"/>
-                <a:ea typeface="+mn-ea"/>
-                <a:cs typeface="+mn-cs"/>
-              </a:defRPr>
-            </a:lvl1pPr>
-            <a:lvl2pPr marL="795338" indent="-338138" algn="l" defTabSz="914400" rtl="0" eaLnBrk="1" latinLnBrk="0" hangingPunct="1">
-              <a:lnSpc>
-                <a:spcPct val="120000"/>
-              </a:lnSpc>
-              <a:spcBef>
-                <a:spcPts val="500"/>
-              </a:spcBef>
-              <a:spcAft>
-                <a:spcPts val="600"/>
-              </a:spcAft>
-              <a:buClr>
-                <a:schemeClr val="accent6"/>
-              </a:buClr>
-              <a:buSzPct val="90000"/>
-              <a:buFont typeface="Wingdings" panose="05000000000000000000" pitchFamily="2" charset="2"/>
-              <a:buChar char="§"/>
-              <a:defRPr sz="1800" kern="1200">
-                <a:solidFill>
-                  <a:schemeClr val="tx1"/>
-                </a:solidFill>
-                <a:effectLst/>
-                <a:latin typeface="+mn-lt"/>
-                <a:ea typeface="+mn-ea"/>
-                <a:cs typeface="+mn-cs"/>
-              </a:defRPr>
-            </a:lvl2pPr>
-            <a:lvl3pPr marL="1258888" indent="-344488" algn="l" defTabSz="914400" rtl="0" eaLnBrk="1" latinLnBrk="0" hangingPunct="1">
-              <a:lnSpc>
-                <a:spcPct val="120000"/>
-              </a:lnSpc>
-              <a:spcBef>
-                <a:spcPts val="500"/>
-              </a:spcBef>
-              <a:spcAft>
-                <a:spcPts val="600"/>
-              </a:spcAft>
-              <a:buClr>
-                <a:schemeClr val="accent6"/>
-              </a:buClr>
-              <a:buSzPct val="90000"/>
-              <a:buFont typeface="Wingdings" panose="05000000000000000000" pitchFamily="2" charset="2"/>
-              <a:buChar char="§"/>
-              <a:defRPr sz="1600" kern="1200">
-                <a:solidFill>
-                  <a:schemeClr val="tx1"/>
-                </a:solidFill>
-                <a:effectLst/>
-                <a:latin typeface="+mn-lt"/>
-                <a:ea typeface="+mn-ea"/>
-                <a:cs typeface="+mn-cs"/>
-              </a:defRPr>
-            </a:lvl3pPr>
-            <a:lvl4pPr marL="1709738" indent="-338138" algn="l" defTabSz="914400" rtl="0" eaLnBrk="1" latinLnBrk="0" hangingPunct="1">
-              <a:lnSpc>
-                <a:spcPct val="120000"/>
-              </a:lnSpc>
-              <a:spcBef>
-                <a:spcPts val="500"/>
-              </a:spcBef>
-              <a:spcAft>
-                <a:spcPts val="600"/>
-              </a:spcAft>
-              <a:buClr>
-                <a:schemeClr val="accent6"/>
-              </a:buClr>
-              <a:buSzPct val="90000"/>
-              <a:buFont typeface="Wingdings" panose="05000000000000000000" pitchFamily="2" charset="2"/>
-              <a:buChar char="§"/>
-              <a:defRPr sz="1400" kern="1200">
-                <a:solidFill>
-                  <a:schemeClr val="tx1"/>
-                </a:solidFill>
-                <a:effectLst/>
-                <a:latin typeface="+mn-lt"/>
-                <a:ea typeface="+mn-ea"/>
-                <a:cs typeface="+mn-cs"/>
-              </a:defRPr>
-            </a:lvl4pPr>
-            <a:lvl5pPr marL="2173288" indent="-344488" algn="l" defTabSz="914400" rtl="0" eaLnBrk="1" latinLnBrk="0" hangingPunct="1">
-              <a:lnSpc>
-                <a:spcPct val="120000"/>
-              </a:lnSpc>
-              <a:spcBef>
-                <a:spcPts val="500"/>
-              </a:spcBef>
-              <a:spcAft>
-                <a:spcPts val="600"/>
-              </a:spcAft>
-              <a:buClr>
-                <a:schemeClr val="accent6"/>
-              </a:buClr>
-              <a:buSzPct val="90000"/>
-              <a:buFont typeface="Wingdings" panose="05000000000000000000" pitchFamily="2" charset="2"/>
-              <a:buChar char="§"/>
-              <a:defRPr sz="1200" kern="1200">
-                <a:solidFill>
-                  <a:schemeClr val="tx1"/>
-                </a:solidFill>
-                <a:effectLst/>
-                <a:latin typeface="+mn-lt"/>
-                <a:ea typeface="+mn-ea"/>
-                <a:cs typeface="+mn-cs"/>
-              </a:defRPr>
-            </a:lvl5pPr>
-            <a:lvl6pPr marL="2642616" indent="-338328" algn="l" defTabSz="914400" rtl="0" eaLnBrk="1" latinLnBrk="0" hangingPunct="1">
-              <a:lnSpc>
-                <a:spcPct val="120000"/>
-              </a:lnSpc>
-              <a:spcBef>
-                <a:spcPts val="500"/>
-              </a:spcBef>
-              <a:spcAft>
-                <a:spcPts val="600"/>
-              </a:spcAft>
-              <a:buClr>
-                <a:schemeClr val="accent6"/>
-              </a:buClr>
-              <a:buSzPct val="90000"/>
-              <a:buFont typeface="Wingdings" panose="05000000000000000000" pitchFamily="2" charset="2"/>
-              <a:buChar char="§"/>
-              <a:defRPr sz="1200" kern="1200" baseline="0">
-                <a:solidFill>
-                  <a:schemeClr val="tx1"/>
-                </a:solidFill>
-                <a:effectLst/>
-                <a:latin typeface="+mn-lt"/>
-                <a:ea typeface="+mn-ea"/>
-                <a:cs typeface="+mn-cs"/>
-              </a:defRPr>
-            </a:lvl6pPr>
-            <a:lvl7pPr marL="3108960" indent="-338328" algn="l" defTabSz="914400" rtl="0" eaLnBrk="1" latinLnBrk="0" hangingPunct="1">
-              <a:lnSpc>
-                <a:spcPct val="120000"/>
-              </a:lnSpc>
-              <a:spcBef>
-                <a:spcPts val="500"/>
-              </a:spcBef>
-              <a:spcAft>
-                <a:spcPts val="600"/>
-              </a:spcAft>
-              <a:buClr>
-                <a:schemeClr val="accent6"/>
-              </a:buClr>
-              <a:buSzPct val="90000"/>
-              <a:buFont typeface="Wingdings" panose="05000000000000000000" pitchFamily="2" charset="2"/>
-              <a:buChar char="§"/>
-              <a:defRPr sz="1200" kern="1200" baseline="0">
-                <a:solidFill>
-                  <a:schemeClr val="tx1"/>
-                </a:solidFill>
-                <a:effectLst/>
-                <a:latin typeface="+mn-lt"/>
-                <a:ea typeface="+mn-ea"/>
-                <a:cs typeface="+mn-cs"/>
-              </a:defRPr>
-            </a:lvl7pPr>
-            <a:lvl8pPr marL="3575304" indent="-338328" algn="l" defTabSz="914400" rtl="0" eaLnBrk="1" latinLnBrk="0" hangingPunct="1">
-              <a:lnSpc>
-                <a:spcPct val="120000"/>
-              </a:lnSpc>
-              <a:spcBef>
-                <a:spcPts val="500"/>
-              </a:spcBef>
-              <a:spcAft>
-                <a:spcPts val="600"/>
-              </a:spcAft>
-              <a:buClr>
-                <a:schemeClr val="accent6"/>
-              </a:buClr>
-              <a:buSzPct val="90000"/>
-              <a:buFont typeface="Wingdings" panose="05000000000000000000" pitchFamily="2" charset="2"/>
-              <a:buChar char="§"/>
-              <a:defRPr sz="1200" kern="1200" baseline="0">
-                <a:solidFill>
-                  <a:schemeClr val="tx1"/>
-                </a:solidFill>
-                <a:effectLst/>
-                <a:latin typeface="+mn-lt"/>
-                <a:ea typeface="+mn-ea"/>
-                <a:cs typeface="+mn-cs"/>
-              </a:defRPr>
-            </a:lvl8pPr>
-            <a:lvl9pPr marL="4041648" indent="-338328" algn="l" defTabSz="914400" rtl="0" eaLnBrk="1" latinLnBrk="0" hangingPunct="1">
-              <a:lnSpc>
-                <a:spcPct val="120000"/>
-              </a:lnSpc>
-              <a:spcBef>
-                <a:spcPts val="500"/>
-              </a:spcBef>
-              <a:spcAft>
-                <a:spcPts val="600"/>
-              </a:spcAft>
-              <a:buClr>
-                <a:schemeClr val="accent6"/>
-              </a:buClr>
-              <a:buSzPct val="90000"/>
-              <a:buFont typeface="Wingdings" panose="05000000000000000000" pitchFamily="2" charset="2"/>
-              <a:buChar char="§"/>
-              <a:defRPr sz="1200" kern="1200" baseline="0">
-                <a:solidFill>
-                  <a:schemeClr val="tx1"/>
-                </a:solidFill>
-                <a:effectLst/>
-                <a:latin typeface="+mn-lt"/>
-                <a:ea typeface="+mn-ea"/>
-                <a:cs typeface="+mn-cs"/>
-              </a:defRPr>
-            </a:lvl9pPr>
-          </a:lstStyle>
-          <a:p>
-            <a:pPr marL="342900" indent="-342900"/>
-            <a:r>
-              <a:rPr lang="en-US">
-                <a:cs typeface="Arial" panose="020B0604020202020204"/>
-              </a:rPr>
-              <a:t> Game</a:t>
-            </a:r>
-          </a:p>
-          <a:p>
-            <a:pPr marL="795020" lvl="1" indent="-344170"/>
-            <a:r>
-              <a:rPr lang="en-US">
-                <a:cs typeface="Arial" panose="020B0604020202020204"/>
-              </a:rPr>
-              <a:t>Richer Content</a:t>
-            </a:r>
-          </a:p>
-          <a:p>
-            <a:pPr marL="795020" lvl="1" indent="-344170"/>
-            <a:r>
-              <a:rPr lang="en-US">
-                <a:cs typeface="Arial" panose="020B0604020202020204"/>
-              </a:rPr>
-              <a:t>More complex mechanics</a:t>
-            </a:r>
-          </a:p>
-          <a:p>
-            <a:pPr marL="795020" lvl="1" indent="-344170"/>
-            <a:r>
-              <a:rPr lang="en-US">
-                <a:cs typeface="Arial" panose="020B0604020202020204"/>
-              </a:rPr>
-              <a:t>Quests</a:t>
-            </a:r>
-          </a:p>
-          <a:p>
-            <a:pPr marL="795020" lvl="1" indent="-344170"/>
-            <a:r>
-              <a:rPr lang="en-US">
-                <a:cs typeface="Arial" panose="020B0604020202020204"/>
-              </a:rPr>
-              <a:t>Actual Story</a:t>
-            </a:r>
-          </a:p>
-          <a:p>
-            <a:pPr marL="795020" lvl="1" indent="-344170"/>
-            <a:r>
-              <a:rPr lang="en-US">
-                <a:cs typeface="Arial" panose="020B0604020202020204"/>
-              </a:rPr>
-              <a:t>Actual Tutorial</a:t>
-            </a:r>
-          </a:p>
-          <a:p>
-            <a:pPr marL="795020" lvl="1" indent="-344170"/>
-            <a:r>
-              <a:rPr lang="en-US">
-                <a:cs typeface="Arial" panose="020B0604020202020204"/>
-              </a:rPr>
-              <a:t>Town activities</a:t>
-            </a:r>
-          </a:p>
-          <a:p>
-            <a:pPr marL="1258570" lvl="2" indent="-344170">
-              <a:buFont typeface="Courier New,monospace" panose="05000000000000000000" pitchFamily="2" charset="2"/>
-              <a:buChar char="o"/>
-            </a:pPr>
-            <a:r>
-              <a:rPr lang="en-US">
-                <a:cs typeface="Arial" panose="020B0604020202020204"/>
-              </a:rPr>
-              <a:t>Church</a:t>
-            </a:r>
-          </a:p>
-          <a:p>
-            <a:pPr marL="1258570" lvl="2" indent="-344170">
-              <a:buFont typeface="Courier New,monospace" panose="05000000000000000000" pitchFamily="2" charset="2"/>
-              <a:buChar char="o"/>
-            </a:pPr>
-            <a:r>
-              <a:rPr lang="en-US">
-                <a:cs typeface="Arial" panose="020B0604020202020204"/>
-              </a:rPr>
-              <a:t>Alchemist</a:t>
-            </a:r>
-          </a:p>
-          <a:p>
-            <a:pPr marL="1258570" lvl="2" indent="-344170">
-              <a:buFont typeface="Courier New,monospace" panose="05000000000000000000" pitchFamily="2" charset="2"/>
-              <a:buChar char="o"/>
-            </a:pPr>
-            <a:r>
-              <a:rPr lang="en-US">
-                <a:cs typeface="Arial" panose="020B0604020202020204"/>
-              </a:rPr>
-              <a:t>Merchant</a:t>
-            </a:r>
-            <a:endParaRPr lang="en-US"/>
-          </a:p>
-          <a:p>
-            <a:pPr marL="795020" lvl="1" indent="-344170"/>
-            <a:r>
-              <a:rPr lang="en-US">
-                <a:cs typeface="Arial" panose="020B0604020202020204"/>
-              </a:rPr>
-              <a:t>A finished product</a:t>
-            </a:r>
-          </a:p>
-          <a:p>
-            <a:pPr marL="795020" lvl="1" indent="-344170"/>
-            <a:endParaRPr lang="en-US">
-              <a:cs typeface="Arial" panose="020B0604020202020204"/>
-            </a:endParaRPr>
-          </a:p>
-        </p:txBody>
-      </p:sp>
-      <p:sp>
-        <p:nvSpPr>
-          <p:cNvPr id="7" name="TextBox 6">
-            <a:extLst>
-              <a:ext uri="{FF2B5EF4-FFF2-40B4-BE49-F238E27FC236}">
-                <a16:creationId xmlns:a16="http://schemas.microsoft.com/office/drawing/2014/main" id="{61984E79-A619-B1FB-9E1E-0199885B6DD8}"/>
-              </a:ext>
-            </a:extLst>
-          </p:cNvPr>
-          <p:cNvSpPr txBox="1"/>
-          <p:nvPr/>
-        </p:nvSpPr>
-        <p:spPr>
-          <a:xfrm>
-            <a:off x="4300945" y="4056199"/>
-            <a:ext cx="2938961" cy="369332"/>
-          </a:xfrm>
-          <a:prstGeom prst="rect">
-            <a:avLst/>
-          </a:prstGeom>
-          <a:noFill/>
-        </p:spPr>
-        <p:txBody>
-          <a:bodyPr rot="0" spcFirstLastPara="0" vertOverflow="overflow" horzOverflow="overflow" vert="horz" wrap="square" lIns="91440" tIns="45720" rIns="91440" bIns="45720" numCol="1" spcCol="0" rtlCol="0" fromWordArt="0" anchor="t" anchorCtr="0" forceAA="0" compatLnSpc="1">
-            <a:prstTxWarp prst="textNoShape">
-              <a:avLst/>
-            </a:prstTxWarp>
-            <a:spAutoFit/>
-          </a:bodyPr>
-          <a:lstStyle/>
-          <a:p>
-            <a:r>
-              <a:rPr lang="en-US">
-                <a:cs typeface="Arial"/>
-              </a:rPr>
-              <a:t> forgot password function</a:t>
+              <a:t>We don't want to use an existing work to base the website on.</a:t>
             </a:r>
             <a:endParaRPr lang="en-US"/>
           </a:p>
@@ -9532,7 +10931,7 @@
     </p:spTree>
     <p:extLst>
       <p:ext uri="{BB962C8B-B14F-4D97-AF65-F5344CB8AC3E}">
-        <p14:creationId xmlns:p14="http://schemas.microsoft.com/office/powerpoint/2010/main" val="1184602361"/>
+        <p14:creationId xmlns:p14="http://schemas.microsoft.com/office/powerpoint/2010/main" val="2284288422"/>
       </p:ext>
     </p:extLst>
   </p:cSld>
@@ -9542,7 +10941,7 @@
 </p:sld>
 </file>
 
-<file path=ppt/slides/slide18.xml><?xml version="1.0" encoding="utf-8"?>
+<file path=ppt/slides/slide20.xml><?xml version="1.0" encoding="utf-8"?>
 <p:sld xmlns:a="http://schemas.openxmlformats.org/drawingml/2006/main" xmlns:r="http://schemas.openxmlformats.org/officeDocument/2006/relationships" xmlns:p="http://schemas.openxmlformats.org/presentationml/2006/main">
   <p:cSld>
     <p:spTree>
@@ -9564,7 +10963,7 @@
           <p:cNvPr id="2" name="Title 1">
             <a:extLst>
               <a:ext uri="{FF2B5EF4-FFF2-40B4-BE49-F238E27FC236}">
-                <a16:creationId xmlns:a16="http://schemas.microsoft.com/office/drawing/2014/main" id="{55E49EA6-356A-E050-B828-8923B9A9D75D}"/>
+                <a16:creationId xmlns:a16="http://schemas.microsoft.com/office/drawing/2014/main" id="{FD729DD1-C965-D581-3A44-D53F75E4D790}"/>
               </a:ext>
             </a:extLst>
           </p:cNvPr>
@@ -9580,15 +10979,14 @@
           <a:bodyPr/>
           <a:lstStyle/>
           <a:p>
-            <a:pPr algn="l"/>
-            <a:r>
-              <a:rPr lang="en-US" sz="2400">
-                <a:latin typeface="Roboto"/>
-                <a:ea typeface="Roboto"/>
-                <a:cs typeface="Roboto"/>
-              </a:rPr>
-              <a:t>Details of team members' tasks: Patrik</a:t>
-            </a:r>
+            <a:pPr algn="ctr"/>
+            <a:r>
+              <a:rPr lang="en-US" sz="4400">
+                <a:latin typeface="Aptos Display"/>
+              </a:rPr>
+              <a:t>Frontend</a:t>
+            </a:r>
+            <a:endParaRPr lang="en-US"/>
           </a:p>
           <a:p>
             <a:endParaRPr lang="en-US">
@@ -9602,7 +11000,7 @@
           <p:cNvPr id="3" name="Content Placeholder 2">
             <a:extLst>
               <a:ext uri="{FF2B5EF4-FFF2-40B4-BE49-F238E27FC236}">
-                <a16:creationId xmlns:a16="http://schemas.microsoft.com/office/drawing/2014/main" id="{04970CC2-2C61-7F69-165D-E9FC623AAA45}"/>
+                <a16:creationId xmlns:a16="http://schemas.microsoft.com/office/drawing/2014/main" id="{09ACC435-7D9E-0F01-543C-8F346C74A1E8}"/>
               </a:ext>
             </a:extLst>
           </p:cNvPr>
@@ -9613,9 +11011,16 @@
             <p:ph idx="1"/>
           </p:nvPr>
         </p:nvSpPr>
-        <p:spPr/>
-        <p:txBody>
-          <a:bodyPr/>
+        <p:spPr>
+          <a:xfrm>
+            <a:off x="2773599" y="2072436"/>
+            <a:ext cx="7796540" cy="3977508"/>
+          </a:xfrm>
+        </p:spPr>
+        <p:txBody>
+          <a:bodyPr>
+            <a:normAutofit fontScale="85000" lnSpcReduction="20000"/>
+          </a:bodyPr>
           <a:lstStyle/>
           <a:p>
             <a:pPr marL="344170" indent="-344170">
@@ -9630,7 +11035,31 @@
               <a:rPr lang="en-US" sz="2800">
                 <a:latin typeface="Aptos"/>
               </a:rPr>
-              <a:t>I came up with the general ideas for our project from the very beginning.</a:t>
+              <a:t>On the landing page, visitors will find a brief introduction along with an overview of what we offer. There will be </a:t>
+            </a:r>
+            <a:r>
+              <a:rPr lang="en-US" sz="2800" b="1">
+                <a:latin typeface="Aptos"/>
+              </a:rPr>
+              <a:t>Sign Up</a:t>
+            </a:r>
+            <a:r>
+              <a:rPr lang="en-US" sz="2800">
+                <a:latin typeface="Aptos"/>
+              </a:rPr>
+              <a:t> and </a:t>
+            </a:r>
+            <a:r>
+              <a:rPr lang="en-US" sz="2800" b="1">
+                <a:latin typeface="Aptos"/>
+              </a:rPr>
+              <a:t>Login</a:t>
+            </a:r>
+            <a:r>
+              <a:rPr lang="en-US" sz="2800">
+                <a:latin typeface="Aptos"/>
+              </a:rPr>
+              <a:t> buttons available.</a:t>
             </a:r>
           </a:p>
           <a:p>
@@ -9642,9 +11071,36 @@
                 <a:spcPts val="0"/>
               </a:spcAft>
             </a:pPr>
-            <a:endParaRPr lang="en-US" sz="2800">
-              <a:latin typeface="Aptos"/>
-            </a:endParaRPr>
+            <a:r>
+              <a:rPr lang="en-US" sz="2800">
+                <a:latin typeface="Aptos"/>
+              </a:rPr>
+              <a:t>When users click on these buttons, they will be directed to the respective </a:t>
+            </a:r>
+            <a:r>
+              <a:rPr lang="en-US" sz="2800" b="1">
+                <a:latin typeface="Aptos"/>
+              </a:rPr>
+              <a:t>Sign Up</a:t>
+            </a:r>
+            <a:r>
+              <a:rPr lang="en-US" sz="2800">
+                <a:latin typeface="Aptos"/>
+              </a:rPr>
+              <a:t> or </a:t>
+            </a:r>
+            <a:r>
+              <a:rPr lang="en-US" sz="2800" b="1">
+                <a:latin typeface="Aptos"/>
+              </a:rPr>
+              <a:t>Login</a:t>
+            </a:r>
+            <a:r>
+              <a:rPr lang="en-US" sz="2800">
+                <a:latin typeface="Aptos"/>
+              </a:rPr>
+              <a:t> forms.</a:t>
+            </a:r>
           </a:p>
           <a:p>
             <a:pPr marL="344170" indent="-344170">
@@ -9659,8 +11115,40 @@
               <a:rPr lang="en-US" sz="2800">
                 <a:latin typeface="Aptos"/>
               </a:rPr>
-              <a:t>I am also responsible for the database and the desktop game.</a:t>
-            </a:r>
+              <a:t>Upon successful registration, they will receive a welcome message:</a:t>
+            </a:r>
+            <a:br>
+              <a:rPr lang="en-US" sz="2800">
+                <a:latin typeface="Aptos"/>
+              </a:rPr>
+            </a:br>
+            <a:r>
+              <a:rPr lang="en-US" sz="2800">
+                <a:latin typeface="Aptos"/>
+              </a:rPr>
+              <a:t> </a:t>
+            </a:r>
+            <a:r>
+              <a:rPr lang="en-US" sz="2800" b="1">
+                <a:latin typeface="Aptos"/>
+              </a:rPr>
+              <a:t>"</a:t>
+            </a:r>
+            <a:r>
+              <a:rPr lang="en-US" sz="2800">
+                <a:latin typeface="Aptos"/>
+              </a:rPr>
+              <a:t>Dear (user,) thank you for registering! We're excited to have you on board.</a:t>
+            </a:r>
+            <a:r>
+              <a:rPr lang="en-US" sz="2800" b="1">
+                <a:latin typeface="Aptos"/>
+              </a:rPr>
+              <a:t>"</a:t>
+            </a:r>
+            <a:endParaRPr lang="en-US" sz="2800">
+              <a:latin typeface="Aptos"/>
+            </a:endParaRPr>
           </a:p>
           <a:p>
             <a:pPr marL="344170" indent="-344170">
@@ -9671,24 +11159,11 @@
                 <a:spcPts val="0"/>
               </a:spcAft>
             </a:pPr>
-            <a:endParaRPr lang="en-US" sz="2800">
-              <a:latin typeface="Aptos"/>
-            </a:endParaRPr>
-          </a:p>
-          <a:p>
-            <a:pPr marL="344170" indent="-344170">
-              <a:lnSpc>
-                <a:spcPct val="90000"/>
-              </a:lnSpc>
-              <a:spcAft>
-                <a:spcPts val="0"/>
-              </a:spcAft>
-            </a:pPr>
             <a:r>
               <a:rPr lang="en-US" sz="2800">
                 <a:latin typeface="Aptos"/>
               </a:rPr>
-              <a:t>I am also the one who started the first half of the original documentation.</a:t>
+              <a:t>After that, they will be redirected to the main site, where they will have the opportunity to download the game.</a:t>
             </a:r>
           </a:p>
           <a:p>
@@ -9702,7 +11177,7 @@
     </p:spTree>
     <p:extLst>
       <p:ext uri="{BB962C8B-B14F-4D97-AF65-F5344CB8AC3E}">
-        <p14:creationId xmlns:p14="http://schemas.microsoft.com/office/powerpoint/2010/main" val="2312196168"/>
+        <p14:creationId xmlns:p14="http://schemas.microsoft.com/office/powerpoint/2010/main" val="1197620819"/>
       </p:ext>
     </p:extLst>
   </p:cSld>
@@ -9712,7 +11187,7 @@
 </p:sld>
 </file>
 
-<file path=ppt/slides/slide19.xml><?xml version="1.0" encoding="utf-8"?>
+<file path=ppt/slides/slide21.xml><?xml version="1.0" encoding="utf-8"?>
 <p:sld xmlns:a="http://schemas.openxmlformats.org/drawingml/2006/main" xmlns:r="http://schemas.openxmlformats.org/officeDocument/2006/relationships" xmlns:p="http://schemas.openxmlformats.org/presentationml/2006/main">
   <p:cSld>
     <p:spTree>
@@ -9734,7 +11209,7 @@
           <p:cNvPr id="2" name="Title 1">
             <a:extLst>
               <a:ext uri="{FF2B5EF4-FFF2-40B4-BE49-F238E27FC236}">
-                <a16:creationId xmlns:a16="http://schemas.microsoft.com/office/drawing/2014/main" id="{74EDB9E6-7D79-28C6-6E5D-D6C3726A78CE}"/>
+                <a16:creationId xmlns:a16="http://schemas.microsoft.com/office/drawing/2014/main" id="{E716623D-2326-652D-7B22-39A537F178F0}"/>
               </a:ext>
             </a:extLst>
           </p:cNvPr>
@@ -9750,26 +11225,13 @@
           <a:bodyPr/>
           <a:lstStyle/>
           <a:p>
-            <a:pPr algn="l"/>
-            <a:r>
-              <a:rPr lang="en-US" sz="2400">
-                <a:latin typeface="Roboto"/>
-                <a:ea typeface="Roboto"/>
-                <a:cs typeface="Roboto"/>
-              </a:rPr>
-              <a:t>Details of team members' tasks: </a:t>
-            </a:r>
-            <a:r>
-              <a:rPr lang="en-US" sz="2400">
-                <a:latin typeface="Aptos"/>
-              </a:rPr>
-              <a:t>Ámon</a:t>
-            </a:r>
-          </a:p>
-          <a:p>
-            <a:endParaRPr lang="en-US">
-              <a:cs typeface="Arial"/>
-            </a:endParaRPr>
+            <a:pPr algn="ctr"/>
+            <a:r>
+              <a:rPr lang="en-US" dirty="0">
+                <a:cs typeface="Arial"/>
+              </a:rPr>
+              <a:t>Backend</a:t>
+            </a:r>
           </a:p>
         </p:txBody>
       </p:sp>
@@ -9778,7 +11240,7 @@
           <p:cNvPr id="3" name="Content Placeholder 2">
             <a:extLst>
               <a:ext uri="{FF2B5EF4-FFF2-40B4-BE49-F238E27FC236}">
-                <a16:creationId xmlns:a16="http://schemas.microsoft.com/office/drawing/2014/main" id="{587C027E-F56C-0AB5-8483-9AD9F13CAF22}"/>
+                <a16:creationId xmlns:a16="http://schemas.microsoft.com/office/drawing/2014/main" id="{C9525800-6106-91C7-F746-200636BA13FA}"/>
               </a:ext>
             </a:extLst>
           </p:cNvPr>
@@ -9794,38 +11256,15 @@
           <a:bodyPr/>
           <a:lstStyle/>
           <a:p>
-            <a:pPr marL="344170" indent="-344170">
-              <a:lnSpc>
-                <a:spcPct val="90000"/>
-              </a:lnSpc>
-              <a:spcAft>
-                <a:spcPts val="0"/>
-              </a:spcAft>
-            </a:pPr>
-            <a:r>
-              <a:rPr lang="en-US" sz="2400">
+            <a:pPr marL="344170" indent="-344170"/>
+            <a:r>
+              <a:rPr lang="en-US" sz="2800">
                 <a:latin typeface="Aptos"/>
               </a:rPr>
-              <a:t>My responsibilities included working on the frontend development of the main website, as well as the design of the Dungeon Book and the book's content and the Start website. </a:t>
-            </a:r>
-          </a:p>
-          <a:p>
-            <a:pPr marL="344170" indent="-344170">
-              <a:lnSpc>
-                <a:spcPct val="90000"/>
-              </a:lnSpc>
-              <a:spcAft>
-                <a:spcPts val="0"/>
-              </a:spcAft>
-            </a:pPr>
-            <a:r>
-              <a:rPr lang="en-US" sz="2400">
-                <a:latin typeface="Aptos"/>
-              </a:rPr>
-              <a:t>Additionally, I contributed to the second half of the project documentation, ensuring that all details were clearly outlined and accessible.</a:t>
+              <a:t>I was responsible for establishing the connection between the database and the frontend. Additionally, I implemented the controller commands that execute queries to retrieve information about users who have signed up and display this data in the appropriate interface.</a:t>
             </a:r>
             <a:endParaRPr lang="en-US">
-              <a:cs typeface="Arial"/>
+              <a:cs typeface="Arial" panose="020B0604020202020204"/>
             </a:endParaRPr>
           </a:p>
         </p:txBody>
@@ -9833,7 +11272,7 @@
     </p:spTree>
     <p:extLst>
       <p:ext uri="{BB962C8B-B14F-4D97-AF65-F5344CB8AC3E}">
-        <p14:creationId xmlns:p14="http://schemas.microsoft.com/office/powerpoint/2010/main" val="3594547065"/>
+        <p14:creationId xmlns:p14="http://schemas.microsoft.com/office/powerpoint/2010/main" val="322200547"/>
       </p:ext>
     </p:extLst>
   </p:cSld>
@@ -9843,7 +11282,7 @@
 </p:sld>
 </file>
 
-<file path=ppt/slides/slide2.xml><?xml version="1.0" encoding="utf-8"?>
+<file path=ppt/slides/slide3.xml><?xml version="1.0" encoding="utf-8"?>
 <p:sld xmlns:a="http://schemas.openxmlformats.org/drawingml/2006/main" xmlns:r="http://schemas.openxmlformats.org/officeDocument/2006/relationships" xmlns:p="http://schemas.openxmlformats.org/presentationml/2006/main">
   <p:cSld>
     <p:spTree>
@@ -9862,10 +11301,38 @@
       </p:grpSpPr>
       <p:sp>
         <p:nvSpPr>
+          <p:cNvPr id="2" name="Title 1">
+            <a:extLst>
+              <a:ext uri="{FF2B5EF4-FFF2-40B4-BE49-F238E27FC236}">
+                <a16:creationId xmlns:a16="http://schemas.microsoft.com/office/drawing/2014/main" id="{E3F37E07-F47C-A17A-FAB8-4E38140F863E}"/>
+              </a:ext>
+            </a:extLst>
+          </p:cNvPr>
+          <p:cNvSpPr>
+            <a:spLocks noGrp="1"/>
+          </p:cNvSpPr>
+          <p:nvPr>
+            <p:ph type="title"/>
+          </p:nvPr>
+        </p:nvSpPr>
+        <p:spPr/>
+        <p:txBody>
+          <a:bodyPr/>
+          <a:lstStyle/>
+          <a:p>
+            <a:r>
+              <a:rPr lang="en-US"/>
+              <a:t>Functions of the Program/Website</a:t>
+            </a:r>
+          </a:p>
+        </p:txBody>
+      </p:sp>
+      <p:sp>
+        <p:nvSpPr>
           <p:cNvPr id="3" name="Content Placeholder 2">
             <a:extLst>
               <a:ext uri="{FF2B5EF4-FFF2-40B4-BE49-F238E27FC236}">
-                <a16:creationId xmlns:a16="http://schemas.microsoft.com/office/drawing/2014/main" id="{E482307A-1181-7CF2-6C5A-DE7DC830383C}"/>
+                <a16:creationId xmlns:a16="http://schemas.microsoft.com/office/drawing/2014/main" id="{559A086E-6AF4-C195-72DF-E5D812B231FC}"/>
               </a:ext>
             </a:extLst>
           </p:cNvPr>
@@ -9878,8 +11345,8 @@
         </p:nvSpPr>
         <p:spPr>
           <a:xfrm>
-            <a:off x="1271072" y="3248985"/>
-            <a:ext cx="7796540" cy="2800212"/>
+            <a:off x="1748528" y="1716473"/>
+            <a:ext cx="7796540" cy="3997828"/>
           </a:xfrm>
         </p:spPr>
         <p:txBody>
@@ -9888,51 +11355,247 @@
           </a:bodyPr>
           <a:lstStyle/>
           <a:p>
+            <a:pPr marL="344170" indent="-344170"/>
+            <a:r>
+              <a:rPr lang="en-US">
+                <a:cs typeface="Arial"/>
+              </a:rPr>
+              <a:t>Registration</a:t>
+            </a:r>
+          </a:p>
+          <a:p>
+            <a:pPr marL="344170" indent="-344170"/>
+            <a:r>
+              <a:rPr lang="en-US">
+                <a:cs typeface="Arial"/>
+              </a:rPr>
+              <a:t>Log in</a:t>
+            </a:r>
+          </a:p>
+          <a:p>
+            <a:pPr marL="344170" indent="-344170"/>
+            <a:r>
+              <a:rPr lang="en-US">
+                <a:cs typeface="Arial"/>
+              </a:rPr>
+              <a:t>Read</a:t>
+            </a:r>
+          </a:p>
+          <a:p>
+            <a:pPr marL="344170" indent="-344170"/>
+            <a:r>
+              <a:rPr lang="en-US">
+                <a:cs typeface="Arial"/>
+              </a:rPr>
+              <a:t>Learn</a:t>
+            </a:r>
+          </a:p>
+          <a:p>
+            <a:pPr marL="344170" indent="-344170"/>
+            <a:r>
+              <a:rPr lang="en-US">
+                <a:cs typeface="Arial"/>
+              </a:rPr>
+              <a:t>Download</a:t>
+            </a:r>
+          </a:p>
+        </p:txBody>
+      </p:sp>
+      <p:pic>
+        <p:nvPicPr>
+          <p:cNvPr id="5" name="Picture 4">
+            <a:extLst>
+              <a:ext uri="{FF2B5EF4-FFF2-40B4-BE49-F238E27FC236}">
+                <a16:creationId xmlns:a16="http://schemas.microsoft.com/office/drawing/2014/main" id="{2F6AECCE-1534-C7D8-06E2-BBBFA898EBCE}"/>
+              </a:ext>
+            </a:extLst>
+          </p:cNvPr>
+          <p:cNvPicPr>
+            <a:picLocks noChangeAspect="1"/>
+          </p:cNvPicPr>
+          <p:nvPr/>
+        </p:nvPicPr>
+        <p:blipFill>
+          <a:blip r:embed="rId3"/>
+          <a:srcRect t="17254" r="-2" b="34702"/>
+          <a:stretch/>
+        </p:blipFill>
+        <p:spPr>
+          <a:xfrm>
+            <a:off x="6591901" y="1717429"/>
+            <a:ext cx="4170168" cy="2339288"/>
+          </a:xfrm>
+          <a:prstGeom prst="rect">
+            <a:avLst/>
+          </a:prstGeom>
+          <a:ln w="12700">
+            <a:solidFill>
+              <a:schemeClr val="tx1"/>
+            </a:solidFill>
+          </a:ln>
+        </p:spPr>
+      </p:pic>
+    </p:spTree>
+    <p:extLst>
+      <p:ext uri="{BB962C8B-B14F-4D97-AF65-F5344CB8AC3E}">
+        <p14:creationId xmlns:p14="http://schemas.microsoft.com/office/powerpoint/2010/main" val="2573422074"/>
+      </p:ext>
+    </p:extLst>
+  </p:cSld>
+  <p:clrMapOvr>
+    <a:masterClrMapping/>
+  </p:clrMapOvr>
+</p:sld>
+</file>
+
+<file path=ppt/slides/slide4.xml><?xml version="1.0" encoding="utf-8"?>
+<p:sld xmlns:a="http://schemas.openxmlformats.org/drawingml/2006/main" xmlns:r="http://schemas.openxmlformats.org/officeDocument/2006/relationships" xmlns:p="http://schemas.openxmlformats.org/presentationml/2006/main">
+  <p:cSld>
+    <p:spTree>
+      <p:nvGrpSpPr>
+        <p:cNvPr id="1" name=""/>
+        <p:cNvGrpSpPr/>
+        <p:nvPr/>
+      </p:nvGrpSpPr>
+      <p:grpSpPr>
+        <a:xfrm>
+          <a:off x="0" y="0"/>
+          <a:ext cx="0" cy="0"/>
+          <a:chOff x="0" y="0"/>
+          <a:chExt cx="0" cy="0"/>
+        </a:xfrm>
+      </p:grpSpPr>
+      <p:sp>
+        <p:nvSpPr>
+          <p:cNvPr id="2" name="Title 1">
+            <a:extLst>
+              <a:ext uri="{FF2B5EF4-FFF2-40B4-BE49-F238E27FC236}">
+                <a16:creationId xmlns:a16="http://schemas.microsoft.com/office/drawing/2014/main" id="{57C855F7-F55F-785C-73A4-BDE1B5ED1AE9}"/>
+              </a:ext>
+            </a:extLst>
+          </p:cNvPr>
+          <p:cNvSpPr>
+            <a:spLocks noGrp="1"/>
+          </p:cNvSpPr>
+          <p:nvPr>
+            <p:ph type="title"/>
+          </p:nvPr>
+        </p:nvSpPr>
+        <p:spPr/>
+        <p:txBody>
+          <a:bodyPr/>
+          <a:lstStyle/>
+          <a:p>
+            <a:r>
+              <a:rPr lang="en-US">
+                <a:cs typeface="Arial"/>
+              </a:rPr>
+              <a:t>Program</a:t>
+            </a:r>
+          </a:p>
+        </p:txBody>
+      </p:sp>
+      <p:sp>
+        <p:nvSpPr>
+          <p:cNvPr id="3" name="Content Placeholder 2">
+            <a:extLst>
+              <a:ext uri="{FF2B5EF4-FFF2-40B4-BE49-F238E27FC236}">
+                <a16:creationId xmlns:a16="http://schemas.microsoft.com/office/drawing/2014/main" id="{081F4255-B1A4-E95E-6A73-36574A41E462}"/>
+              </a:ext>
+            </a:extLst>
+          </p:cNvPr>
+          <p:cNvSpPr>
+            <a:spLocks noGrp="1"/>
+          </p:cNvSpPr>
+          <p:nvPr>
+            <p:ph idx="1"/>
+          </p:nvPr>
+        </p:nvSpPr>
+        <p:spPr>
+          <a:xfrm>
+            <a:off x="2773599" y="2052116"/>
+            <a:ext cx="2761898" cy="3997828"/>
+          </a:xfrm>
+        </p:spPr>
+        <p:txBody>
+          <a:bodyPr vert="horz" lIns="91440" tIns="45720" rIns="91440" bIns="45720" rtlCol="0" anchor="t">
+            <a:normAutofit/>
+          </a:bodyPr>
+          <a:lstStyle/>
+          <a:p>
+            <a:pPr marL="342900" indent="-342900"/>
+            <a:r>
+              <a:rPr lang="hu-HU">
+                <a:cs typeface="Arial" panose="020B0604020202020204"/>
+              </a:rPr>
+              <a:t>Backend – Node.js</a:t>
+            </a:r>
+          </a:p>
+          <a:p>
+            <a:pPr marL="793750" lvl="1" indent="-337820">
+              <a:buFont typeface="Courier New" panose="05000000000000000000" pitchFamily="2" charset="2"/>
+              <a:buChar char="o"/>
+            </a:pPr>
+            <a:r>
+              <a:rPr lang="en-US">
+                <a:cs typeface="Arial" panose="020B0604020202020204"/>
+              </a:rPr>
+              <a:t>Authentication</a:t>
+            </a:r>
+          </a:p>
+          <a:p>
+            <a:pPr marL="793750" lvl="1" indent="-337820">
+              <a:buFont typeface="Courier New" panose="05000000000000000000" pitchFamily="2" charset="2"/>
+              <a:buChar char="o"/>
+            </a:pPr>
+            <a:r>
+              <a:rPr lang="hu-HU">
+                <a:cs typeface="Arial" panose="020B0604020202020204"/>
+              </a:rPr>
+              <a:t>Service</a:t>
+            </a:r>
+          </a:p>
+          <a:p>
+            <a:pPr marL="344170" indent="-344170"/>
+            <a:r>
+              <a:rPr lang="en-US">
+                <a:cs typeface="Arial"/>
+              </a:rPr>
+              <a:t>Frontend - React</a:t>
+            </a:r>
+          </a:p>
+          <a:p>
+            <a:pPr marL="795020" lvl="1" indent="-344170">
+              <a:buFont typeface="Courier New" panose="05000000000000000000" pitchFamily="2" charset="2"/>
+              <a:buChar char="o"/>
+            </a:pPr>
+            <a:r>
+              <a:rPr lang="en-US">
+                <a:ea typeface="+mn-lt"/>
+                <a:cs typeface="+mn-lt"/>
+              </a:rPr>
+              <a:t>UI Components</a:t>
+            </a:r>
+            <a:endParaRPr lang="en-US">
+              <a:cs typeface="Arial"/>
+            </a:endParaRPr>
+          </a:p>
+          <a:p>
             <a:pPr marL="0" indent="0">
               <a:buNone/>
             </a:pPr>
-            <a:r>
-              <a:rPr lang="en-US">
-                <a:cs typeface="Arial" panose="020B0604020202020204"/>
-              </a:rPr>
-              <a:t>The solution:</a:t>
-            </a:r>
-          </a:p>
-          <a:p>
-            <a:pPr marL="344170" indent="-344170"/>
-            <a:r>
-              <a:rPr lang="en-US">
-                <a:cs typeface="Arial" panose="020B0604020202020204"/>
-              </a:rPr>
-              <a:t>Standardized platform</a:t>
-            </a:r>
-          </a:p>
-          <a:p>
-            <a:pPr marL="344170" indent="-344170"/>
-            <a:r>
-              <a:rPr lang="en-US">
-                <a:cs typeface="Arial" panose="020B0604020202020204"/>
-              </a:rPr>
-              <a:t>Easy use</a:t>
-            </a:r>
-          </a:p>
-          <a:p>
-            <a:pPr marL="344170" indent="-344170"/>
-            <a:r>
-              <a:rPr lang="en-US">
-                <a:cs typeface="Arial" panose="020B0604020202020204"/>
-              </a:rPr>
-              <a:t>Dungeon Valley Explorer</a:t>
-            </a:r>
-          </a:p>
-          <a:p>
-            <a:pPr marL="344170" indent="-344170"/>
-            <a:r>
-              <a:rPr lang="en-US">
-                <a:cs typeface="Arial" panose="020B0604020202020204"/>
-              </a:rPr>
-              <a:t>Our own game to avoid using other works.</a:t>
-            </a:r>
+            <a:endParaRPr lang="en-US">
+              <a:cs typeface="Arial"/>
+            </a:endParaRPr>
+          </a:p>
+          <a:p>
+            <a:pPr marL="795020" lvl="1" indent="-344170">
+              <a:buFont typeface="Courier New" panose="05000000000000000000" pitchFamily="2" charset="2"/>
+              <a:buChar char="o"/>
+            </a:pPr>
+            <a:endParaRPr lang="hu-HU">
+              <a:cs typeface="Arial" panose="020B0604020202020204"/>
+            </a:endParaRPr>
           </a:p>
         </p:txBody>
       </p:sp>
@@ -9941,7 +11604,7 @@
           <p:cNvPr id="5" name="Content Placeholder 2">
             <a:extLst>
               <a:ext uri="{FF2B5EF4-FFF2-40B4-BE49-F238E27FC236}">
-                <a16:creationId xmlns:a16="http://schemas.microsoft.com/office/drawing/2014/main" id="{046EFB61-DF11-EE28-DB32-95D3C24DCADE}"/>
+                <a16:creationId xmlns:a16="http://schemas.microsoft.com/office/drawing/2014/main" id="{DFD6B53D-656A-557C-7E8A-C7670D59C338}"/>
               </a:ext>
             </a:extLst>
           </p:cNvPr>
@@ -9952,8 +11615,8 @@
         </p:nvSpPr>
         <p:spPr>
           <a:xfrm>
-            <a:off x="1275031" y="808606"/>
-            <a:ext cx="7796540" cy="1810602"/>
+            <a:off x="6590856" y="1887016"/>
+            <a:ext cx="3484313" cy="3997828"/>
           </a:xfrm>
           <a:prstGeom prst="rect">
             <a:avLst/>
@@ -10200,766 +11863,16 @@
             </a:lvl9pPr>
           </a:lstStyle>
           <a:p>
-            <a:pPr marL="0" indent="0">
-              <a:buNone/>
-            </a:pPr>
-            <a:r>
-              <a:rPr lang="en-US">
+            <a:pPr marL="342900" indent="-342900"/>
+            <a:r>
+              <a:rPr lang="en-US" dirty="0">
                 <a:cs typeface="Arial" panose="020B0604020202020204"/>
               </a:rPr>
-              <a:t>The problem:</a:t>
-            </a:r>
-            <a:endParaRPr lang="en-US"/>
-          </a:p>
-          <a:p>
-            <a:pPr marL="344170" indent="-344170"/>
-            <a:r>
-              <a:rPr lang="en-US" sz="1800">
-                <a:cs typeface="Arial" panose="020B0604020202020204"/>
-              </a:rPr>
-              <a:t>Communities don't have a standard website for their own needs.</a:t>
-            </a:r>
-            <a:endParaRPr lang="en-US"/>
-          </a:p>
-          <a:p>
-            <a:pPr marL="344170" indent="-344170"/>
-            <a:r>
-              <a:rPr lang="en-US" sz="1800">
-                <a:cs typeface="Arial" panose="020B0604020202020204"/>
-              </a:rPr>
-              <a:t>We don't want to use an existing work to base the website on.</a:t>
-            </a:r>
-            <a:endParaRPr lang="en-US"/>
-          </a:p>
-        </p:txBody>
-      </p:sp>
-    </p:spTree>
-    <p:extLst>
-      <p:ext uri="{BB962C8B-B14F-4D97-AF65-F5344CB8AC3E}">
-        <p14:creationId xmlns:p14="http://schemas.microsoft.com/office/powerpoint/2010/main" val="2284288422"/>
-      </p:ext>
-    </p:extLst>
-  </p:cSld>
-  <p:clrMapOvr>
-    <a:masterClrMapping/>
-  </p:clrMapOvr>
-</p:sld>
-</file>
-
-<file path=ppt/slides/slide20.xml><?xml version="1.0" encoding="utf-8"?>
-<p:sld xmlns:a="http://schemas.openxmlformats.org/drawingml/2006/main" xmlns:r="http://schemas.openxmlformats.org/officeDocument/2006/relationships" xmlns:p="http://schemas.openxmlformats.org/presentationml/2006/main">
-  <p:cSld>
-    <p:spTree>
-      <p:nvGrpSpPr>
-        <p:cNvPr id="1" name=""/>
-        <p:cNvGrpSpPr/>
-        <p:nvPr/>
-      </p:nvGrpSpPr>
-      <p:grpSpPr>
-        <a:xfrm>
-          <a:off x="0" y="0"/>
-          <a:ext cx="0" cy="0"/>
-          <a:chOff x="0" y="0"/>
-          <a:chExt cx="0" cy="0"/>
-        </a:xfrm>
-      </p:grpSpPr>
-      <p:sp>
-        <p:nvSpPr>
-          <p:cNvPr id="2" name="Title 1">
-            <a:extLst>
-              <a:ext uri="{FF2B5EF4-FFF2-40B4-BE49-F238E27FC236}">
-                <a16:creationId xmlns:a16="http://schemas.microsoft.com/office/drawing/2014/main" id="{E9F36E7C-2557-BBA7-3808-1E9BF5BBA899}"/>
-              </a:ext>
-            </a:extLst>
-          </p:cNvPr>
-          <p:cNvSpPr>
-            <a:spLocks noGrp="1"/>
-          </p:cNvSpPr>
-          <p:nvPr>
-            <p:ph type="title"/>
-          </p:nvPr>
-        </p:nvSpPr>
-        <p:spPr/>
-        <p:txBody>
-          <a:bodyPr/>
-          <a:lstStyle/>
-          <a:p>
-            <a:pPr algn="l"/>
-            <a:r>
-              <a:rPr lang="en-US" sz="2400">
-                <a:latin typeface="Roboto"/>
-                <a:ea typeface="Roboto"/>
-                <a:cs typeface="Roboto"/>
-              </a:rPr>
-              <a:t>Details of team members' tasks; -Tamás</a:t>
-            </a:r>
-          </a:p>
-          <a:p>
-            <a:endParaRPr lang="en-US">
-              <a:cs typeface="Arial"/>
-            </a:endParaRPr>
-          </a:p>
-        </p:txBody>
-      </p:sp>
-      <p:sp>
-        <p:nvSpPr>
-          <p:cNvPr id="3" name="Content Placeholder 2">
-            <a:extLst>
-              <a:ext uri="{FF2B5EF4-FFF2-40B4-BE49-F238E27FC236}">
-                <a16:creationId xmlns:a16="http://schemas.microsoft.com/office/drawing/2014/main" id="{C5ACD3B3-D1A5-26AB-C313-468F261673D5}"/>
-              </a:ext>
-            </a:extLst>
-          </p:cNvPr>
-          <p:cNvSpPr>
-            <a:spLocks noGrp="1"/>
-          </p:cNvSpPr>
-          <p:nvPr>
-            <p:ph idx="1"/>
-          </p:nvPr>
-        </p:nvSpPr>
-        <p:spPr/>
-        <p:txBody>
-          <a:bodyPr/>
-          <a:lstStyle/>
-          <a:p>
-            <a:pPr marL="344170" indent="-344170">
-              <a:lnSpc>
-                <a:spcPct val="90000"/>
-              </a:lnSpc>
-              <a:spcAft>
-                <a:spcPts val="0"/>
-              </a:spcAft>
-            </a:pPr>
-            <a:r>
-              <a:rPr lang="en-US" sz="2400">
-                <a:latin typeface="Aptos"/>
-              </a:rPr>
-              <a:t>I built a comprehensive login and registration system, ensuring seam less user authentication and security. </a:t>
-            </a:r>
-          </a:p>
-          <a:p>
-            <a:pPr marL="344170" indent="-344170">
-              <a:lnSpc>
-                <a:spcPct val="90000"/>
-              </a:lnSpc>
-              <a:spcAft>
-                <a:spcPts val="0"/>
-              </a:spcAft>
-            </a:pPr>
-            <a:r>
-              <a:rPr lang="en-US" sz="2400">
-                <a:latin typeface="Aptos"/>
-              </a:rPr>
-              <a:t>Additionally, I successfully established a robust connection between the frontend and the database, enabling smooth data management and user verification.</a:t>
-            </a:r>
-            <a:endParaRPr lang="en-US">
-              <a:cs typeface="Arial"/>
-            </a:endParaRPr>
-          </a:p>
-        </p:txBody>
-      </p:sp>
-    </p:spTree>
-    <p:extLst>
-      <p:ext uri="{BB962C8B-B14F-4D97-AF65-F5344CB8AC3E}">
-        <p14:creationId xmlns:p14="http://schemas.microsoft.com/office/powerpoint/2010/main" val="3555477790"/>
-      </p:ext>
-    </p:extLst>
-  </p:cSld>
-  <p:clrMapOvr>
-    <a:masterClrMapping/>
-  </p:clrMapOvr>
-</p:sld>
-</file>
-
-<file path=ppt/slides/slide21.xml><?xml version="1.0" encoding="utf-8"?>
-<p:sld xmlns:a="http://schemas.openxmlformats.org/drawingml/2006/main" xmlns:r="http://schemas.openxmlformats.org/officeDocument/2006/relationships" xmlns:p="http://schemas.openxmlformats.org/presentationml/2006/main">
-  <p:cSld>
-    <p:spTree>
-      <p:nvGrpSpPr>
-        <p:cNvPr id="1" name=""/>
-        <p:cNvGrpSpPr/>
-        <p:nvPr/>
-      </p:nvGrpSpPr>
-      <p:grpSpPr>
-        <a:xfrm>
-          <a:off x="0" y="0"/>
-          <a:ext cx="0" cy="0"/>
-          <a:chOff x="0" y="0"/>
-          <a:chExt cx="0" cy="0"/>
-        </a:xfrm>
-      </p:grpSpPr>
-      <p:sp>
-        <p:nvSpPr>
-          <p:cNvPr id="2" name="Title 1">
-            <a:extLst>
-              <a:ext uri="{FF2B5EF4-FFF2-40B4-BE49-F238E27FC236}">
-                <a16:creationId xmlns:a16="http://schemas.microsoft.com/office/drawing/2014/main" id="{FD729DD1-C965-D581-3A44-D53F75E4D790}"/>
-              </a:ext>
-            </a:extLst>
-          </p:cNvPr>
-          <p:cNvSpPr>
-            <a:spLocks noGrp="1"/>
-          </p:cNvSpPr>
-          <p:nvPr>
-            <p:ph type="title"/>
-          </p:nvPr>
-        </p:nvSpPr>
-        <p:spPr/>
-        <p:txBody>
-          <a:bodyPr/>
-          <a:lstStyle/>
-          <a:p>
-            <a:pPr algn="ctr"/>
-            <a:r>
-              <a:rPr lang="en-US" sz="4400">
-                <a:latin typeface="Aptos Display"/>
-              </a:rPr>
-              <a:t>Frontend</a:t>
-            </a:r>
-            <a:endParaRPr lang="en-US"/>
-          </a:p>
-          <a:p>
-            <a:endParaRPr lang="en-US">
-              <a:cs typeface="Arial"/>
-            </a:endParaRPr>
-          </a:p>
-        </p:txBody>
-      </p:sp>
-      <p:sp>
-        <p:nvSpPr>
-          <p:cNvPr id="3" name="Content Placeholder 2">
-            <a:extLst>
-              <a:ext uri="{FF2B5EF4-FFF2-40B4-BE49-F238E27FC236}">
-                <a16:creationId xmlns:a16="http://schemas.microsoft.com/office/drawing/2014/main" id="{09ACC435-7D9E-0F01-543C-8F346C74A1E8}"/>
-              </a:ext>
-            </a:extLst>
-          </p:cNvPr>
-          <p:cNvSpPr>
-            <a:spLocks noGrp="1"/>
-          </p:cNvSpPr>
-          <p:nvPr>
-            <p:ph idx="1"/>
-          </p:nvPr>
-        </p:nvSpPr>
-        <p:spPr>
-          <a:xfrm>
-            <a:off x="2773599" y="2072436"/>
-            <a:ext cx="7796540" cy="3977508"/>
-          </a:xfrm>
-        </p:spPr>
-        <p:txBody>
-          <a:bodyPr>
-            <a:normAutofit fontScale="92500" lnSpcReduction="20000"/>
-          </a:bodyPr>
-          <a:lstStyle/>
-          <a:p>
-            <a:pPr marL="344170" indent="-344170">
-              <a:lnSpc>
-                <a:spcPct val="90000"/>
-              </a:lnSpc>
-              <a:spcAft>
-                <a:spcPts val="0"/>
-              </a:spcAft>
-            </a:pPr>
-            <a:r>
-              <a:rPr lang="en-US" sz="2800">
-                <a:latin typeface="Aptos"/>
-              </a:rPr>
-              <a:t>On the landing page, visitors will find a brief introduction along with an overview of what we offer. There will be </a:t>
-            </a:r>
-            <a:r>
-              <a:rPr lang="en-US" sz="2800" b="1">
-                <a:latin typeface="Aptos"/>
-              </a:rPr>
-              <a:t>Sign Up</a:t>
-            </a:r>
-            <a:r>
-              <a:rPr lang="en-US" sz="2800">
-                <a:latin typeface="Aptos"/>
-              </a:rPr>
-              <a:t> and </a:t>
-            </a:r>
-            <a:r>
-              <a:rPr lang="en-US" sz="2800" b="1">
-                <a:latin typeface="Aptos"/>
-              </a:rPr>
-              <a:t>Login</a:t>
-            </a:r>
-            <a:r>
-              <a:rPr lang="en-US" sz="2800">
-                <a:latin typeface="Aptos"/>
-              </a:rPr>
-              <a:t> buttons available.</a:t>
-            </a:r>
-          </a:p>
-          <a:p>
-            <a:pPr marL="344170" indent="-344170">
-              <a:lnSpc>
-                <a:spcPct val="90000"/>
-              </a:lnSpc>
-              <a:spcAft>
-                <a:spcPts val="0"/>
-              </a:spcAft>
-            </a:pPr>
-            <a:r>
-              <a:rPr lang="en-US" sz="2800">
-                <a:latin typeface="Aptos"/>
-              </a:rPr>
-              <a:t>When users click on these buttons, they will be directed to the respective </a:t>
-            </a:r>
-            <a:r>
-              <a:rPr lang="en-US" sz="2800" b="1">
-                <a:latin typeface="Aptos"/>
-              </a:rPr>
-              <a:t>Sign Up</a:t>
-            </a:r>
-            <a:r>
-              <a:rPr lang="en-US" sz="2800">
-                <a:latin typeface="Aptos"/>
-              </a:rPr>
-              <a:t> or </a:t>
-            </a:r>
-            <a:r>
-              <a:rPr lang="en-US" sz="2800" b="1">
-                <a:latin typeface="Aptos"/>
-              </a:rPr>
-              <a:t>Login</a:t>
-            </a:r>
-            <a:r>
-              <a:rPr lang="en-US" sz="2800">
-                <a:latin typeface="Aptos"/>
-              </a:rPr>
-              <a:t> forms.</a:t>
-            </a:r>
-          </a:p>
-          <a:p>
-            <a:pPr marL="344170" indent="-344170">
-              <a:lnSpc>
-                <a:spcPct val="90000"/>
-              </a:lnSpc>
-              <a:spcAft>
-                <a:spcPts val="0"/>
-              </a:spcAft>
-            </a:pPr>
-            <a:r>
-              <a:rPr lang="en-US" sz="2800">
-                <a:latin typeface="Aptos"/>
-              </a:rPr>
-              <a:t>Upon successful registration, they will receive a welcome message:</a:t>
-            </a:r>
-            <a:br>
-              <a:rPr lang="en-US" sz="2800">
-                <a:latin typeface="Aptos"/>
-              </a:rPr>
-            </a:br>
-            <a:r>
-              <a:rPr lang="en-US" sz="2800">
-                <a:latin typeface="Aptos"/>
-              </a:rPr>
-              <a:t> </a:t>
-            </a:r>
-            <a:r>
-              <a:rPr lang="en-US" sz="2800" b="1">
-                <a:latin typeface="Aptos"/>
-              </a:rPr>
-              <a:t>"</a:t>
-            </a:r>
-            <a:r>
-              <a:rPr lang="en-US" sz="2800">
-                <a:latin typeface="Aptos"/>
-              </a:rPr>
-              <a:t>Dear (user,) thank you for registering! We're excited to have you on board.</a:t>
-            </a:r>
-            <a:r>
-              <a:rPr lang="en-US" sz="2800" b="1">
-                <a:latin typeface="Aptos"/>
-              </a:rPr>
-              <a:t>"</a:t>
-            </a:r>
-            <a:endParaRPr lang="en-US" sz="2800">
-              <a:latin typeface="Aptos"/>
-            </a:endParaRPr>
-          </a:p>
-          <a:p>
-            <a:pPr marL="344170" indent="-344170">
-              <a:lnSpc>
-                <a:spcPct val="90000"/>
-              </a:lnSpc>
-              <a:spcAft>
-                <a:spcPts val="0"/>
-              </a:spcAft>
-            </a:pPr>
-            <a:r>
-              <a:rPr lang="en-US" sz="2800">
-                <a:latin typeface="Aptos"/>
-              </a:rPr>
-              <a:t>After that, they will be redirected to the main site, where they will have the opportunity to download the game.</a:t>
-            </a:r>
-          </a:p>
-          <a:p>
-            <a:pPr marL="344170" indent="-344170"/>
-            <a:endParaRPr lang="en-US">
-              <a:cs typeface="Arial"/>
-            </a:endParaRPr>
-          </a:p>
-        </p:txBody>
-      </p:sp>
-    </p:spTree>
-    <p:extLst>
-      <p:ext uri="{BB962C8B-B14F-4D97-AF65-F5344CB8AC3E}">
-        <p14:creationId xmlns:p14="http://schemas.microsoft.com/office/powerpoint/2010/main" val="1197620819"/>
-      </p:ext>
-    </p:extLst>
-  </p:cSld>
-  <p:clrMapOvr>
-    <a:masterClrMapping/>
-  </p:clrMapOvr>
-</p:sld>
-</file>
-
-<file path=ppt/slides/slide22.xml><?xml version="1.0" encoding="utf-8"?>
-<p:sld xmlns:a="http://schemas.openxmlformats.org/drawingml/2006/main" xmlns:r="http://schemas.openxmlformats.org/officeDocument/2006/relationships" xmlns:p="http://schemas.openxmlformats.org/presentationml/2006/main">
-  <p:cSld>
-    <p:spTree>
-      <p:nvGrpSpPr>
-        <p:cNvPr id="1" name=""/>
-        <p:cNvGrpSpPr/>
-        <p:nvPr/>
-      </p:nvGrpSpPr>
-      <p:grpSpPr>
-        <a:xfrm>
-          <a:off x="0" y="0"/>
-          <a:ext cx="0" cy="0"/>
-          <a:chOff x="0" y="0"/>
-          <a:chExt cx="0" cy="0"/>
-        </a:xfrm>
-      </p:grpSpPr>
-      <p:sp>
-        <p:nvSpPr>
-          <p:cNvPr id="2" name="Title 1">
-            <a:extLst>
-              <a:ext uri="{FF2B5EF4-FFF2-40B4-BE49-F238E27FC236}">
-                <a16:creationId xmlns:a16="http://schemas.microsoft.com/office/drawing/2014/main" id="{E716623D-2326-652D-7B22-39A537F178F0}"/>
-              </a:ext>
-            </a:extLst>
-          </p:cNvPr>
-          <p:cNvSpPr>
-            <a:spLocks noGrp="1"/>
-          </p:cNvSpPr>
-          <p:nvPr>
-            <p:ph type="title"/>
-          </p:nvPr>
-        </p:nvSpPr>
-        <p:spPr/>
-        <p:txBody>
-          <a:bodyPr/>
-          <a:lstStyle/>
-          <a:p>
-            <a:pPr algn="ctr"/>
-            <a:r>
-              <a:rPr lang="en-US" dirty="0">
-                <a:cs typeface="Arial"/>
-              </a:rPr>
-              <a:t>Backend</a:t>
-            </a:r>
-          </a:p>
-        </p:txBody>
-      </p:sp>
-      <p:sp>
-        <p:nvSpPr>
-          <p:cNvPr id="3" name="Content Placeholder 2">
-            <a:extLst>
-              <a:ext uri="{FF2B5EF4-FFF2-40B4-BE49-F238E27FC236}">
-                <a16:creationId xmlns:a16="http://schemas.microsoft.com/office/drawing/2014/main" id="{C9525800-6106-91C7-F746-200636BA13FA}"/>
-              </a:ext>
-            </a:extLst>
-          </p:cNvPr>
-          <p:cNvSpPr>
-            <a:spLocks noGrp="1"/>
-          </p:cNvSpPr>
-          <p:nvPr>
-            <p:ph idx="1"/>
-          </p:nvPr>
-        </p:nvSpPr>
-        <p:spPr/>
-        <p:txBody>
-          <a:bodyPr/>
-          <a:lstStyle/>
-          <a:p>
-            <a:pPr marL="344170" indent="-344170"/>
-            <a:r>
-              <a:rPr lang="en-US" sz="2800">
-                <a:latin typeface="Aptos"/>
-              </a:rPr>
-              <a:t>I was responsible for establishing the connection between the database and the frontend. Additionally, I implemented the controller commands that execute queries to retrieve information about users who have signed up and display this data in the appropriate interface.</a:t>
-            </a:r>
-            <a:endParaRPr lang="en-US">
+              <a:t>Database - MySQL</a:t>
+            </a:r>
+            <a:endParaRPr lang="hu-HU" dirty="0">
               <a:cs typeface="Arial" panose="020B0604020202020204"/>
             </a:endParaRPr>
-          </a:p>
-        </p:txBody>
-      </p:sp>
-    </p:spTree>
-    <p:extLst>
-      <p:ext uri="{BB962C8B-B14F-4D97-AF65-F5344CB8AC3E}">
-        <p14:creationId xmlns:p14="http://schemas.microsoft.com/office/powerpoint/2010/main" val="322200547"/>
-      </p:ext>
-    </p:extLst>
-  </p:cSld>
-  <p:clrMapOvr>
-    <a:masterClrMapping/>
-  </p:clrMapOvr>
-</p:sld>
-</file>
-
-<file path=ppt/slides/slide3.xml><?xml version="1.0" encoding="utf-8"?>
-<p:sld xmlns:a="http://schemas.openxmlformats.org/drawingml/2006/main" xmlns:r="http://schemas.openxmlformats.org/officeDocument/2006/relationships" xmlns:p="http://schemas.openxmlformats.org/presentationml/2006/main">
-  <p:cSld>
-    <p:spTree>
-      <p:nvGrpSpPr>
-        <p:cNvPr id="1" name=""/>
-        <p:cNvGrpSpPr/>
-        <p:nvPr/>
-      </p:nvGrpSpPr>
-      <p:grpSpPr>
-        <a:xfrm>
-          <a:off x="0" y="0"/>
-          <a:ext cx="0" cy="0"/>
-          <a:chOff x="0" y="0"/>
-          <a:chExt cx="0" cy="0"/>
-        </a:xfrm>
-      </p:grpSpPr>
-      <p:sp>
-        <p:nvSpPr>
-          <p:cNvPr id="2" name="Title 1">
-            <a:extLst>
-              <a:ext uri="{FF2B5EF4-FFF2-40B4-BE49-F238E27FC236}">
-                <a16:creationId xmlns:a16="http://schemas.microsoft.com/office/drawing/2014/main" id="{E3F37E07-F47C-A17A-FAB8-4E38140F863E}"/>
-              </a:ext>
-            </a:extLst>
-          </p:cNvPr>
-          <p:cNvSpPr>
-            <a:spLocks noGrp="1"/>
-          </p:cNvSpPr>
-          <p:nvPr>
-            <p:ph type="title"/>
-          </p:nvPr>
-        </p:nvSpPr>
-        <p:spPr/>
-        <p:txBody>
-          <a:bodyPr/>
-          <a:lstStyle/>
-          <a:p>
-            <a:r>
-              <a:rPr lang="en-US"/>
-              <a:t>Functions of the Program/Website</a:t>
-            </a:r>
-          </a:p>
-        </p:txBody>
-      </p:sp>
-      <p:sp>
-        <p:nvSpPr>
-          <p:cNvPr id="3" name="Content Placeholder 2">
-            <a:extLst>
-              <a:ext uri="{FF2B5EF4-FFF2-40B4-BE49-F238E27FC236}">
-                <a16:creationId xmlns:a16="http://schemas.microsoft.com/office/drawing/2014/main" id="{559A086E-6AF4-C195-72DF-E5D812B231FC}"/>
-              </a:ext>
-            </a:extLst>
-          </p:cNvPr>
-          <p:cNvSpPr>
-            <a:spLocks noGrp="1"/>
-          </p:cNvSpPr>
-          <p:nvPr>
-            <p:ph idx="1"/>
-          </p:nvPr>
-        </p:nvSpPr>
-        <p:spPr>
-          <a:xfrm>
-            <a:off x="1748528" y="1716473"/>
-            <a:ext cx="7796540" cy="3997828"/>
-          </a:xfrm>
-        </p:spPr>
-        <p:txBody>
-          <a:bodyPr vert="horz" lIns="91440" tIns="45720" rIns="91440" bIns="45720" rtlCol="0" anchor="t">
-            <a:normAutofit/>
-          </a:bodyPr>
-          <a:lstStyle/>
-          <a:p>
-            <a:pPr marL="344170" indent="-344170"/>
-            <a:r>
-              <a:rPr lang="en-US">
-                <a:cs typeface="Arial"/>
-              </a:rPr>
-              <a:t>Registration</a:t>
-            </a:r>
-          </a:p>
-          <a:p>
-            <a:pPr marL="344170" indent="-344170"/>
-            <a:r>
-              <a:rPr lang="en-US">
-                <a:cs typeface="Arial"/>
-              </a:rPr>
-              <a:t>Log in</a:t>
-            </a:r>
-          </a:p>
-          <a:p>
-            <a:pPr marL="344170" indent="-344170"/>
-            <a:r>
-              <a:rPr lang="en-US">
-                <a:cs typeface="Arial"/>
-              </a:rPr>
-              <a:t>Read</a:t>
-            </a:r>
-          </a:p>
-          <a:p>
-            <a:pPr marL="344170" indent="-344170"/>
-            <a:r>
-              <a:rPr lang="en-US">
-                <a:cs typeface="Arial"/>
-              </a:rPr>
-              <a:t>Learn</a:t>
-            </a:r>
-          </a:p>
-          <a:p>
-            <a:pPr marL="344170" indent="-344170"/>
-            <a:r>
-              <a:rPr lang="en-US">
-                <a:cs typeface="Arial"/>
-              </a:rPr>
-              <a:t>Download</a:t>
-            </a:r>
-          </a:p>
-        </p:txBody>
-      </p:sp>
-      <p:pic>
-        <p:nvPicPr>
-          <p:cNvPr id="5" name="Picture 4">
-            <a:extLst>
-              <a:ext uri="{FF2B5EF4-FFF2-40B4-BE49-F238E27FC236}">
-                <a16:creationId xmlns:a16="http://schemas.microsoft.com/office/drawing/2014/main" id="{2F6AECCE-1534-C7D8-06E2-BBBFA898EBCE}"/>
-              </a:ext>
-            </a:extLst>
-          </p:cNvPr>
-          <p:cNvPicPr>
-            <a:picLocks noChangeAspect="1"/>
-          </p:cNvPicPr>
-          <p:nvPr/>
-        </p:nvPicPr>
-        <p:blipFill>
-          <a:blip r:embed="rId3"/>
-          <a:srcRect t="17254" r="-2" b="34702"/>
-          <a:stretch/>
-        </p:blipFill>
-        <p:spPr>
-          <a:xfrm>
-            <a:off x="6591901" y="1717429"/>
-            <a:ext cx="4170168" cy="2339288"/>
-          </a:xfrm>
-          <a:prstGeom prst="rect">
-            <a:avLst/>
-          </a:prstGeom>
-          <a:ln w="12700">
-            <a:solidFill>
-              <a:schemeClr val="tx1"/>
-            </a:solidFill>
-          </a:ln>
-        </p:spPr>
-      </p:pic>
-    </p:spTree>
-    <p:extLst>
-      <p:ext uri="{BB962C8B-B14F-4D97-AF65-F5344CB8AC3E}">
-        <p14:creationId xmlns:p14="http://schemas.microsoft.com/office/powerpoint/2010/main" val="2573422074"/>
-      </p:ext>
-    </p:extLst>
-  </p:cSld>
-  <p:clrMapOvr>
-    <a:masterClrMapping/>
-  </p:clrMapOvr>
-</p:sld>
-</file>
-
-<file path=ppt/slides/slide4.xml><?xml version="1.0" encoding="utf-8"?>
-<p:sld xmlns:a="http://schemas.openxmlformats.org/drawingml/2006/main" xmlns:r="http://schemas.openxmlformats.org/officeDocument/2006/relationships" xmlns:p="http://schemas.openxmlformats.org/presentationml/2006/main">
-  <p:cSld>
-    <p:spTree>
-      <p:nvGrpSpPr>
-        <p:cNvPr id="1" name=""/>
-        <p:cNvGrpSpPr/>
-        <p:nvPr/>
-      </p:nvGrpSpPr>
-      <p:grpSpPr>
-        <a:xfrm>
-          <a:off x="0" y="0"/>
-          <a:ext cx="0" cy="0"/>
-          <a:chOff x="0" y="0"/>
-          <a:chExt cx="0" cy="0"/>
-        </a:xfrm>
-      </p:grpSpPr>
-      <p:sp>
-        <p:nvSpPr>
-          <p:cNvPr id="2" name="Title 1">
-            <a:extLst>
-              <a:ext uri="{FF2B5EF4-FFF2-40B4-BE49-F238E27FC236}">
-                <a16:creationId xmlns:a16="http://schemas.microsoft.com/office/drawing/2014/main" id="{57C855F7-F55F-785C-73A4-BDE1B5ED1AE9}"/>
-              </a:ext>
-            </a:extLst>
-          </p:cNvPr>
-          <p:cNvSpPr>
-            <a:spLocks noGrp="1"/>
-          </p:cNvSpPr>
-          <p:nvPr>
-            <p:ph type="title"/>
-          </p:nvPr>
-        </p:nvSpPr>
-        <p:spPr/>
-        <p:txBody>
-          <a:bodyPr/>
-          <a:lstStyle/>
-          <a:p>
-            <a:r>
-              <a:rPr lang="en-US">
-                <a:cs typeface="Arial"/>
-              </a:rPr>
-              <a:t>Program</a:t>
-            </a:r>
-          </a:p>
-        </p:txBody>
-      </p:sp>
-      <p:sp>
-        <p:nvSpPr>
-          <p:cNvPr id="3" name="Content Placeholder 2">
-            <a:extLst>
-              <a:ext uri="{FF2B5EF4-FFF2-40B4-BE49-F238E27FC236}">
-                <a16:creationId xmlns:a16="http://schemas.microsoft.com/office/drawing/2014/main" id="{081F4255-B1A4-E95E-6A73-36574A41E462}"/>
-              </a:ext>
-            </a:extLst>
-          </p:cNvPr>
-          <p:cNvSpPr>
-            <a:spLocks noGrp="1"/>
-          </p:cNvSpPr>
-          <p:nvPr>
-            <p:ph idx="1"/>
-          </p:nvPr>
-        </p:nvSpPr>
-        <p:spPr>
-          <a:xfrm>
-            <a:off x="2773599" y="2052116"/>
-            <a:ext cx="2761898" cy="3997828"/>
-          </a:xfrm>
-        </p:spPr>
-        <p:txBody>
-          <a:bodyPr vert="horz" lIns="91440" tIns="45720" rIns="91440" bIns="45720" rtlCol="0" anchor="t">
-            <a:normAutofit/>
-          </a:bodyPr>
-          <a:lstStyle/>
-          <a:p>
-            <a:pPr marL="342900" indent="-342900"/>
-            <a:r>
-              <a:rPr lang="hu-HU">
-                <a:cs typeface="Arial" panose="020B0604020202020204"/>
-              </a:rPr>
-              <a:t>Backend – Node.js</a:t>
-            </a:r>
           </a:p>
           <a:p>
             <a:pPr marL="793750" lvl="1" indent="-337820">
@@ -10967,31 +11880,25 @@
               <a:buChar char="o"/>
             </a:pPr>
             <a:r>
-              <a:rPr lang="en-US">
+              <a:rPr lang="en-US" dirty="0">
                 <a:cs typeface="Arial" panose="020B0604020202020204"/>
               </a:rPr>
-              <a:t>Authentication</a:t>
-            </a:r>
-          </a:p>
-          <a:p>
-            <a:pPr marL="793750" lvl="1" indent="-337820">
-              <a:buFont typeface="Courier New" panose="05000000000000000000" pitchFamily="2" charset="2"/>
-              <a:buChar char="o"/>
-            </a:pPr>
-            <a:r>
-              <a:rPr lang="hu-HU">
+              <a:t>Entity </a:t>
+            </a:r>
+            <a:r>
+              <a:rPr lang="hu-HU" dirty="0">
                 <a:cs typeface="Arial" panose="020B0604020202020204"/>
               </a:rPr>
-              <a:t>Service</a:t>
+              <a:t>Framework</a:t>
             </a:r>
           </a:p>
           <a:p>
             <a:pPr marL="344170" indent="-344170"/>
             <a:r>
-              <a:rPr lang="en-US">
+              <a:rPr lang="en-US" dirty="0">
                 <a:cs typeface="Arial"/>
               </a:rPr>
-              <a:t>Frontend - React</a:t>
+              <a:t>Desktop App (Game) – C#</a:t>
             </a:r>
           </a:p>
           <a:p>
@@ -11000,364 +11907,27 @@
               <a:buChar char="o"/>
             </a:pPr>
             <a:r>
-              <a:rPr lang="en-US">
-                <a:ea typeface="+mn-lt"/>
-                <a:cs typeface="+mn-lt"/>
-              </a:rPr>
-              <a:t>UI Components</a:t>
-            </a:r>
-            <a:endParaRPr lang="en-US">
-              <a:cs typeface="Arial"/>
-            </a:endParaRPr>
-          </a:p>
-          <a:p>
-            <a:pPr marL="0" indent="0">
-              <a:buNone/>
-            </a:pPr>
-            <a:endParaRPr lang="en-US">
-              <a:cs typeface="Arial"/>
-            </a:endParaRPr>
+              <a:rPr lang="en-US" dirty="0">
+                <a:cs typeface="Arial"/>
+              </a:rPr>
+              <a:t>Authentication</a:t>
+            </a:r>
           </a:p>
           <a:p>
             <a:pPr marL="795020" lvl="1" indent="-344170">
               <a:buFont typeface="Courier New" panose="05000000000000000000" pitchFamily="2" charset="2"/>
               <a:buChar char="o"/>
             </a:pPr>
-            <a:endParaRPr lang="hu-HU">
-              <a:cs typeface="Arial" panose="020B0604020202020204"/>
-            </a:endParaRPr>
-          </a:p>
-        </p:txBody>
-      </p:sp>
-      <p:sp>
-        <p:nvSpPr>
-          <p:cNvPr id="5" name="Content Placeholder 2">
-            <a:extLst>
-              <a:ext uri="{FF2B5EF4-FFF2-40B4-BE49-F238E27FC236}">
-                <a16:creationId xmlns:a16="http://schemas.microsoft.com/office/drawing/2014/main" id="{DFD6B53D-656A-557C-7E8A-C7670D59C338}"/>
-              </a:ext>
-            </a:extLst>
-          </p:cNvPr>
-          <p:cNvSpPr txBox="1">
-            <a:spLocks/>
-          </p:cNvSpPr>
-          <p:nvPr/>
-        </p:nvSpPr>
-        <p:spPr>
-          <a:xfrm>
-            <a:off x="6590856" y="1887016"/>
-            <a:ext cx="3484313" cy="3997828"/>
-          </a:xfrm>
-          <a:prstGeom prst="rect">
-            <a:avLst/>
-          </a:prstGeom>
-        </p:spPr>
-        <p:txBody>
-          <a:bodyPr vert="horz" lIns="91440" tIns="45720" rIns="91440" bIns="45720" rtlCol="0" anchor="t">
-            <a:normAutofit/>
-          </a:bodyPr>
-          <a:lstStyle>
-            <a:lvl1pPr marL="344488" indent="-344488" algn="l" defTabSz="914400" rtl="0" eaLnBrk="1" latinLnBrk="0" hangingPunct="1">
-              <a:lnSpc>
-                <a:spcPct val="120000"/>
-              </a:lnSpc>
-              <a:spcBef>
-                <a:spcPts val="1000"/>
-              </a:spcBef>
-              <a:spcAft>
-                <a:spcPts val="600"/>
-              </a:spcAft>
-              <a:buClr>
-                <a:schemeClr val="accent6"/>
-              </a:buClr>
-              <a:buSzPct val="90000"/>
-              <a:buFont typeface="Wingdings" panose="05000000000000000000" pitchFamily="2" charset="2"/>
-              <a:buChar char="§"/>
-              <a:defRPr sz="2000" kern="1200">
-                <a:solidFill>
-                  <a:schemeClr val="tx1"/>
-                </a:solidFill>
-                <a:effectLst/>
-                <a:latin typeface="+mn-lt"/>
-                <a:ea typeface="+mn-ea"/>
-                <a:cs typeface="+mn-cs"/>
-              </a:defRPr>
-            </a:lvl1pPr>
-            <a:lvl2pPr marL="795338" indent="-338138" algn="l" defTabSz="914400" rtl="0" eaLnBrk="1" latinLnBrk="0" hangingPunct="1">
-              <a:lnSpc>
-                <a:spcPct val="120000"/>
-              </a:lnSpc>
-              <a:spcBef>
-                <a:spcPts val="500"/>
-              </a:spcBef>
-              <a:spcAft>
-                <a:spcPts val="600"/>
-              </a:spcAft>
-              <a:buClr>
-                <a:schemeClr val="accent6"/>
-              </a:buClr>
-              <a:buSzPct val="90000"/>
-              <a:buFont typeface="Wingdings" panose="05000000000000000000" pitchFamily="2" charset="2"/>
-              <a:buChar char="§"/>
-              <a:defRPr sz="1800" kern="1200">
-                <a:solidFill>
-                  <a:schemeClr val="tx1"/>
-                </a:solidFill>
-                <a:effectLst/>
-                <a:latin typeface="+mn-lt"/>
-                <a:ea typeface="+mn-ea"/>
-                <a:cs typeface="+mn-cs"/>
-              </a:defRPr>
-            </a:lvl2pPr>
-            <a:lvl3pPr marL="1258888" indent="-344488" algn="l" defTabSz="914400" rtl="0" eaLnBrk="1" latinLnBrk="0" hangingPunct="1">
-              <a:lnSpc>
-                <a:spcPct val="120000"/>
-              </a:lnSpc>
-              <a:spcBef>
-                <a:spcPts val="500"/>
-              </a:spcBef>
-              <a:spcAft>
-                <a:spcPts val="600"/>
-              </a:spcAft>
-              <a:buClr>
-                <a:schemeClr val="accent6"/>
-              </a:buClr>
-              <a:buSzPct val="90000"/>
-              <a:buFont typeface="Wingdings" panose="05000000000000000000" pitchFamily="2" charset="2"/>
-              <a:buChar char="§"/>
-              <a:defRPr sz="1600" kern="1200">
-                <a:solidFill>
-                  <a:schemeClr val="tx1"/>
-                </a:solidFill>
-                <a:effectLst/>
-                <a:latin typeface="+mn-lt"/>
-                <a:ea typeface="+mn-ea"/>
-                <a:cs typeface="+mn-cs"/>
-              </a:defRPr>
-            </a:lvl3pPr>
-            <a:lvl4pPr marL="1709738" indent="-338138" algn="l" defTabSz="914400" rtl="0" eaLnBrk="1" latinLnBrk="0" hangingPunct="1">
-              <a:lnSpc>
-                <a:spcPct val="120000"/>
-              </a:lnSpc>
-              <a:spcBef>
-                <a:spcPts val="500"/>
-              </a:spcBef>
-              <a:spcAft>
-                <a:spcPts val="600"/>
-              </a:spcAft>
-              <a:buClr>
-                <a:schemeClr val="accent6"/>
-              </a:buClr>
-              <a:buSzPct val="90000"/>
-              <a:buFont typeface="Wingdings" panose="05000000000000000000" pitchFamily="2" charset="2"/>
-              <a:buChar char="§"/>
-              <a:defRPr sz="1400" kern="1200">
-                <a:solidFill>
-                  <a:schemeClr val="tx1"/>
-                </a:solidFill>
-                <a:effectLst/>
-                <a:latin typeface="+mn-lt"/>
-                <a:ea typeface="+mn-ea"/>
-                <a:cs typeface="+mn-cs"/>
-              </a:defRPr>
-            </a:lvl4pPr>
-            <a:lvl5pPr marL="2173288" indent="-344488" algn="l" defTabSz="914400" rtl="0" eaLnBrk="1" latinLnBrk="0" hangingPunct="1">
-              <a:lnSpc>
-                <a:spcPct val="120000"/>
-              </a:lnSpc>
-              <a:spcBef>
-                <a:spcPts val="500"/>
-              </a:spcBef>
-              <a:spcAft>
-                <a:spcPts val="600"/>
-              </a:spcAft>
-              <a:buClr>
-                <a:schemeClr val="accent6"/>
-              </a:buClr>
-              <a:buSzPct val="90000"/>
-              <a:buFont typeface="Wingdings" panose="05000000000000000000" pitchFamily="2" charset="2"/>
-              <a:buChar char="§"/>
-              <a:defRPr sz="1200" kern="1200">
-                <a:solidFill>
-                  <a:schemeClr val="tx1"/>
-                </a:solidFill>
-                <a:effectLst/>
-                <a:latin typeface="+mn-lt"/>
-                <a:ea typeface="+mn-ea"/>
-                <a:cs typeface="+mn-cs"/>
-              </a:defRPr>
-            </a:lvl5pPr>
-            <a:lvl6pPr marL="2642616" indent="-338328" algn="l" defTabSz="914400" rtl="0" eaLnBrk="1" latinLnBrk="0" hangingPunct="1">
-              <a:lnSpc>
-                <a:spcPct val="120000"/>
-              </a:lnSpc>
-              <a:spcBef>
-                <a:spcPts val="500"/>
-              </a:spcBef>
-              <a:spcAft>
-                <a:spcPts val="600"/>
-              </a:spcAft>
-              <a:buClr>
-                <a:schemeClr val="accent6"/>
-              </a:buClr>
-              <a:buSzPct val="90000"/>
-              <a:buFont typeface="Wingdings" panose="05000000000000000000" pitchFamily="2" charset="2"/>
-              <a:buChar char="§"/>
-              <a:defRPr sz="1200" kern="1200" baseline="0">
-                <a:solidFill>
-                  <a:schemeClr val="tx1"/>
-                </a:solidFill>
-                <a:effectLst/>
-                <a:latin typeface="+mn-lt"/>
-                <a:ea typeface="+mn-ea"/>
-                <a:cs typeface="+mn-cs"/>
-              </a:defRPr>
-            </a:lvl6pPr>
-            <a:lvl7pPr marL="3108960" indent="-338328" algn="l" defTabSz="914400" rtl="0" eaLnBrk="1" latinLnBrk="0" hangingPunct="1">
-              <a:lnSpc>
-                <a:spcPct val="120000"/>
-              </a:lnSpc>
-              <a:spcBef>
-                <a:spcPts val="500"/>
-              </a:spcBef>
-              <a:spcAft>
-                <a:spcPts val="600"/>
-              </a:spcAft>
-              <a:buClr>
-                <a:schemeClr val="accent6"/>
-              </a:buClr>
-              <a:buSzPct val="90000"/>
-              <a:buFont typeface="Wingdings" panose="05000000000000000000" pitchFamily="2" charset="2"/>
-              <a:buChar char="§"/>
-              <a:defRPr sz="1200" kern="1200" baseline="0">
-                <a:solidFill>
-                  <a:schemeClr val="tx1"/>
-                </a:solidFill>
-                <a:effectLst/>
-                <a:latin typeface="+mn-lt"/>
-                <a:ea typeface="+mn-ea"/>
-                <a:cs typeface="+mn-cs"/>
-              </a:defRPr>
-            </a:lvl7pPr>
-            <a:lvl8pPr marL="3575304" indent="-338328" algn="l" defTabSz="914400" rtl="0" eaLnBrk="1" latinLnBrk="0" hangingPunct="1">
-              <a:lnSpc>
-                <a:spcPct val="120000"/>
-              </a:lnSpc>
-              <a:spcBef>
-                <a:spcPts val="500"/>
-              </a:spcBef>
-              <a:spcAft>
-                <a:spcPts val="600"/>
-              </a:spcAft>
-              <a:buClr>
-                <a:schemeClr val="accent6"/>
-              </a:buClr>
-              <a:buSzPct val="90000"/>
-              <a:buFont typeface="Wingdings" panose="05000000000000000000" pitchFamily="2" charset="2"/>
-              <a:buChar char="§"/>
-              <a:defRPr sz="1200" kern="1200" baseline="0">
-                <a:solidFill>
-                  <a:schemeClr val="tx1"/>
-                </a:solidFill>
-                <a:effectLst/>
-                <a:latin typeface="+mn-lt"/>
-                <a:ea typeface="+mn-ea"/>
-                <a:cs typeface="+mn-cs"/>
-              </a:defRPr>
-            </a:lvl8pPr>
-            <a:lvl9pPr marL="4041648" indent="-338328" algn="l" defTabSz="914400" rtl="0" eaLnBrk="1" latinLnBrk="0" hangingPunct="1">
-              <a:lnSpc>
-                <a:spcPct val="120000"/>
-              </a:lnSpc>
-              <a:spcBef>
-                <a:spcPts val="500"/>
-              </a:spcBef>
-              <a:spcAft>
-                <a:spcPts val="600"/>
-              </a:spcAft>
-              <a:buClr>
-                <a:schemeClr val="accent6"/>
-              </a:buClr>
-              <a:buSzPct val="90000"/>
-              <a:buFont typeface="Wingdings" panose="05000000000000000000" pitchFamily="2" charset="2"/>
-              <a:buChar char="§"/>
-              <a:defRPr sz="1200" kern="1200" baseline="0">
-                <a:solidFill>
-                  <a:schemeClr val="tx1"/>
-                </a:solidFill>
-                <a:effectLst/>
-                <a:latin typeface="+mn-lt"/>
-                <a:ea typeface="+mn-ea"/>
-                <a:cs typeface="+mn-cs"/>
-              </a:defRPr>
-            </a:lvl9pPr>
-          </a:lstStyle>
-          <a:p>
-            <a:pPr marL="342900" indent="-342900"/>
-            <a:r>
-              <a:rPr lang="en-US">
-                <a:cs typeface="Arial" panose="020B0604020202020204"/>
-              </a:rPr>
-              <a:t>Database - MySQL</a:t>
-            </a:r>
-            <a:endParaRPr lang="hu-HU">
-              <a:cs typeface="Arial" panose="020B0604020202020204"/>
-            </a:endParaRPr>
-          </a:p>
-          <a:p>
-            <a:pPr marL="793750" lvl="1" indent="-337820">
-              <a:buFont typeface="Courier New" panose="05000000000000000000" pitchFamily="2" charset="2"/>
-              <a:buChar char="o"/>
-            </a:pPr>
-            <a:r>
-              <a:rPr lang="en-US">
-                <a:cs typeface="Arial" panose="020B0604020202020204"/>
-              </a:rPr>
-              <a:t>Entity </a:t>
-            </a:r>
-            <a:r>
-              <a:rPr lang="hu-HU">
-                <a:cs typeface="Arial" panose="020B0604020202020204"/>
-              </a:rPr>
-              <a:t>Framework</a:t>
+            <a:r>
+              <a:rPr lang="en-US" dirty="0">
+                <a:cs typeface="Arial"/>
+              </a:rPr>
+              <a:t>Cloud Saving</a:t>
             </a:r>
           </a:p>
           <a:p>
             <a:pPr marL="344170" indent="-344170"/>
-            <a:r>
-              <a:rPr lang="en-US">
-                <a:cs typeface="Arial"/>
-              </a:rPr>
-              <a:t>Desktop App (Game) – C#</a:t>
-            </a:r>
-          </a:p>
-          <a:p>
-            <a:pPr marL="795020" lvl="1" indent="-344170">
-              <a:buFont typeface="Courier New" panose="05000000000000000000" pitchFamily="2" charset="2"/>
-              <a:buChar char="o"/>
-            </a:pPr>
-            <a:r>
-              <a:rPr lang="en-US">
-                <a:cs typeface="Arial"/>
-              </a:rPr>
-              <a:t>Authentication</a:t>
-            </a:r>
-          </a:p>
-          <a:p>
-            <a:pPr marL="795020" lvl="1" indent="-344170">
-              <a:buFont typeface="Courier New" panose="05000000000000000000" pitchFamily="2" charset="2"/>
-              <a:buChar char="o"/>
-            </a:pPr>
-            <a:r>
-              <a:rPr lang="en-US">
-                <a:cs typeface="Arial"/>
-              </a:rPr>
-              <a:t>Cloud Saving</a:t>
-            </a:r>
-          </a:p>
-          <a:p>
-            <a:pPr marL="344170" indent="-344170"/>
-            <a:endParaRPr lang="hu-HU">
+            <a:endParaRPr lang="hu-HU" dirty="0">
               <a:cs typeface="Arial" panose="020B0604020202020204"/>
             </a:endParaRPr>
           </a:p>
@@ -13217,7 +13787,7 @@
           <p:nvPr/>
         </p:nvPicPr>
         <p:blipFill>
-          <a:blip r:embed="rId2"/>
+          <a:blip r:embed="rId3"/>
           <a:stretch>
             <a:fillRect/>
           </a:stretch>
@@ -13838,20 +14408,20 @@
 </file>
 
 <file path=customXml/item1.xml><?xml version="1.0" encoding="utf-8"?>
-<p:properties xmlns:p="http://schemas.microsoft.com/office/2006/metadata/properties" xmlns:xsi="http://www.w3.org/2001/XMLSchema-instance" xmlns:pc="http://schemas.microsoft.com/office/infopath/2007/PartnerControls">
-  <documentManagement>
-    <ReferenceId xmlns="5afde73b-c052-4a2c-91af-a4a96b1c852e" xsi:nil="true"/>
-  </documentManagement>
-</p:properties>
-</file>
-
-<file path=customXml/item2.xml><?xml version="1.0" encoding="utf-8"?>
 <?mso-contentType ?>
 <FormTemplates xmlns="http://schemas.microsoft.com/sharepoint/v3/contenttype/forms">
   <Display>DocumentLibraryForm</Display>
   <Edit>DocumentLibraryForm</Edit>
   <New>DocumentLibraryForm</New>
 </FormTemplates>
+</file>
+
+<file path=customXml/item2.xml><?xml version="1.0" encoding="utf-8"?>
+<p:properties xmlns:p="http://schemas.microsoft.com/office/2006/metadata/properties" xmlns:xsi="http://www.w3.org/2001/XMLSchema-instance" xmlns:pc="http://schemas.microsoft.com/office/infopath/2007/PartnerControls">
+  <documentManagement>
+    <ReferenceId xmlns="5afde73b-c052-4a2c-91af-a4a96b1c852e" xsi:nil="true"/>
+  </documentManagement>
+</p:properties>
 </file>
 
 <file path=customXml/item3.xml><?xml version="1.0" encoding="utf-8"?>
@@ -14005,19 +14575,19 @@
 </file>
 
 <file path=customXml/itemProps1.xml><?xml version="1.0" encoding="utf-8"?>
+<ds:datastoreItem xmlns:ds="http://schemas.openxmlformats.org/officeDocument/2006/customXml" ds:itemID="{FA6D68B5-D09C-4E43-BD92-234AB126FBE8}">
+  <ds:schemaRefs>
+    <ds:schemaRef ds:uri="http://schemas.microsoft.com/sharepoint/v3/contenttype/forms"/>
+  </ds:schemaRefs>
+</ds:datastoreItem>
+</file>
+
+<file path=customXml/itemProps2.xml><?xml version="1.0" encoding="utf-8"?>
 <ds:datastoreItem xmlns:ds="http://schemas.openxmlformats.org/officeDocument/2006/customXml" ds:itemID="{7E7396D5-7FDD-48EF-934B-C4568981EB07}">
   <ds:schemaRefs>
     <ds:schemaRef ds:uri="http://schemas.microsoft.com/office/2006/metadata/properties"/>
     <ds:schemaRef ds:uri="http://schemas.microsoft.com/office/infopath/2007/PartnerControls"/>
     <ds:schemaRef ds:uri="5afde73b-c052-4a2c-91af-a4a96b1c852e"/>
-  </ds:schemaRefs>
-</ds:datastoreItem>
-</file>
-
-<file path=customXml/itemProps2.xml><?xml version="1.0" encoding="utf-8"?>
-<ds:datastoreItem xmlns:ds="http://schemas.openxmlformats.org/officeDocument/2006/customXml" ds:itemID="{FA6D68B5-D09C-4E43-BD92-234AB126FBE8}">
-  <ds:schemaRefs>
-    <ds:schemaRef ds:uri="http://schemas.microsoft.com/sharepoint/v3/contenttype/forms"/>
   </ds:schemaRefs>
 </ds:datastoreItem>
 </file>
